--- a/assets uarm/2019 sol-penscri-justfilpol/La Justicia antes de la Filosofía Política.pptx
+++ b/assets uarm/2019 sol-penscri-justfilpol/La Justicia antes de la Filosofía Política.pptx
@@ -13,10 +13,10 @@
     <p:sldId id="264" r:id="rId7"/>
     <p:sldId id="262" r:id="rId8"/>
     <p:sldId id="263" r:id="rId9"/>
-    <p:sldId id="260" r:id="rId10"/>
-    <p:sldId id="259" r:id="rId11"/>
-    <p:sldId id="265" r:id="rId12"/>
-    <p:sldId id="266" r:id="rId13"/>
+    <p:sldId id="265" r:id="rId10"/>
+    <p:sldId id="266" r:id="rId11"/>
+    <p:sldId id="260" r:id="rId12"/>
+    <p:sldId id="259" r:id="rId13"/>
   </p:sldIdLst>
   <p:sldSz cx="12192000" cy="6858000"/>
   <p:notesSz cx="6858000" cy="9144000"/>
@@ -115,6 +115,11 @@
       </a:defRPr>
     </a:lvl9pPr>
   </p:defaultTextStyle>
+  <p:extLst>
+    <p:ext uri="{EFAFB233-063F-42B5-8137-9DF3F51BA10A}">
+      <p15:sldGuideLst xmlns:p15="http://schemas.microsoft.com/office/powerpoint/2012/main"/>
+    </p:ext>
+  </p:extLst>
 </p:presentation>
 </file>
 
@@ -249,7 +254,7 @@
           <a:p>
             <a:fld id="{1452B8C1-1078-4C5E-B9B4-850C17C1FCAB}" type="datetimeFigureOut">
               <a:rPr lang="es-PE" smtClean="0"/>
-              <a:t>4/08/2019</a:t>
+              <a:t>13/08/2019</a:t>
             </a:fld>
             <a:endParaRPr lang="es-PE"/>
           </a:p>
@@ -419,7 +424,7 @@
           <a:p>
             <a:fld id="{1452B8C1-1078-4C5E-B9B4-850C17C1FCAB}" type="datetimeFigureOut">
               <a:rPr lang="es-PE" smtClean="0"/>
-              <a:t>4/08/2019</a:t>
+              <a:t>13/08/2019</a:t>
             </a:fld>
             <a:endParaRPr lang="es-PE"/>
           </a:p>
@@ -599,7 +604,7 @@
           <a:p>
             <a:fld id="{1452B8C1-1078-4C5E-B9B4-850C17C1FCAB}" type="datetimeFigureOut">
               <a:rPr lang="es-PE" smtClean="0"/>
-              <a:t>4/08/2019</a:t>
+              <a:t>13/08/2019</a:t>
             </a:fld>
             <a:endParaRPr lang="es-PE"/>
           </a:p>
@@ -769,7 +774,7 @@
           <a:p>
             <a:fld id="{1452B8C1-1078-4C5E-B9B4-850C17C1FCAB}" type="datetimeFigureOut">
               <a:rPr lang="es-PE" smtClean="0"/>
-              <a:t>4/08/2019</a:t>
+              <a:t>13/08/2019</a:t>
             </a:fld>
             <a:endParaRPr lang="es-PE"/>
           </a:p>
@@ -1015,7 +1020,7 @@
           <a:p>
             <a:fld id="{1452B8C1-1078-4C5E-B9B4-850C17C1FCAB}" type="datetimeFigureOut">
               <a:rPr lang="es-PE" smtClean="0"/>
-              <a:t>4/08/2019</a:t>
+              <a:t>13/08/2019</a:t>
             </a:fld>
             <a:endParaRPr lang="es-PE"/>
           </a:p>
@@ -1247,7 +1252,7 @@
           <a:p>
             <a:fld id="{1452B8C1-1078-4C5E-B9B4-850C17C1FCAB}" type="datetimeFigureOut">
               <a:rPr lang="es-PE" smtClean="0"/>
-              <a:t>4/08/2019</a:t>
+              <a:t>13/08/2019</a:t>
             </a:fld>
             <a:endParaRPr lang="es-PE"/>
           </a:p>
@@ -1614,7 +1619,7 @@
           <a:p>
             <a:fld id="{1452B8C1-1078-4C5E-B9B4-850C17C1FCAB}" type="datetimeFigureOut">
               <a:rPr lang="es-PE" smtClean="0"/>
-              <a:t>4/08/2019</a:t>
+              <a:t>13/08/2019</a:t>
             </a:fld>
             <a:endParaRPr lang="es-PE"/>
           </a:p>
@@ -1732,7 +1737,7 @@
           <a:p>
             <a:fld id="{1452B8C1-1078-4C5E-B9B4-850C17C1FCAB}" type="datetimeFigureOut">
               <a:rPr lang="es-PE" smtClean="0"/>
-              <a:t>4/08/2019</a:t>
+              <a:t>13/08/2019</a:t>
             </a:fld>
             <a:endParaRPr lang="es-PE"/>
           </a:p>
@@ -1827,7 +1832,7 @@
           <a:p>
             <a:fld id="{1452B8C1-1078-4C5E-B9B4-850C17C1FCAB}" type="datetimeFigureOut">
               <a:rPr lang="es-PE" smtClean="0"/>
-              <a:t>4/08/2019</a:t>
+              <a:t>13/08/2019</a:t>
             </a:fld>
             <a:endParaRPr lang="es-PE"/>
           </a:p>
@@ -2104,7 +2109,7 @@
           <a:p>
             <a:fld id="{1452B8C1-1078-4C5E-B9B4-850C17C1FCAB}" type="datetimeFigureOut">
               <a:rPr lang="es-PE" smtClean="0"/>
-              <a:t>4/08/2019</a:t>
+              <a:t>13/08/2019</a:t>
             </a:fld>
             <a:endParaRPr lang="es-PE"/>
           </a:p>
@@ -2357,7 +2362,7 @@
           <a:p>
             <a:fld id="{1452B8C1-1078-4C5E-B9B4-850C17C1FCAB}" type="datetimeFigureOut">
               <a:rPr lang="es-PE" smtClean="0"/>
-              <a:t>4/08/2019</a:t>
+              <a:t>13/08/2019</a:t>
             </a:fld>
             <a:endParaRPr lang="es-PE"/>
           </a:p>
@@ -2570,7 +2575,7 @@
           <a:p>
             <a:fld id="{1452B8C1-1078-4C5E-B9B4-850C17C1FCAB}" type="datetimeFigureOut">
               <a:rPr lang="es-PE" smtClean="0"/>
-              <a:t>4/08/2019</a:t>
+              <a:t>13/08/2019</a:t>
             </a:fld>
             <a:endParaRPr lang="es-PE"/>
           </a:p>
@@ -3101,29 +3106,6 @@
       </p:grpSpPr>
       <p:sp>
         <p:nvSpPr>
-          <p:cNvPr id="2" name="Título 1"/>
-          <p:cNvSpPr>
-            <a:spLocks noGrp="1"/>
-          </p:cNvSpPr>
-          <p:nvPr>
-            <p:ph type="title"/>
-          </p:nvPr>
-        </p:nvSpPr>
-        <p:spPr/>
-        <p:txBody>
-          <a:bodyPr/>
-          <a:lstStyle/>
-          <a:p>
-            <a:r>
-              <a:rPr lang="en-US" dirty="0" smtClean="0"/>
-              <a:t>Roma</a:t>
-            </a:r>
-            <a:endParaRPr lang="es-PE" dirty="0"/>
-          </a:p>
-        </p:txBody>
-      </p:sp>
-      <p:sp>
-        <p:nvSpPr>
           <p:cNvPr id="3" name="Marcador de contenido 2"/>
           <p:cNvSpPr>
             <a:spLocks noGrp="1"/>
@@ -3132,1093 +3114,87 @@
             <p:ph idx="1"/>
           </p:nvPr>
         </p:nvSpPr>
-        <p:spPr/>
+        <p:spPr>
+          <a:xfrm>
+            <a:off x="838200" y="326571"/>
+            <a:ext cx="10515600" cy="5850392"/>
+          </a:xfrm>
+        </p:spPr>
         <p:txBody>
           <a:bodyPr>
-            <a:normAutofit fontScale="77500" lnSpcReduction="20000"/>
+            <a:normAutofit fontScale="92500" lnSpcReduction="10000"/>
           </a:bodyPr>
           <a:lstStyle/>
           <a:p>
-            <a:r>
-              <a:rPr lang="en-US" dirty="0" smtClean="0"/>
-              <a:t>Un hombre que </a:t>
-            </a:r>
-            <a:r>
-              <a:rPr lang="en-US" dirty="0" err="1" smtClean="0"/>
-              <a:t>encuentra</a:t>
-            </a:r>
-            <a:r>
-              <a:rPr lang="en-US" dirty="0" smtClean="0"/>
-              <a:t> a </a:t>
-            </a:r>
-            <a:r>
-              <a:rPr lang="en-US" dirty="0" err="1" smtClean="0"/>
-              <a:t>su</a:t>
-            </a:r>
-            <a:r>
-              <a:rPr lang="en-US" dirty="0" smtClean="0"/>
-              <a:t> </a:t>
-            </a:r>
-            <a:r>
-              <a:rPr lang="en-US" dirty="0" err="1" smtClean="0"/>
-              <a:t>esposa</a:t>
-            </a:r>
-            <a:r>
-              <a:rPr lang="en-US" dirty="0" smtClean="0"/>
-              <a:t> </a:t>
-            </a:r>
-            <a:r>
-              <a:rPr lang="en-US" dirty="0" err="1" smtClean="0"/>
-              <a:t>siendole</a:t>
-            </a:r>
-            <a:r>
-              <a:rPr lang="en-US" dirty="0" smtClean="0"/>
-              <a:t> </a:t>
-            </a:r>
-            <a:r>
-              <a:rPr lang="en-US" dirty="0" err="1" smtClean="0"/>
-              <a:t>infiel</a:t>
-            </a:r>
-            <a:r>
-              <a:rPr lang="en-US" dirty="0" smtClean="0"/>
-              <a:t> </a:t>
-            </a:r>
-            <a:r>
-              <a:rPr lang="en-US" dirty="0" err="1" smtClean="0"/>
-              <a:t>debe</a:t>
-            </a:r>
-            <a:r>
-              <a:rPr lang="en-US" dirty="0" smtClean="0"/>
-              <a:t> </a:t>
-            </a:r>
-            <a:r>
-              <a:rPr lang="en-US" dirty="0" err="1" smtClean="0"/>
-              <a:t>procurar</a:t>
-            </a:r>
-            <a:r>
-              <a:rPr lang="en-US" dirty="0" smtClean="0"/>
-              <a:t> </a:t>
-            </a:r>
-            <a:r>
-              <a:rPr lang="en-US" dirty="0" err="1" smtClean="0"/>
-              <a:t>encerrárlos</a:t>
-            </a:r>
-            <a:r>
-              <a:rPr lang="en-US" dirty="0" smtClean="0"/>
-              <a:t> y al </a:t>
-            </a:r>
-            <a:r>
-              <a:rPr lang="en-US" dirty="0" err="1" smtClean="0"/>
-              <a:t>cabo</a:t>
-            </a:r>
-            <a:r>
-              <a:rPr lang="en-US" dirty="0" smtClean="0"/>
-              <a:t> de </a:t>
-            </a:r>
-            <a:r>
-              <a:rPr lang="en-US" dirty="0" err="1" smtClean="0"/>
-              <a:t>veinte</a:t>
-            </a:r>
-            <a:r>
-              <a:rPr lang="en-US" dirty="0" smtClean="0"/>
-              <a:t> horas </a:t>
-            </a:r>
-            <a:r>
-              <a:rPr lang="en-US" dirty="0" err="1" smtClean="0"/>
-              <a:t>tener</a:t>
-            </a:r>
-            <a:r>
-              <a:rPr lang="en-US" dirty="0" smtClean="0"/>
-              <a:t> </a:t>
-            </a:r>
-            <a:r>
-              <a:rPr lang="en-US" dirty="0" err="1" smtClean="0"/>
-              <a:t>testigos</a:t>
-            </a:r>
-            <a:r>
-              <a:rPr lang="en-US" dirty="0" smtClean="0"/>
-              <a:t> que </a:t>
-            </a:r>
-            <a:r>
-              <a:rPr lang="en-US" dirty="0" err="1" smtClean="0"/>
-              <a:t>acrediten</a:t>
-            </a:r>
-            <a:r>
-              <a:rPr lang="en-US" dirty="0" smtClean="0"/>
-              <a:t> </a:t>
-            </a:r>
-            <a:r>
-              <a:rPr lang="en-US" dirty="0" err="1" smtClean="0"/>
-              <a:t>los</a:t>
-            </a:r>
-            <a:r>
-              <a:rPr lang="en-US" dirty="0" smtClean="0"/>
-              <a:t> </a:t>
-            </a:r>
-            <a:r>
-              <a:rPr lang="en-US" dirty="0" err="1" smtClean="0"/>
-              <a:t>hechos</a:t>
-            </a:r>
-            <a:r>
-              <a:rPr lang="en-US" dirty="0" smtClean="0"/>
-              <a:t>. </a:t>
-            </a:r>
-            <a:r>
-              <a:rPr lang="en-US" dirty="0" err="1" smtClean="0"/>
-              <a:t>Luego</a:t>
-            </a:r>
-            <a:r>
-              <a:rPr lang="en-US" dirty="0" smtClean="0"/>
-              <a:t> </a:t>
-            </a:r>
-            <a:r>
-              <a:rPr lang="en-US" dirty="0" err="1" smtClean="0"/>
-              <a:t>hacer</a:t>
-            </a:r>
-            <a:r>
-              <a:rPr lang="en-US" dirty="0" smtClean="0"/>
-              <a:t> </a:t>
-            </a:r>
-            <a:r>
-              <a:rPr lang="en-US" dirty="0" err="1" smtClean="0"/>
-              <a:t>una</a:t>
-            </a:r>
-            <a:r>
-              <a:rPr lang="en-US" dirty="0" smtClean="0"/>
-              <a:t> </a:t>
-            </a:r>
-            <a:r>
-              <a:rPr lang="en-US" dirty="0" err="1" smtClean="0"/>
-              <a:t>declaración</a:t>
-            </a:r>
-            <a:r>
-              <a:rPr lang="en-US" dirty="0" smtClean="0"/>
-              <a:t> </a:t>
-            </a:r>
-            <a:r>
-              <a:rPr lang="en-US" dirty="0" err="1" smtClean="0"/>
-              <a:t>pública</a:t>
-            </a:r>
-            <a:r>
-              <a:rPr lang="en-US" dirty="0" smtClean="0"/>
-              <a:t>. Si el </a:t>
-            </a:r>
-            <a:r>
-              <a:rPr lang="en-US" dirty="0" err="1" smtClean="0"/>
-              <a:t>amante</a:t>
-            </a:r>
-            <a:r>
-              <a:rPr lang="en-US" dirty="0" smtClean="0"/>
-              <a:t> </a:t>
-            </a:r>
-            <a:r>
-              <a:rPr lang="en-US" dirty="0" err="1" smtClean="0"/>
-              <a:t>es</a:t>
-            </a:r>
-            <a:r>
-              <a:rPr lang="en-US" dirty="0" smtClean="0"/>
-              <a:t> un </a:t>
-            </a:r>
-            <a:r>
-              <a:rPr lang="en-US" dirty="0" err="1" smtClean="0"/>
-              <a:t>esclavo</a:t>
-            </a:r>
-            <a:r>
-              <a:rPr lang="en-US" dirty="0" smtClean="0"/>
-              <a:t>, el hombre </a:t>
-            </a:r>
-            <a:r>
-              <a:rPr lang="en-US" dirty="0" err="1" smtClean="0"/>
-              <a:t>esta</a:t>
-            </a:r>
-            <a:r>
-              <a:rPr lang="en-US" dirty="0" smtClean="0"/>
-              <a:t> </a:t>
-            </a:r>
-            <a:r>
-              <a:rPr lang="en-US" dirty="0" err="1" smtClean="0"/>
-              <a:t>entitulado</a:t>
-            </a:r>
-            <a:r>
-              <a:rPr lang="en-US" dirty="0" smtClean="0"/>
-              <a:t> de </a:t>
-            </a:r>
-            <a:r>
-              <a:rPr lang="en-US" dirty="0" err="1" smtClean="0"/>
-              <a:t>ejecutarlo</a:t>
-            </a:r>
-            <a:r>
-              <a:rPr lang="en-US" dirty="0" smtClean="0"/>
-              <a:t>. De </a:t>
-            </a:r>
-            <a:r>
-              <a:rPr lang="en-US" dirty="0" err="1" smtClean="0"/>
-              <a:t>otro</a:t>
-            </a:r>
-            <a:r>
-              <a:rPr lang="en-US" dirty="0" smtClean="0"/>
-              <a:t> </a:t>
-            </a:r>
-            <a:r>
-              <a:rPr lang="en-US" dirty="0" err="1" smtClean="0"/>
-              <a:t>modo</a:t>
-            </a:r>
-            <a:r>
-              <a:rPr lang="en-US" dirty="0" smtClean="0"/>
-              <a:t>, el padre de la </a:t>
-            </a:r>
-            <a:r>
-              <a:rPr lang="en-US" dirty="0" err="1" smtClean="0"/>
-              <a:t>esposa</a:t>
-            </a:r>
-            <a:r>
-              <a:rPr lang="en-US" dirty="0" smtClean="0"/>
-              <a:t> </a:t>
-            </a:r>
-            <a:r>
-              <a:rPr lang="en-US" dirty="0" err="1" smtClean="0"/>
-              <a:t>es</a:t>
-            </a:r>
-            <a:r>
-              <a:rPr lang="en-US" dirty="0" smtClean="0"/>
-              <a:t> </a:t>
-            </a:r>
-            <a:r>
-              <a:rPr lang="en-US" dirty="0" err="1" smtClean="0"/>
-              <a:t>quien</a:t>
-            </a:r>
-            <a:r>
-              <a:rPr lang="en-US" dirty="0" smtClean="0"/>
-              <a:t> se </a:t>
-            </a:r>
-            <a:r>
-              <a:rPr lang="en-US" dirty="0" err="1" smtClean="0"/>
-              <a:t>encarga</a:t>
-            </a:r>
-            <a:r>
-              <a:rPr lang="en-US" dirty="0" smtClean="0"/>
-              <a:t> de la </a:t>
-            </a:r>
-            <a:r>
-              <a:rPr lang="en-US" dirty="0" err="1" smtClean="0"/>
-              <a:t>pena</a:t>
-            </a:r>
-            <a:r>
-              <a:rPr lang="en-US" dirty="0" smtClean="0"/>
-              <a:t>. </a:t>
-            </a:r>
-          </a:p>
-          <a:p>
-            <a:r>
-              <a:rPr lang="en-US" dirty="0" smtClean="0"/>
-              <a:t>Si </a:t>
-            </a:r>
-            <a:r>
-              <a:rPr lang="en-US" dirty="0" err="1" smtClean="0"/>
-              <a:t>alguien</a:t>
-            </a:r>
-            <a:r>
-              <a:rPr lang="en-US" dirty="0" smtClean="0"/>
-              <a:t> </a:t>
-            </a:r>
-            <a:r>
-              <a:rPr lang="en-US" dirty="0" err="1" smtClean="0"/>
-              <a:t>quiere</a:t>
-            </a:r>
-            <a:r>
-              <a:rPr lang="en-US" dirty="0" smtClean="0"/>
-              <a:t> </a:t>
-            </a:r>
-            <a:r>
-              <a:rPr lang="en-US" dirty="0" err="1" smtClean="0"/>
-              <a:t>suicidarse</a:t>
-            </a:r>
-            <a:r>
-              <a:rPr lang="en-US" dirty="0" smtClean="0"/>
-              <a:t>, </a:t>
-            </a:r>
-            <a:r>
-              <a:rPr lang="en-US" dirty="0" err="1" smtClean="0"/>
-              <a:t>debe</a:t>
-            </a:r>
-            <a:r>
-              <a:rPr lang="en-US" dirty="0" smtClean="0"/>
-              <a:t> </a:t>
-            </a:r>
-            <a:r>
-              <a:rPr lang="en-US" dirty="0" err="1" smtClean="0"/>
-              <a:t>informar</a:t>
-            </a:r>
-            <a:r>
-              <a:rPr lang="en-US" dirty="0" smtClean="0"/>
-              <a:t> al </a:t>
-            </a:r>
-            <a:r>
-              <a:rPr lang="en-US" dirty="0" err="1" smtClean="0"/>
-              <a:t>senado</a:t>
-            </a:r>
-            <a:r>
-              <a:rPr lang="en-US" dirty="0" smtClean="0"/>
-              <a:t> </a:t>
-            </a:r>
-            <a:r>
-              <a:rPr lang="en-US" dirty="0" err="1" smtClean="0"/>
-              <a:t>sus</a:t>
-            </a:r>
-            <a:r>
-              <a:rPr lang="en-US" dirty="0" smtClean="0"/>
-              <a:t> </a:t>
-            </a:r>
-            <a:r>
-              <a:rPr lang="en-US" dirty="0" err="1" smtClean="0"/>
-              <a:t>razones</a:t>
-            </a:r>
-            <a:r>
-              <a:rPr lang="en-US" dirty="0" smtClean="0"/>
-              <a:t>, </a:t>
-            </a:r>
-            <a:r>
-              <a:rPr lang="en-US" dirty="0" err="1" smtClean="0"/>
-              <a:t>exponiéndolas</a:t>
-            </a:r>
-            <a:r>
-              <a:rPr lang="en-US" dirty="0" smtClean="0"/>
-              <a:t>, para </a:t>
-            </a:r>
-            <a:r>
-              <a:rPr lang="en-US" dirty="0" err="1" smtClean="0"/>
-              <a:t>luego</a:t>
-            </a:r>
-            <a:r>
-              <a:rPr lang="en-US" dirty="0" smtClean="0"/>
-              <a:t> </a:t>
-            </a:r>
-            <a:r>
-              <a:rPr lang="en-US" dirty="0" err="1" smtClean="0"/>
-              <a:t>permitírsele</a:t>
-            </a:r>
-            <a:r>
-              <a:rPr lang="en-US" dirty="0" smtClean="0"/>
-              <a:t> o </a:t>
-            </a:r>
-            <a:r>
-              <a:rPr lang="en-US" dirty="0" err="1" smtClean="0"/>
-              <a:t>buscar</a:t>
-            </a:r>
-            <a:r>
-              <a:rPr lang="en-US" dirty="0" smtClean="0"/>
-              <a:t> </a:t>
-            </a:r>
-            <a:r>
-              <a:rPr lang="en-US" dirty="0" err="1" smtClean="0"/>
-              <a:t>una</a:t>
-            </a:r>
-            <a:r>
-              <a:rPr lang="en-US" dirty="0" smtClean="0"/>
-              <a:t> </a:t>
-            </a:r>
-            <a:r>
-              <a:rPr lang="en-US" dirty="0" err="1" smtClean="0"/>
-              <a:t>solución</a:t>
-            </a:r>
-            <a:r>
-              <a:rPr lang="en-US" dirty="0" smtClean="0"/>
-              <a:t>. El </a:t>
-            </a:r>
-            <a:r>
-              <a:rPr lang="en-US" dirty="0" err="1" smtClean="0"/>
-              <a:t>senado</a:t>
-            </a:r>
-            <a:r>
-              <a:rPr lang="en-US" dirty="0" smtClean="0"/>
-              <a:t> </a:t>
-            </a:r>
-            <a:r>
-              <a:rPr lang="en-US" dirty="0" err="1" smtClean="0"/>
-              <a:t>puede</a:t>
-            </a:r>
-            <a:r>
-              <a:rPr lang="en-US" dirty="0" smtClean="0"/>
-              <a:t> </a:t>
-            </a:r>
-            <a:r>
-              <a:rPr lang="en-US" dirty="0" err="1" smtClean="0"/>
-              <a:t>facilitar</a:t>
-            </a:r>
-            <a:r>
-              <a:rPr lang="en-US" dirty="0" smtClean="0"/>
-              <a:t> </a:t>
-            </a:r>
-            <a:r>
-              <a:rPr lang="en-US" dirty="0" err="1" smtClean="0"/>
-              <a:t>venenos</a:t>
-            </a:r>
-            <a:r>
-              <a:rPr lang="en-US" dirty="0" smtClean="0"/>
-              <a:t> para </a:t>
-            </a:r>
-            <a:r>
-              <a:rPr lang="en-US" dirty="0" err="1" smtClean="0"/>
-              <a:t>dicho</a:t>
-            </a:r>
-            <a:r>
-              <a:rPr lang="en-US" dirty="0" smtClean="0"/>
-              <a:t> fin. </a:t>
-            </a:r>
-            <a:r>
-              <a:rPr lang="en-US" dirty="0" err="1" smtClean="0"/>
-              <a:t>Esta</a:t>
-            </a:r>
-            <a:r>
-              <a:rPr lang="en-US" dirty="0" smtClean="0"/>
-              <a:t> </a:t>
-            </a:r>
-            <a:r>
-              <a:rPr lang="en-US" dirty="0" err="1" smtClean="0"/>
-              <a:t>salida</a:t>
-            </a:r>
-            <a:r>
-              <a:rPr lang="en-US" dirty="0" smtClean="0"/>
-              <a:t> </a:t>
-            </a:r>
-            <a:r>
-              <a:rPr lang="en-US" dirty="0" err="1" smtClean="0"/>
-              <a:t>puede</a:t>
-            </a:r>
-            <a:r>
-              <a:rPr lang="en-US" dirty="0" smtClean="0"/>
-              <a:t> verse </a:t>
-            </a:r>
-            <a:r>
-              <a:rPr lang="en-US" dirty="0" err="1" smtClean="0"/>
-              <a:t>como</a:t>
-            </a:r>
-            <a:r>
-              <a:rPr lang="en-US" dirty="0" smtClean="0"/>
-              <a:t> </a:t>
-            </a:r>
-            <a:r>
-              <a:rPr lang="en-US" dirty="0" err="1" smtClean="0"/>
-              <a:t>una</a:t>
-            </a:r>
-            <a:r>
-              <a:rPr lang="en-US" dirty="0" smtClean="0"/>
-              <a:t> </a:t>
-            </a:r>
-            <a:r>
-              <a:rPr lang="en-US" dirty="0" err="1" smtClean="0"/>
-              <a:t>opción</a:t>
-            </a:r>
-            <a:r>
-              <a:rPr lang="en-US" dirty="0" smtClean="0"/>
-              <a:t> </a:t>
-            </a:r>
-            <a:r>
-              <a:rPr lang="en-US" dirty="0" err="1" smtClean="0"/>
-              <a:t>digna</a:t>
-            </a:r>
-            <a:r>
-              <a:rPr lang="en-US" dirty="0" smtClean="0"/>
-              <a:t>, </a:t>
-            </a:r>
-            <a:r>
-              <a:rPr lang="en-US" dirty="0" err="1" smtClean="0"/>
-              <a:t>como</a:t>
-            </a:r>
-            <a:r>
-              <a:rPr lang="en-US" dirty="0" smtClean="0"/>
-              <a:t> </a:t>
-            </a:r>
-            <a:r>
-              <a:rPr lang="en-US" dirty="0" err="1" smtClean="0"/>
-              <a:t>por</a:t>
-            </a:r>
-            <a:r>
-              <a:rPr lang="en-US" dirty="0" smtClean="0"/>
-              <a:t> </a:t>
-            </a:r>
-            <a:r>
-              <a:rPr lang="en-US" dirty="0" err="1" smtClean="0"/>
-              <a:t>ejemplo</a:t>
-            </a:r>
-            <a:r>
-              <a:rPr lang="en-US" dirty="0" smtClean="0"/>
-              <a:t>, </a:t>
-            </a:r>
-            <a:r>
-              <a:rPr lang="en-US" dirty="0" err="1" smtClean="0"/>
-              <a:t>cuando</a:t>
-            </a:r>
-            <a:r>
-              <a:rPr lang="en-US" dirty="0" smtClean="0"/>
-              <a:t> se </a:t>
-            </a:r>
-            <a:r>
-              <a:rPr lang="en-US" dirty="0" err="1" smtClean="0"/>
-              <a:t>busca</a:t>
-            </a:r>
-            <a:r>
-              <a:rPr lang="en-US" dirty="0" smtClean="0"/>
-              <a:t> </a:t>
-            </a:r>
-            <a:r>
-              <a:rPr lang="en-US" dirty="0" err="1" smtClean="0"/>
-              <a:t>evitar</a:t>
-            </a:r>
-            <a:r>
-              <a:rPr lang="en-US" dirty="0" smtClean="0"/>
-              <a:t> </a:t>
-            </a:r>
-            <a:r>
-              <a:rPr lang="en-US" dirty="0" err="1" smtClean="0"/>
-              <a:t>una</a:t>
-            </a:r>
-            <a:r>
-              <a:rPr lang="en-US" dirty="0" smtClean="0"/>
-              <a:t> </a:t>
-            </a:r>
-            <a:r>
-              <a:rPr lang="en-US" dirty="0" err="1" smtClean="0"/>
-              <a:t>ejecución</a:t>
-            </a:r>
-            <a:r>
-              <a:rPr lang="en-US" dirty="0" smtClean="0"/>
-              <a:t> </a:t>
-            </a:r>
-            <a:r>
-              <a:rPr lang="en-US" dirty="0" err="1" smtClean="0"/>
-              <a:t>pública</a:t>
-            </a:r>
-            <a:r>
-              <a:rPr lang="en-US" dirty="0" smtClean="0"/>
-              <a:t>. No </a:t>
-            </a:r>
-            <a:r>
-              <a:rPr lang="en-US" dirty="0" err="1" smtClean="0"/>
-              <a:t>todos</a:t>
-            </a:r>
-            <a:r>
-              <a:rPr lang="en-US" dirty="0" smtClean="0"/>
-              <a:t> </a:t>
-            </a:r>
-            <a:r>
-              <a:rPr lang="en-US" dirty="0" err="1" smtClean="0"/>
-              <a:t>tienen</a:t>
-            </a:r>
-            <a:r>
-              <a:rPr lang="en-US" dirty="0" smtClean="0"/>
-              <a:t> </a:t>
-            </a:r>
-            <a:r>
-              <a:rPr lang="en-US" dirty="0" err="1" smtClean="0"/>
-              <a:t>este</a:t>
-            </a:r>
-            <a:r>
-              <a:rPr lang="en-US" dirty="0" smtClean="0"/>
-              <a:t> </a:t>
-            </a:r>
-            <a:r>
-              <a:rPr lang="en-US" dirty="0" err="1" smtClean="0"/>
-              <a:t>beneficio</a:t>
-            </a:r>
-            <a:r>
-              <a:rPr lang="en-US" dirty="0" smtClean="0"/>
-              <a:t>, </a:t>
-            </a:r>
-            <a:r>
-              <a:rPr lang="en-US" dirty="0" err="1" smtClean="0"/>
-              <a:t>como</a:t>
-            </a:r>
-            <a:r>
-              <a:rPr lang="en-US" dirty="0" smtClean="0"/>
-              <a:t> </a:t>
-            </a:r>
-            <a:r>
-              <a:rPr lang="en-US" dirty="0" err="1" smtClean="0"/>
-              <a:t>esclavos</a:t>
-            </a:r>
-            <a:r>
-              <a:rPr lang="en-US" dirty="0" smtClean="0"/>
-              <a:t> y </a:t>
-            </a:r>
-            <a:r>
-              <a:rPr lang="en-US" dirty="0" err="1" smtClean="0"/>
-              <a:t>legionarios</a:t>
-            </a:r>
-            <a:r>
-              <a:rPr lang="en-US" dirty="0" smtClean="0"/>
-              <a:t>. Los </a:t>
-            </a:r>
-            <a:r>
-              <a:rPr lang="en-US" dirty="0" err="1" smtClean="0"/>
-              <a:t>esclavos</a:t>
-            </a:r>
-            <a:r>
-              <a:rPr lang="en-US" dirty="0" smtClean="0"/>
-              <a:t> al </a:t>
-            </a:r>
-            <a:r>
-              <a:rPr lang="en-US" dirty="0" err="1" smtClean="0"/>
-              <a:t>ser</a:t>
-            </a:r>
-            <a:r>
-              <a:rPr lang="en-US" dirty="0" smtClean="0"/>
-              <a:t> </a:t>
-            </a:r>
-            <a:r>
-              <a:rPr lang="en-US" dirty="0" err="1" smtClean="0"/>
-              <a:t>propiedad</a:t>
-            </a:r>
-            <a:r>
-              <a:rPr lang="en-US" dirty="0" smtClean="0"/>
-              <a:t> no </a:t>
-            </a:r>
-            <a:r>
-              <a:rPr lang="en-US" dirty="0" err="1" smtClean="0"/>
-              <a:t>pueden</a:t>
-            </a:r>
-            <a:r>
-              <a:rPr lang="en-US" dirty="0" smtClean="0"/>
-              <a:t> </a:t>
-            </a:r>
-            <a:r>
-              <a:rPr lang="en-US" dirty="0" err="1" smtClean="0"/>
-              <a:t>decidir</a:t>
-            </a:r>
-            <a:r>
-              <a:rPr lang="en-US" dirty="0" smtClean="0"/>
-              <a:t> y </a:t>
-            </a:r>
-            <a:r>
-              <a:rPr lang="en-US" dirty="0" err="1" smtClean="0"/>
-              <a:t>sus</a:t>
-            </a:r>
-            <a:r>
-              <a:rPr lang="en-US" dirty="0" smtClean="0"/>
-              <a:t> </a:t>
-            </a:r>
-            <a:r>
-              <a:rPr lang="en-US" dirty="0" err="1" smtClean="0"/>
-              <a:t>amos</a:t>
-            </a:r>
-            <a:r>
-              <a:rPr lang="en-US" dirty="0" smtClean="0"/>
-              <a:t> </a:t>
-            </a:r>
-            <a:r>
-              <a:rPr lang="en-US" dirty="0" err="1" smtClean="0"/>
-              <a:t>podrían</a:t>
-            </a:r>
-            <a:r>
-              <a:rPr lang="en-US" dirty="0" smtClean="0"/>
-              <a:t> </a:t>
-            </a:r>
-            <a:r>
-              <a:rPr lang="en-US" dirty="0" err="1" smtClean="0"/>
-              <a:t>recibir</a:t>
-            </a:r>
-            <a:r>
-              <a:rPr lang="en-US" dirty="0" smtClean="0"/>
-              <a:t> un </a:t>
-            </a:r>
-            <a:r>
-              <a:rPr lang="en-US" dirty="0" err="1" smtClean="0"/>
-              <a:t>reembolso</a:t>
-            </a:r>
-            <a:r>
-              <a:rPr lang="en-US" dirty="0" smtClean="0"/>
-              <a:t> de </a:t>
-            </a:r>
-            <a:r>
-              <a:rPr lang="en-US" dirty="0" err="1" smtClean="0"/>
-              <a:t>suceder</a:t>
-            </a:r>
-            <a:r>
-              <a:rPr lang="en-US" dirty="0" smtClean="0"/>
-              <a:t>. Los </a:t>
-            </a:r>
-            <a:r>
-              <a:rPr lang="en-US" dirty="0" err="1" smtClean="0"/>
-              <a:t>soldados</a:t>
-            </a:r>
-            <a:r>
-              <a:rPr lang="en-US" dirty="0" smtClean="0"/>
-              <a:t> que se </a:t>
-            </a:r>
-            <a:r>
-              <a:rPr lang="en-US" dirty="0" err="1" smtClean="0"/>
-              <a:t>quitan</a:t>
-            </a:r>
-            <a:r>
-              <a:rPr lang="en-US" dirty="0" smtClean="0"/>
-              <a:t> la </a:t>
-            </a:r>
-            <a:r>
-              <a:rPr lang="en-US" dirty="0" err="1" smtClean="0"/>
-              <a:t>vida</a:t>
-            </a:r>
-            <a:r>
-              <a:rPr lang="en-US" dirty="0" smtClean="0"/>
-              <a:t> </a:t>
-            </a:r>
-            <a:r>
-              <a:rPr lang="en-US" dirty="0" err="1" smtClean="0"/>
-              <a:t>permiten</a:t>
-            </a:r>
-            <a:r>
-              <a:rPr lang="en-US" dirty="0" smtClean="0"/>
-              <a:t> que el </a:t>
-            </a:r>
-            <a:r>
-              <a:rPr lang="en-US" dirty="0" err="1" smtClean="0"/>
-              <a:t>senado</a:t>
-            </a:r>
-            <a:r>
-              <a:rPr lang="en-US" dirty="0" smtClean="0"/>
-              <a:t> </a:t>
-            </a:r>
-            <a:r>
-              <a:rPr lang="en-US" dirty="0" err="1" smtClean="0"/>
-              <a:t>confisque</a:t>
-            </a:r>
-            <a:r>
-              <a:rPr lang="en-US" dirty="0" smtClean="0"/>
-              <a:t> </a:t>
-            </a:r>
-            <a:r>
-              <a:rPr lang="en-US" dirty="0" err="1" smtClean="0"/>
-              <a:t>sus</a:t>
-            </a:r>
-            <a:r>
-              <a:rPr lang="en-US" dirty="0" smtClean="0"/>
-              <a:t> </a:t>
-            </a:r>
-            <a:r>
-              <a:rPr lang="en-US" dirty="0" err="1" smtClean="0"/>
-              <a:t>bienes</a:t>
-            </a:r>
-            <a:r>
-              <a:rPr lang="en-US" dirty="0" smtClean="0"/>
-              <a:t>. </a:t>
-            </a:r>
-            <a:r>
-              <a:rPr lang="en-US" dirty="0" err="1" smtClean="0"/>
-              <a:t>Alguien</a:t>
-            </a:r>
-            <a:r>
-              <a:rPr lang="en-US" dirty="0" smtClean="0"/>
-              <a:t> que se suicide sin </a:t>
-            </a:r>
-            <a:r>
-              <a:rPr lang="en-US" dirty="0" err="1" smtClean="0"/>
-              <a:t>consentimiento</a:t>
-            </a:r>
-            <a:r>
-              <a:rPr lang="en-US" dirty="0" smtClean="0"/>
-              <a:t> del </a:t>
-            </a:r>
-            <a:r>
-              <a:rPr lang="en-US" dirty="0" err="1" smtClean="0"/>
-              <a:t>senado</a:t>
-            </a:r>
-            <a:r>
-              <a:rPr lang="en-US" dirty="0" smtClean="0"/>
-              <a:t> </a:t>
-            </a:r>
-            <a:r>
-              <a:rPr lang="en-US" dirty="0" err="1" smtClean="0"/>
-              <a:t>es</a:t>
-            </a:r>
-            <a:r>
-              <a:rPr lang="en-US" dirty="0" smtClean="0"/>
-              <a:t> </a:t>
-            </a:r>
-            <a:r>
-              <a:rPr lang="en-US" dirty="0" err="1" smtClean="0"/>
-              <a:t>sepultado</a:t>
-            </a:r>
-            <a:r>
-              <a:rPr lang="en-US" dirty="0" smtClean="0"/>
-              <a:t> </a:t>
-            </a:r>
-            <a:r>
-              <a:rPr lang="en-US" dirty="0" err="1" smtClean="0"/>
-              <a:t>en</a:t>
-            </a:r>
-            <a:r>
-              <a:rPr lang="en-US" dirty="0" smtClean="0"/>
-              <a:t> </a:t>
-            </a:r>
-            <a:r>
-              <a:rPr lang="en-US" dirty="0" err="1" smtClean="0"/>
-              <a:t>una</a:t>
-            </a:r>
-            <a:r>
-              <a:rPr lang="en-US" dirty="0" smtClean="0"/>
-              <a:t> </a:t>
-            </a:r>
-            <a:r>
-              <a:rPr lang="en-US" dirty="0" err="1" smtClean="0"/>
-              <a:t>fosa</a:t>
-            </a:r>
-            <a:r>
-              <a:rPr lang="en-US" dirty="0" smtClean="0"/>
-              <a:t> </a:t>
-            </a:r>
-            <a:r>
-              <a:rPr lang="en-US" dirty="0" err="1" smtClean="0"/>
-              <a:t>común</a:t>
-            </a:r>
-            <a:r>
-              <a:rPr lang="en-US" dirty="0" smtClean="0"/>
-              <a:t> y </a:t>
-            </a:r>
-            <a:r>
-              <a:rPr lang="en-US" dirty="0" err="1" smtClean="0"/>
-              <a:t>sus</a:t>
-            </a:r>
-            <a:r>
-              <a:rPr lang="en-US" dirty="0" smtClean="0"/>
-              <a:t> </a:t>
-            </a:r>
-            <a:r>
-              <a:rPr lang="en-US" dirty="0" err="1" smtClean="0"/>
-              <a:t>bienes</a:t>
-            </a:r>
-            <a:r>
-              <a:rPr lang="en-US" dirty="0" smtClean="0"/>
-              <a:t> son </a:t>
-            </a:r>
-            <a:r>
-              <a:rPr lang="en-US" dirty="0" err="1" smtClean="0"/>
-              <a:t>expropiados</a:t>
-            </a:r>
-            <a:r>
-              <a:rPr lang="en-US" dirty="0" smtClean="0"/>
-              <a:t> de </a:t>
-            </a:r>
-            <a:r>
-              <a:rPr lang="en-US" dirty="0" err="1" smtClean="0"/>
-              <a:t>su</a:t>
-            </a:r>
-            <a:r>
-              <a:rPr lang="en-US" dirty="0" smtClean="0"/>
-              <a:t> </a:t>
-            </a:r>
-            <a:r>
-              <a:rPr lang="en-US" dirty="0" err="1" smtClean="0"/>
-              <a:t>familia</a:t>
-            </a:r>
-            <a:r>
-              <a:rPr lang="en-US" dirty="0" smtClean="0"/>
-              <a:t>. </a:t>
-            </a:r>
-          </a:p>
-          <a:p>
-            <a:r>
-              <a:rPr lang="en-US" dirty="0" smtClean="0"/>
-              <a:t>Hay </a:t>
-            </a:r>
-            <a:r>
-              <a:rPr lang="en-US" dirty="0" err="1" smtClean="0"/>
-              <a:t>leyes</a:t>
-            </a:r>
-            <a:r>
-              <a:rPr lang="en-US" dirty="0" smtClean="0"/>
-              <a:t> que </a:t>
-            </a:r>
-            <a:r>
-              <a:rPr lang="en-US" dirty="0" err="1" smtClean="0"/>
-              <a:t>buscan</a:t>
-            </a:r>
-            <a:r>
-              <a:rPr lang="en-US" dirty="0" smtClean="0"/>
-              <a:t> </a:t>
-            </a:r>
-            <a:r>
-              <a:rPr lang="en-US" dirty="0" err="1" smtClean="0"/>
-              <a:t>refrenar</a:t>
-            </a:r>
-            <a:r>
-              <a:rPr lang="en-US" dirty="0" smtClean="0"/>
-              <a:t> el </a:t>
-            </a:r>
-            <a:r>
-              <a:rPr lang="en-US" dirty="0" err="1" smtClean="0"/>
-              <a:t>lujo</a:t>
-            </a:r>
-            <a:r>
-              <a:rPr lang="en-US" dirty="0" smtClean="0"/>
-              <a:t> o la </a:t>
-            </a:r>
-            <a:r>
-              <a:rPr lang="en-US" dirty="0" err="1" smtClean="0"/>
-              <a:t>ostentación</a:t>
-            </a:r>
-            <a:r>
-              <a:rPr lang="en-US" dirty="0" smtClean="0"/>
-              <a:t>. </a:t>
-            </a:r>
-            <a:r>
-              <a:rPr lang="en-US" dirty="0" err="1" smtClean="0"/>
-              <a:t>Estan</a:t>
-            </a:r>
-            <a:r>
-              <a:rPr lang="en-US" dirty="0" smtClean="0"/>
-              <a:t> </a:t>
-            </a:r>
-            <a:r>
-              <a:rPr lang="en-US" dirty="0" err="1" smtClean="0"/>
-              <a:t>prohibidos</a:t>
-            </a:r>
-            <a:r>
-              <a:rPr lang="en-US" dirty="0" smtClean="0"/>
-              <a:t> </a:t>
-            </a:r>
-            <a:r>
-              <a:rPr lang="en-US" dirty="0" err="1" smtClean="0"/>
-              <a:t>los</a:t>
-            </a:r>
-            <a:r>
-              <a:rPr lang="en-US" dirty="0" smtClean="0"/>
-              <a:t> </a:t>
-            </a:r>
-            <a:r>
-              <a:rPr lang="en-US" dirty="0" err="1" smtClean="0"/>
-              <a:t>trajes</a:t>
-            </a:r>
-            <a:r>
-              <a:rPr lang="en-US" dirty="0" smtClean="0"/>
-              <a:t> de </a:t>
-            </a:r>
-            <a:r>
-              <a:rPr lang="en-US" dirty="0" err="1" smtClean="0"/>
-              <a:t>seda</a:t>
-            </a:r>
-            <a:r>
-              <a:rPr lang="en-US" dirty="0" smtClean="0"/>
-              <a:t> y el color purpura (</a:t>
-            </a:r>
-            <a:r>
-              <a:rPr lang="en-US" dirty="0" err="1" smtClean="0"/>
-              <a:t>foinikes</a:t>
-            </a:r>
-            <a:r>
-              <a:rPr lang="en-US" dirty="0" smtClean="0"/>
-              <a:t>) </a:t>
-            </a:r>
-            <a:r>
-              <a:rPr lang="en-US" dirty="0" err="1" smtClean="0"/>
-              <a:t>excepto</a:t>
-            </a:r>
-            <a:r>
-              <a:rPr lang="en-US" dirty="0" smtClean="0"/>
-              <a:t> para </a:t>
-            </a:r>
-            <a:r>
-              <a:rPr lang="en-US" dirty="0" err="1" smtClean="0"/>
-              <a:t>grandes</a:t>
-            </a:r>
-            <a:r>
-              <a:rPr lang="en-US" dirty="0" smtClean="0"/>
-              <a:t> </a:t>
-            </a:r>
-            <a:r>
-              <a:rPr lang="en-US" dirty="0" err="1" smtClean="0"/>
-              <a:t>magistrados</a:t>
-            </a:r>
-            <a:r>
-              <a:rPr lang="en-US" dirty="0" smtClean="0"/>
-              <a:t>. Los </a:t>
-            </a:r>
-            <a:r>
-              <a:rPr lang="en-US" dirty="0" err="1" smtClean="0"/>
-              <a:t>censores</a:t>
-            </a:r>
-            <a:r>
-              <a:rPr lang="en-US" dirty="0" smtClean="0"/>
-              <a:t> </a:t>
-            </a:r>
-            <a:r>
-              <a:rPr lang="en-US" dirty="0" err="1" smtClean="0"/>
-              <a:t>romanos</a:t>
-            </a:r>
-            <a:r>
-              <a:rPr lang="en-US" dirty="0" smtClean="0"/>
-              <a:t> </a:t>
-            </a:r>
-            <a:r>
-              <a:rPr lang="en-US" dirty="0" err="1" smtClean="0"/>
-              <a:t>buscaban</a:t>
-            </a:r>
-            <a:r>
-              <a:rPr lang="en-US" dirty="0" smtClean="0"/>
-              <a:t> </a:t>
-            </a:r>
-            <a:r>
-              <a:rPr lang="en-US" dirty="0" err="1" smtClean="0"/>
-              <a:t>controlar</a:t>
-            </a:r>
-            <a:r>
-              <a:rPr lang="en-US" dirty="0" smtClean="0"/>
-              <a:t> </a:t>
-            </a:r>
-            <a:r>
-              <a:rPr lang="en-US" dirty="0" err="1" smtClean="0"/>
-              <a:t>los</a:t>
-            </a:r>
-            <a:r>
-              <a:rPr lang="en-US" dirty="0" smtClean="0"/>
-              <a:t> </a:t>
-            </a:r>
-            <a:r>
-              <a:rPr lang="en-US" dirty="0" err="1" smtClean="0"/>
-              <a:t>gastos</a:t>
-            </a:r>
-            <a:r>
-              <a:rPr lang="en-US" dirty="0" smtClean="0"/>
-              <a:t> </a:t>
-            </a:r>
-            <a:r>
-              <a:rPr lang="en-US" dirty="0" err="1" smtClean="0"/>
-              <a:t>extravagantes</a:t>
-            </a:r>
-            <a:r>
-              <a:rPr lang="en-US" dirty="0" smtClean="0"/>
-              <a:t>, </a:t>
-            </a:r>
-            <a:r>
-              <a:rPr lang="en-US" dirty="0" err="1" smtClean="0"/>
-              <a:t>acusando</a:t>
-            </a:r>
-            <a:r>
-              <a:rPr lang="en-US" dirty="0" smtClean="0"/>
-              <a:t> a </a:t>
-            </a:r>
-            <a:r>
-              <a:rPr lang="en-US" dirty="0" err="1" smtClean="0"/>
-              <a:t>ciudadanos</a:t>
-            </a:r>
-            <a:r>
-              <a:rPr lang="en-US" dirty="0" smtClean="0"/>
-              <a:t> que </a:t>
-            </a:r>
-            <a:r>
-              <a:rPr lang="en-US" dirty="0" err="1" smtClean="0"/>
-              <a:t>vivian</a:t>
-            </a:r>
-            <a:r>
-              <a:rPr lang="en-US" dirty="0" smtClean="0"/>
-              <a:t> </a:t>
-            </a:r>
-            <a:r>
-              <a:rPr lang="en-US" dirty="0" err="1" smtClean="0"/>
-              <a:t>lujosamente</a:t>
-            </a:r>
-            <a:r>
-              <a:rPr lang="en-US" dirty="0" smtClean="0"/>
-              <a:t>.</a:t>
-            </a:r>
+            <a:pPr fontAlgn="base"/>
+            <a:r>
+              <a:rPr lang="en-US" dirty="0"/>
+              <a:t>To understand the concept of "</a:t>
+            </a:r>
+            <a:r>
+              <a:rPr lang="en-US" dirty="0" err="1"/>
+              <a:t>ergi</a:t>
+            </a:r>
+            <a:r>
+              <a:rPr lang="en-US" dirty="0"/>
+              <a:t>", one need to understand that </a:t>
+            </a:r>
+            <a:r>
+              <a:rPr lang="en-US" dirty="0" err="1"/>
+              <a:t>norse</a:t>
+            </a:r>
+            <a:r>
+              <a:rPr lang="en-US" dirty="0"/>
+              <a:t> society had very strict gender norms, and their system of social control. Everything in the </a:t>
+            </a:r>
+            <a:r>
+              <a:rPr lang="en-US" dirty="0" err="1"/>
+              <a:t>norse</a:t>
+            </a:r>
+            <a:r>
+              <a:rPr lang="en-US" dirty="0"/>
+              <a:t> society revolved around family: the family/clan defined politics, alliances and social standing. Any honor you achieved, reflected on your family, any shameful incident brought shame on your family as well. Upholding duties was honorable, breaking the order of things shameful. Everything revolved around the honor/shame-axis.</a:t>
+            </a:r>
+          </a:p>
+          <a:p>
+            <a:pPr fontAlgn="base"/>
+            <a:r>
+              <a:rPr lang="en-US" dirty="0"/>
+              <a:t>Breaking gender norms was shameful, and only permissible to avoid greater shame. (example: a woman avenging a blood debt because her brothers was too cowardly, would be ok.) The myth of Thor dressing as a woman to retrieve his hammer, would be extremely humorous in the late </a:t>
+            </a:r>
+            <a:r>
+              <a:rPr lang="en-US" dirty="0" err="1"/>
+              <a:t>viking</a:t>
+            </a:r>
+            <a:r>
+              <a:rPr lang="en-US" dirty="0"/>
+              <a:t> era.</a:t>
+            </a:r>
+          </a:p>
+          <a:p>
+            <a:pPr fontAlgn="base"/>
+            <a:r>
+              <a:rPr lang="en-US" dirty="0"/>
+              <a:t>The concept of "</a:t>
+            </a:r>
+            <a:r>
+              <a:rPr lang="en-US" dirty="0" err="1"/>
+              <a:t>ergi</a:t>
+            </a:r>
+            <a:r>
+              <a:rPr lang="en-US" dirty="0"/>
+              <a:t>" has sexual connotations, and is probably best understood as "unmanly". This in a society where deviating from gender roles had extreme consequences for the individual and family. Being called "</a:t>
+            </a:r>
+            <a:r>
+              <a:rPr lang="en-US" dirty="0" err="1"/>
+              <a:t>ergi</a:t>
+            </a:r>
+            <a:r>
+              <a:rPr lang="en-US" dirty="0"/>
+              <a:t>" would be an insult of the greatest order, a killing offence. You would not be punished for such a killing, you were protecting your honor.</a:t>
+            </a:r>
+          </a:p>
+          <a:p>
             <a:endParaRPr lang="es-PE" dirty="0"/>
           </a:p>
         </p:txBody>
@@ -4226,7 +3202,7 @@
     </p:spTree>
     <p:extLst>
       <p:ext uri="{BB962C8B-B14F-4D97-AF65-F5344CB8AC3E}">
-        <p14:creationId xmlns:p14="http://schemas.microsoft.com/office/powerpoint/2010/main" val="3722115128"/>
+        <p14:creationId xmlns:p14="http://schemas.microsoft.com/office/powerpoint/2010/main" val="2993919734"/>
       </p:ext>
     </p:extLst>
   </p:cSld>
@@ -4269,8 +3245,8 @@
           <a:lstStyle/>
           <a:p>
             <a:r>
-              <a:rPr lang="es-PE" dirty="0" smtClean="0"/>
-              <a:t>Vikingos</a:t>
+              <a:rPr lang="en-US" dirty="0" err="1" smtClean="0"/>
+              <a:t>Grecia</a:t>
             </a:r>
             <a:endParaRPr lang="es-PE" dirty="0"/>
           </a:p>
@@ -4289,49 +3265,121 @@
         <p:spPr/>
         <p:txBody>
           <a:bodyPr>
-            <a:normAutofit fontScale="92500"/>
+            <a:normAutofit fontScale="77500" lnSpcReduction="20000"/>
           </a:bodyPr>
           <a:lstStyle/>
           <a:p>
             <a:r>
-              <a:rPr lang="es-PE" dirty="0" smtClean="0"/>
-              <a:t>Existe un complejo sistema de honor y justicia. Los castigos pueden ser muy cruentos. Se pueden resolver disputas mediante pagos compensatorios o duelos a muerte. En algunos casos se puede condenar al ostracismo, por lo que el sujeto puede ser asesinado sin represalias. </a:t>
-            </a:r>
-          </a:p>
-          <a:p>
-            <a:r>
-              <a:rPr lang="es-PE" dirty="0" smtClean="0"/>
-              <a:t>Aquel que coma hasta que su cinturón no soporte más es condenado a muerte. Aquel que beba y se emborrache podría tener el mismo desenlace. </a:t>
-            </a:r>
-          </a:p>
-          <a:p>
-            <a:r>
-              <a:rPr lang="es-PE" dirty="0" smtClean="0"/>
-              <a:t>Si alguien te insulta puedes reclamar una compensación financiera. “</a:t>
-            </a:r>
-            <a:r>
-              <a:rPr lang="es-PE" dirty="0" err="1" smtClean="0"/>
-              <a:t>Ergi</a:t>
-            </a:r>
-            <a:r>
-              <a:rPr lang="es-PE" dirty="0" smtClean="0"/>
-              <a:t>, </a:t>
-            </a:r>
-            <a:r>
-              <a:rPr lang="es-PE" dirty="0" err="1" smtClean="0"/>
-              <a:t>argr</a:t>
-            </a:r>
-            <a:r>
-              <a:rPr lang="es-PE" dirty="0" smtClean="0"/>
-              <a:t>, </a:t>
-            </a:r>
-            <a:r>
-              <a:rPr lang="es-PE" dirty="0" err="1" smtClean="0"/>
-              <a:t>ragr</a:t>
-            </a:r>
-            <a:r>
-              <a:rPr lang="es-PE" dirty="0" smtClean="0"/>
-              <a:t>”. Referirse a alguien como cobarde o afeminado es un gran deshonor en esta sociedad. Se espera que al recibir este tipo de ofensa, el agredido mate al ofensor de modo inmediato. </a:t>
+              <a:rPr lang="es-MX" dirty="0" smtClean="0"/>
+              <a:t>La legislación griega es amplia. Los encargados de proponer los nomos a sus </a:t>
+            </a:r>
+            <a:r>
+              <a:rPr lang="es-MX" dirty="0" err="1" smtClean="0"/>
+              <a:t>pólis</a:t>
+            </a:r>
+            <a:r>
+              <a:rPr lang="es-MX" dirty="0" smtClean="0"/>
+              <a:t> son los legisladores, pero la actuación de la justicia no se agota ahí, sino que se inculca un fuerte respeto por la autoridad de las leyes. Regirse por la ley equivale a considerarse civilizado. </a:t>
+            </a:r>
+          </a:p>
+          <a:p>
+            <a:r>
+              <a:rPr lang="es-MX" dirty="0" smtClean="0"/>
+              <a:t>En el período helénico arcaico encontramos en Atenas a </a:t>
+            </a:r>
+            <a:r>
+              <a:rPr lang="es-MX" dirty="0" err="1" smtClean="0"/>
+              <a:t>Dracón</a:t>
+            </a:r>
+            <a:r>
+              <a:rPr lang="es-MX" dirty="0" smtClean="0"/>
+              <a:t>, Solón y </a:t>
+            </a:r>
+            <a:r>
+              <a:rPr lang="es-MX" dirty="0" err="1" smtClean="0"/>
+              <a:t>Clístenes</a:t>
+            </a:r>
+            <a:r>
+              <a:rPr lang="es-MX" dirty="0" smtClean="0"/>
+              <a:t>. En Esparta tenemos a Licurgo, </a:t>
+            </a:r>
+            <a:r>
+              <a:rPr lang="es-MX" dirty="0" err="1" smtClean="0"/>
+              <a:t>Fedón</a:t>
+            </a:r>
+            <a:r>
+              <a:rPr lang="es-MX" dirty="0" smtClean="0"/>
+              <a:t> y </a:t>
+            </a:r>
+            <a:r>
+              <a:rPr lang="es-MX" dirty="0" err="1" smtClean="0"/>
+              <a:t>Filolao</a:t>
+            </a:r>
+            <a:r>
+              <a:rPr lang="es-MX" dirty="0" smtClean="0"/>
+              <a:t> en Corinto, entre otros. </a:t>
+            </a:r>
+          </a:p>
+          <a:p>
+            <a:r>
+              <a:rPr lang="es-PE" dirty="0" smtClean="0">
+                <a:hlinkClick r:id="rId2"/>
+              </a:rPr>
+              <a:t>https</a:t>
+            </a:r>
+            <a:r>
+              <a:rPr lang="es-PE" dirty="0">
+                <a:hlinkClick r:id="rId2"/>
+              </a:rPr>
+              <a:t>://es.wikipedia.org/wiki/Drac%C3%B3n</a:t>
+            </a:r>
+            <a:endParaRPr lang="es-PE" dirty="0"/>
+          </a:p>
+          <a:p>
+            <a:r>
+              <a:rPr lang="es-PE" dirty="0">
+                <a:hlinkClick r:id="rId3"/>
+              </a:rPr>
+              <a:t>https://es.wikipedia.org/wiki/Sol%C3%B3n</a:t>
+            </a:r>
+            <a:endParaRPr lang="es-PE" dirty="0"/>
+          </a:p>
+          <a:p>
+            <a:r>
+              <a:rPr lang="es-PE" dirty="0">
+                <a:hlinkClick r:id="rId4"/>
+              </a:rPr>
+              <a:t>https://es.wikipedia.org/wiki/Licurgo_(Esparta</a:t>
+            </a:r>
+            <a:r>
+              <a:rPr lang="es-PE" dirty="0" smtClean="0">
+                <a:hlinkClick r:id="rId4"/>
+              </a:rPr>
+              <a:t>)</a:t>
+            </a:r>
+            <a:endParaRPr lang="es-PE" dirty="0" smtClean="0"/>
+          </a:p>
+          <a:p>
+            <a:r>
+              <a:rPr lang="es-PE" dirty="0">
+                <a:hlinkClick r:id="rId5"/>
+              </a:rPr>
+              <a:t>https://www.youtube.com/watch?v=QFpYchyKFwA</a:t>
+            </a:r>
+            <a:endParaRPr lang="es-PE" dirty="0"/>
+          </a:p>
+          <a:p>
+            <a:r>
+              <a:rPr lang="es-MX" dirty="0" smtClean="0"/>
+              <a:t>Los objetos </a:t>
+            </a:r>
+            <a:r>
+              <a:rPr lang="es-MX" dirty="0" smtClean="0"/>
+              <a:t>parte de situaciones revisadas en un juicio podían ser llevadas ante el tribunal. </a:t>
+            </a:r>
+            <a:r>
+              <a:rPr lang="es-MX" dirty="0" smtClean="0"/>
+              <a:t>Si un animal se comía la cosecha de un campesino, el animal tendría que atender al juicio. Del mismo modo, si una piedra rompiese una rueda, luego ésta debería ser llevada a la corte. </a:t>
             </a:r>
             <a:endParaRPr lang="es-PE" dirty="0"/>
           </a:p>
@@ -4340,7 +3388,7 @@
     </p:spTree>
     <p:extLst>
       <p:ext uri="{BB962C8B-B14F-4D97-AF65-F5344CB8AC3E}">
-        <p14:creationId xmlns:p14="http://schemas.microsoft.com/office/powerpoint/2010/main" val="2688208939"/>
+        <p14:creationId xmlns:p14="http://schemas.microsoft.com/office/powerpoint/2010/main" val="2350371060"/>
       </p:ext>
     </p:extLst>
   </p:cSld>
@@ -4369,6 +3417,29 @@
       </p:grpSpPr>
       <p:sp>
         <p:nvSpPr>
+          <p:cNvPr id="2" name="Título 1"/>
+          <p:cNvSpPr>
+            <a:spLocks noGrp="1"/>
+          </p:cNvSpPr>
+          <p:nvPr>
+            <p:ph type="title"/>
+          </p:nvPr>
+        </p:nvSpPr>
+        <p:spPr/>
+        <p:txBody>
+          <a:bodyPr/>
+          <a:lstStyle/>
+          <a:p>
+            <a:r>
+              <a:rPr lang="en-US" dirty="0" smtClean="0"/>
+              <a:t>Roma</a:t>
+            </a:r>
+            <a:endParaRPr lang="es-PE" dirty="0"/>
+          </a:p>
+        </p:txBody>
+      </p:sp>
+      <p:sp>
+        <p:nvSpPr>
           <p:cNvPr id="3" name="Marcador de contenido 2"/>
           <p:cNvSpPr>
             <a:spLocks noGrp="1"/>
@@ -4377,87 +3448,1093 @@
             <p:ph idx="1"/>
           </p:nvPr>
         </p:nvSpPr>
-        <p:spPr>
-          <a:xfrm>
-            <a:off x="838200" y="326571"/>
-            <a:ext cx="10515600" cy="5850392"/>
-          </a:xfrm>
-        </p:spPr>
+        <p:spPr/>
         <p:txBody>
           <a:bodyPr>
-            <a:normAutofit fontScale="92500" lnSpcReduction="10000"/>
+            <a:normAutofit fontScale="77500" lnSpcReduction="20000"/>
           </a:bodyPr>
           <a:lstStyle/>
           <a:p>
-            <a:pPr fontAlgn="base"/>
-            <a:r>
-              <a:rPr lang="en-US" dirty="0"/>
-              <a:t>To understand the concept of "</a:t>
-            </a:r>
-            <a:r>
-              <a:rPr lang="en-US" dirty="0" err="1"/>
-              <a:t>ergi</a:t>
-            </a:r>
-            <a:r>
-              <a:rPr lang="en-US" dirty="0"/>
-              <a:t>", one need to understand that </a:t>
-            </a:r>
-            <a:r>
-              <a:rPr lang="en-US" dirty="0" err="1"/>
-              <a:t>norse</a:t>
-            </a:r>
-            <a:r>
-              <a:rPr lang="en-US" dirty="0"/>
-              <a:t> society had very strict gender norms, and their system of social control. Everything in the </a:t>
-            </a:r>
-            <a:r>
-              <a:rPr lang="en-US" dirty="0" err="1"/>
-              <a:t>norse</a:t>
-            </a:r>
-            <a:r>
-              <a:rPr lang="en-US" dirty="0"/>
-              <a:t> society revolved around family: the family/clan defined politics, alliances and social standing. Any honor you achieved, reflected on your family, any shameful incident brought shame on your family as well. Upholding duties was honorable, breaking the order of things shameful. Everything revolved around the honor/shame-axis.</a:t>
-            </a:r>
-          </a:p>
-          <a:p>
-            <a:pPr fontAlgn="base"/>
-            <a:r>
-              <a:rPr lang="en-US" dirty="0"/>
-              <a:t>Breaking gender norms was shameful, and only permissible to avoid greater shame. (example: a woman avenging a blood debt because her brothers was too cowardly, would be ok.) The myth of Thor dressing as a woman to retrieve his hammer, would be extremely humorous in the late </a:t>
-            </a:r>
-            <a:r>
-              <a:rPr lang="en-US" dirty="0" err="1"/>
-              <a:t>viking</a:t>
-            </a:r>
-            <a:r>
-              <a:rPr lang="en-US" dirty="0"/>
-              <a:t> era.</a:t>
-            </a:r>
-          </a:p>
-          <a:p>
-            <a:pPr fontAlgn="base"/>
-            <a:r>
-              <a:rPr lang="en-US" dirty="0"/>
-              <a:t>The concept of "</a:t>
-            </a:r>
-            <a:r>
-              <a:rPr lang="en-US" dirty="0" err="1"/>
-              <a:t>ergi</a:t>
-            </a:r>
-            <a:r>
-              <a:rPr lang="en-US" dirty="0"/>
-              <a:t>" has sexual connotations, and is probably best understood as "unmanly". This in a society where deviating from gender roles had extreme consequences for the individual and family. Being called "</a:t>
-            </a:r>
-            <a:r>
-              <a:rPr lang="en-US" dirty="0" err="1"/>
-              <a:t>ergi</a:t>
-            </a:r>
-            <a:r>
-              <a:rPr lang="en-US" dirty="0"/>
-              <a:t>" would be an insult of the greatest order, a killing offence. You would not be punished for such a killing, you were protecting your honor.</a:t>
-            </a:r>
-          </a:p>
-          <a:p>
+            <a:r>
+              <a:rPr lang="en-US" dirty="0" smtClean="0"/>
+              <a:t>Un hombre que </a:t>
+            </a:r>
+            <a:r>
+              <a:rPr lang="en-US" dirty="0" err="1" smtClean="0"/>
+              <a:t>encuentra</a:t>
+            </a:r>
+            <a:r>
+              <a:rPr lang="en-US" dirty="0" smtClean="0"/>
+              <a:t> a </a:t>
+            </a:r>
+            <a:r>
+              <a:rPr lang="en-US" dirty="0" err="1" smtClean="0"/>
+              <a:t>su</a:t>
+            </a:r>
+            <a:r>
+              <a:rPr lang="en-US" dirty="0" smtClean="0"/>
+              <a:t> </a:t>
+            </a:r>
+            <a:r>
+              <a:rPr lang="en-US" dirty="0" err="1" smtClean="0"/>
+              <a:t>esposa</a:t>
+            </a:r>
+            <a:r>
+              <a:rPr lang="en-US" dirty="0" smtClean="0"/>
+              <a:t> </a:t>
+            </a:r>
+            <a:r>
+              <a:rPr lang="en-US" dirty="0" err="1" smtClean="0"/>
+              <a:t>siendole</a:t>
+            </a:r>
+            <a:r>
+              <a:rPr lang="en-US" dirty="0" smtClean="0"/>
+              <a:t> </a:t>
+            </a:r>
+            <a:r>
+              <a:rPr lang="en-US" dirty="0" err="1" smtClean="0"/>
+              <a:t>infiel</a:t>
+            </a:r>
+            <a:r>
+              <a:rPr lang="en-US" dirty="0" smtClean="0"/>
+              <a:t> </a:t>
+            </a:r>
+            <a:r>
+              <a:rPr lang="en-US" dirty="0" err="1" smtClean="0"/>
+              <a:t>debe</a:t>
+            </a:r>
+            <a:r>
+              <a:rPr lang="en-US" dirty="0" smtClean="0"/>
+              <a:t> </a:t>
+            </a:r>
+            <a:r>
+              <a:rPr lang="en-US" dirty="0" err="1" smtClean="0"/>
+              <a:t>procurar</a:t>
+            </a:r>
+            <a:r>
+              <a:rPr lang="en-US" dirty="0" smtClean="0"/>
+              <a:t> </a:t>
+            </a:r>
+            <a:r>
+              <a:rPr lang="en-US" dirty="0" err="1" smtClean="0"/>
+              <a:t>encerrárlos</a:t>
+            </a:r>
+            <a:r>
+              <a:rPr lang="en-US" dirty="0" smtClean="0"/>
+              <a:t> y al </a:t>
+            </a:r>
+            <a:r>
+              <a:rPr lang="en-US" dirty="0" err="1" smtClean="0"/>
+              <a:t>cabo</a:t>
+            </a:r>
+            <a:r>
+              <a:rPr lang="en-US" dirty="0" smtClean="0"/>
+              <a:t> de </a:t>
+            </a:r>
+            <a:r>
+              <a:rPr lang="en-US" dirty="0" err="1" smtClean="0"/>
+              <a:t>veinte</a:t>
+            </a:r>
+            <a:r>
+              <a:rPr lang="en-US" dirty="0" smtClean="0"/>
+              <a:t> horas </a:t>
+            </a:r>
+            <a:r>
+              <a:rPr lang="en-US" dirty="0" err="1" smtClean="0"/>
+              <a:t>tener</a:t>
+            </a:r>
+            <a:r>
+              <a:rPr lang="en-US" dirty="0" smtClean="0"/>
+              <a:t> </a:t>
+            </a:r>
+            <a:r>
+              <a:rPr lang="en-US" dirty="0" err="1" smtClean="0"/>
+              <a:t>testigos</a:t>
+            </a:r>
+            <a:r>
+              <a:rPr lang="en-US" dirty="0" smtClean="0"/>
+              <a:t> que </a:t>
+            </a:r>
+            <a:r>
+              <a:rPr lang="en-US" dirty="0" err="1" smtClean="0"/>
+              <a:t>acrediten</a:t>
+            </a:r>
+            <a:r>
+              <a:rPr lang="en-US" dirty="0" smtClean="0"/>
+              <a:t> </a:t>
+            </a:r>
+            <a:r>
+              <a:rPr lang="en-US" dirty="0" err="1" smtClean="0"/>
+              <a:t>los</a:t>
+            </a:r>
+            <a:r>
+              <a:rPr lang="en-US" dirty="0" smtClean="0"/>
+              <a:t> </a:t>
+            </a:r>
+            <a:r>
+              <a:rPr lang="en-US" dirty="0" err="1" smtClean="0"/>
+              <a:t>hechos</a:t>
+            </a:r>
+            <a:r>
+              <a:rPr lang="en-US" dirty="0" smtClean="0"/>
+              <a:t>. </a:t>
+            </a:r>
+            <a:r>
+              <a:rPr lang="en-US" dirty="0" err="1" smtClean="0"/>
+              <a:t>Luego</a:t>
+            </a:r>
+            <a:r>
+              <a:rPr lang="en-US" dirty="0" smtClean="0"/>
+              <a:t> </a:t>
+            </a:r>
+            <a:r>
+              <a:rPr lang="en-US" dirty="0" err="1" smtClean="0"/>
+              <a:t>hacer</a:t>
+            </a:r>
+            <a:r>
+              <a:rPr lang="en-US" dirty="0" smtClean="0"/>
+              <a:t> </a:t>
+            </a:r>
+            <a:r>
+              <a:rPr lang="en-US" dirty="0" err="1" smtClean="0"/>
+              <a:t>una</a:t>
+            </a:r>
+            <a:r>
+              <a:rPr lang="en-US" dirty="0" smtClean="0"/>
+              <a:t> </a:t>
+            </a:r>
+            <a:r>
+              <a:rPr lang="en-US" dirty="0" err="1" smtClean="0"/>
+              <a:t>declaración</a:t>
+            </a:r>
+            <a:r>
+              <a:rPr lang="en-US" dirty="0" smtClean="0"/>
+              <a:t> </a:t>
+            </a:r>
+            <a:r>
+              <a:rPr lang="en-US" dirty="0" err="1" smtClean="0"/>
+              <a:t>pública</a:t>
+            </a:r>
+            <a:r>
+              <a:rPr lang="en-US" dirty="0" smtClean="0"/>
+              <a:t>. Si el </a:t>
+            </a:r>
+            <a:r>
+              <a:rPr lang="en-US" dirty="0" err="1" smtClean="0"/>
+              <a:t>amante</a:t>
+            </a:r>
+            <a:r>
+              <a:rPr lang="en-US" dirty="0" smtClean="0"/>
+              <a:t> </a:t>
+            </a:r>
+            <a:r>
+              <a:rPr lang="en-US" dirty="0" err="1" smtClean="0"/>
+              <a:t>es</a:t>
+            </a:r>
+            <a:r>
+              <a:rPr lang="en-US" dirty="0" smtClean="0"/>
+              <a:t> un </a:t>
+            </a:r>
+            <a:r>
+              <a:rPr lang="en-US" dirty="0" err="1" smtClean="0"/>
+              <a:t>esclavo</a:t>
+            </a:r>
+            <a:r>
+              <a:rPr lang="en-US" dirty="0" smtClean="0"/>
+              <a:t>, el hombre </a:t>
+            </a:r>
+            <a:r>
+              <a:rPr lang="en-US" dirty="0" err="1" smtClean="0"/>
+              <a:t>esta</a:t>
+            </a:r>
+            <a:r>
+              <a:rPr lang="en-US" dirty="0" smtClean="0"/>
+              <a:t> </a:t>
+            </a:r>
+            <a:r>
+              <a:rPr lang="en-US" dirty="0" err="1" smtClean="0"/>
+              <a:t>entitulado</a:t>
+            </a:r>
+            <a:r>
+              <a:rPr lang="en-US" dirty="0" smtClean="0"/>
+              <a:t> de </a:t>
+            </a:r>
+            <a:r>
+              <a:rPr lang="en-US" dirty="0" err="1" smtClean="0"/>
+              <a:t>ejecutarlo</a:t>
+            </a:r>
+            <a:r>
+              <a:rPr lang="en-US" dirty="0" smtClean="0"/>
+              <a:t>. De </a:t>
+            </a:r>
+            <a:r>
+              <a:rPr lang="en-US" dirty="0" err="1" smtClean="0"/>
+              <a:t>otro</a:t>
+            </a:r>
+            <a:r>
+              <a:rPr lang="en-US" dirty="0" smtClean="0"/>
+              <a:t> </a:t>
+            </a:r>
+            <a:r>
+              <a:rPr lang="en-US" dirty="0" err="1" smtClean="0"/>
+              <a:t>modo</a:t>
+            </a:r>
+            <a:r>
+              <a:rPr lang="en-US" dirty="0" smtClean="0"/>
+              <a:t>, el padre de la </a:t>
+            </a:r>
+            <a:r>
+              <a:rPr lang="en-US" dirty="0" err="1" smtClean="0"/>
+              <a:t>esposa</a:t>
+            </a:r>
+            <a:r>
+              <a:rPr lang="en-US" dirty="0" smtClean="0"/>
+              <a:t> </a:t>
+            </a:r>
+            <a:r>
+              <a:rPr lang="en-US" dirty="0" err="1" smtClean="0"/>
+              <a:t>es</a:t>
+            </a:r>
+            <a:r>
+              <a:rPr lang="en-US" dirty="0" smtClean="0"/>
+              <a:t> </a:t>
+            </a:r>
+            <a:r>
+              <a:rPr lang="en-US" dirty="0" err="1" smtClean="0"/>
+              <a:t>quien</a:t>
+            </a:r>
+            <a:r>
+              <a:rPr lang="en-US" dirty="0" smtClean="0"/>
+              <a:t> se </a:t>
+            </a:r>
+            <a:r>
+              <a:rPr lang="en-US" dirty="0" err="1" smtClean="0"/>
+              <a:t>encarga</a:t>
+            </a:r>
+            <a:r>
+              <a:rPr lang="en-US" dirty="0" smtClean="0"/>
+              <a:t> de la </a:t>
+            </a:r>
+            <a:r>
+              <a:rPr lang="en-US" dirty="0" err="1" smtClean="0"/>
+              <a:t>pena</a:t>
+            </a:r>
+            <a:r>
+              <a:rPr lang="en-US" dirty="0" smtClean="0"/>
+              <a:t>. </a:t>
+            </a:r>
+          </a:p>
+          <a:p>
+            <a:r>
+              <a:rPr lang="en-US" dirty="0" smtClean="0"/>
+              <a:t>Si </a:t>
+            </a:r>
+            <a:r>
+              <a:rPr lang="en-US" dirty="0" err="1" smtClean="0"/>
+              <a:t>alguien</a:t>
+            </a:r>
+            <a:r>
+              <a:rPr lang="en-US" dirty="0" smtClean="0"/>
+              <a:t> </a:t>
+            </a:r>
+            <a:r>
+              <a:rPr lang="en-US" dirty="0" err="1" smtClean="0"/>
+              <a:t>quiere</a:t>
+            </a:r>
+            <a:r>
+              <a:rPr lang="en-US" dirty="0" smtClean="0"/>
+              <a:t> </a:t>
+            </a:r>
+            <a:r>
+              <a:rPr lang="en-US" dirty="0" err="1" smtClean="0"/>
+              <a:t>suicidarse</a:t>
+            </a:r>
+            <a:r>
+              <a:rPr lang="en-US" dirty="0" smtClean="0"/>
+              <a:t>, </a:t>
+            </a:r>
+            <a:r>
+              <a:rPr lang="en-US" dirty="0" err="1" smtClean="0"/>
+              <a:t>debe</a:t>
+            </a:r>
+            <a:r>
+              <a:rPr lang="en-US" dirty="0" smtClean="0"/>
+              <a:t> </a:t>
+            </a:r>
+            <a:r>
+              <a:rPr lang="en-US" dirty="0" err="1" smtClean="0"/>
+              <a:t>informar</a:t>
+            </a:r>
+            <a:r>
+              <a:rPr lang="en-US" dirty="0" smtClean="0"/>
+              <a:t> al </a:t>
+            </a:r>
+            <a:r>
+              <a:rPr lang="en-US" dirty="0" err="1" smtClean="0"/>
+              <a:t>senado</a:t>
+            </a:r>
+            <a:r>
+              <a:rPr lang="en-US" dirty="0" smtClean="0"/>
+              <a:t> </a:t>
+            </a:r>
+            <a:r>
+              <a:rPr lang="en-US" dirty="0" err="1" smtClean="0"/>
+              <a:t>sus</a:t>
+            </a:r>
+            <a:r>
+              <a:rPr lang="en-US" dirty="0" smtClean="0"/>
+              <a:t> </a:t>
+            </a:r>
+            <a:r>
+              <a:rPr lang="en-US" dirty="0" err="1" smtClean="0"/>
+              <a:t>razones</a:t>
+            </a:r>
+            <a:r>
+              <a:rPr lang="en-US" dirty="0" smtClean="0"/>
+              <a:t>, </a:t>
+            </a:r>
+            <a:r>
+              <a:rPr lang="en-US" dirty="0" err="1" smtClean="0"/>
+              <a:t>exponiéndolas</a:t>
+            </a:r>
+            <a:r>
+              <a:rPr lang="en-US" dirty="0" smtClean="0"/>
+              <a:t>, para </a:t>
+            </a:r>
+            <a:r>
+              <a:rPr lang="en-US" dirty="0" err="1" smtClean="0"/>
+              <a:t>luego</a:t>
+            </a:r>
+            <a:r>
+              <a:rPr lang="en-US" dirty="0" smtClean="0"/>
+              <a:t> </a:t>
+            </a:r>
+            <a:r>
+              <a:rPr lang="en-US" dirty="0" err="1" smtClean="0"/>
+              <a:t>permitírsele</a:t>
+            </a:r>
+            <a:r>
+              <a:rPr lang="en-US" dirty="0" smtClean="0"/>
+              <a:t> o </a:t>
+            </a:r>
+            <a:r>
+              <a:rPr lang="en-US" dirty="0" err="1" smtClean="0"/>
+              <a:t>buscar</a:t>
+            </a:r>
+            <a:r>
+              <a:rPr lang="en-US" dirty="0" smtClean="0"/>
+              <a:t> </a:t>
+            </a:r>
+            <a:r>
+              <a:rPr lang="en-US" dirty="0" err="1" smtClean="0"/>
+              <a:t>una</a:t>
+            </a:r>
+            <a:r>
+              <a:rPr lang="en-US" dirty="0" smtClean="0"/>
+              <a:t> </a:t>
+            </a:r>
+            <a:r>
+              <a:rPr lang="en-US" dirty="0" err="1" smtClean="0"/>
+              <a:t>solución</a:t>
+            </a:r>
+            <a:r>
+              <a:rPr lang="en-US" dirty="0" smtClean="0"/>
+              <a:t>. El </a:t>
+            </a:r>
+            <a:r>
+              <a:rPr lang="en-US" dirty="0" err="1" smtClean="0"/>
+              <a:t>senado</a:t>
+            </a:r>
+            <a:r>
+              <a:rPr lang="en-US" dirty="0" smtClean="0"/>
+              <a:t> </a:t>
+            </a:r>
+            <a:r>
+              <a:rPr lang="en-US" dirty="0" err="1" smtClean="0"/>
+              <a:t>puede</a:t>
+            </a:r>
+            <a:r>
+              <a:rPr lang="en-US" dirty="0" smtClean="0"/>
+              <a:t> </a:t>
+            </a:r>
+            <a:r>
+              <a:rPr lang="en-US" dirty="0" err="1" smtClean="0"/>
+              <a:t>facilitar</a:t>
+            </a:r>
+            <a:r>
+              <a:rPr lang="en-US" dirty="0" smtClean="0"/>
+              <a:t> </a:t>
+            </a:r>
+            <a:r>
+              <a:rPr lang="en-US" dirty="0" err="1" smtClean="0"/>
+              <a:t>venenos</a:t>
+            </a:r>
+            <a:r>
+              <a:rPr lang="en-US" dirty="0" smtClean="0"/>
+              <a:t> para </a:t>
+            </a:r>
+            <a:r>
+              <a:rPr lang="en-US" dirty="0" err="1" smtClean="0"/>
+              <a:t>dicho</a:t>
+            </a:r>
+            <a:r>
+              <a:rPr lang="en-US" dirty="0" smtClean="0"/>
+              <a:t> fin. </a:t>
+            </a:r>
+            <a:r>
+              <a:rPr lang="en-US" dirty="0" err="1" smtClean="0"/>
+              <a:t>Esta</a:t>
+            </a:r>
+            <a:r>
+              <a:rPr lang="en-US" dirty="0" smtClean="0"/>
+              <a:t> </a:t>
+            </a:r>
+            <a:r>
+              <a:rPr lang="en-US" dirty="0" err="1" smtClean="0"/>
+              <a:t>salida</a:t>
+            </a:r>
+            <a:r>
+              <a:rPr lang="en-US" dirty="0" smtClean="0"/>
+              <a:t> </a:t>
+            </a:r>
+            <a:r>
+              <a:rPr lang="en-US" dirty="0" err="1" smtClean="0"/>
+              <a:t>puede</a:t>
+            </a:r>
+            <a:r>
+              <a:rPr lang="en-US" dirty="0" smtClean="0"/>
+              <a:t> verse </a:t>
+            </a:r>
+            <a:r>
+              <a:rPr lang="en-US" dirty="0" err="1" smtClean="0"/>
+              <a:t>como</a:t>
+            </a:r>
+            <a:r>
+              <a:rPr lang="en-US" dirty="0" smtClean="0"/>
+              <a:t> </a:t>
+            </a:r>
+            <a:r>
+              <a:rPr lang="en-US" dirty="0" err="1" smtClean="0"/>
+              <a:t>una</a:t>
+            </a:r>
+            <a:r>
+              <a:rPr lang="en-US" dirty="0" smtClean="0"/>
+              <a:t> </a:t>
+            </a:r>
+            <a:r>
+              <a:rPr lang="en-US" dirty="0" err="1" smtClean="0"/>
+              <a:t>opción</a:t>
+            </a:r>
+            <a:r>
+              <a:rPr lang="en-US" dirty="0" smtClean="0"/>
+              <a:t> </a:t>
+            </a:r>
+            <a:r>
+              <a:rPr lang="en-US" dirty="0" err="1" smtClean="0"/>
+              <a:t>digna</a:t>
+            </a:r>
+            <a:r>
+              <a:rPr lang="en-US" dirty="0" smtClean="0"/>
+              <a:t>, </a:t>
+            </a:r>
+            <a:r>
+              <a:rPr lang="en-US" dirty="0" err="1" smtClean="0"/>
+              <a:t>como</a:t>
+            </a:r>
+            <a:r>
+              <a:rPr lang="en-US" dirty="0" smtClean="0"/>
+              <a:t> </a:t>
+            </a:r>
+            <a:r>
+              <a:rPr lang="en-US" dirty="0" err="1" smtClean="0"/>
+              <a:t>por</a:t>
+            </a:r>
+            <a:r>
+              <a:rPr lang="en-US" dirty="0" smtClean="0"/>
+              <a:t> </a:t>
+            </a:r>
+            <a:r>
+              <a:rPr lang="en-US" dirty="0" err="1" smtClean="0"/>
+              <a:t>ejemplo</a:t>
+            </a:r>
+            <a:r>
+              <a:rPr lang="en-US" dirty="0" smtClean="0"/>
+              <a:t>, </a:t>
+            </a:r>
+            <a:r>
+              <a:rPr lang="en-US" dirty="0" err="1" smtClean="0"/>
+              <a:t>cuando</a:t>
+            </a:r>
+            <a:r>
+              <a:rPr lang="en-US" dirty="0" smtClean="0"/>
+              <a:t> se </a:t>
+            </a:r>
+            <a:r>
+              <a:rPr lang="en-US" dirty="0" err="1" smtClean="0"/>
+              <a:t>busca</a:t>
+            </a:r>
+            <a:r>
+              <a:rPr lang="en-US" dirty="0" smtClean="0"/>
+              <a:t> </a:t>
+            </a:r>
+            <a:r>
+              <a:rPr lang="en-US" dirty="0" err="1" smtClean="0"/>
+              <a:t>evitar</a:t>
+            </a:r>
+            <a:r>
+              <a:rPr lang="en-US" dirty="0" smtClean="0"/>
+              <a:t> </a:t>
+            </a:r>
+            <a:r>
+              <a:rPr lang="en-US" dirty="0" err="1" smtClean="0"/>
+              <a:t>una</a:t>
+            </a:r>
+            <a:r>
+              <a:rPr lang="en-US" dirty="0" smtClean="0"/>
+              <a:t> </a:t>
+            </a:r>
+            <a:r>
+              <a:rPr lang="en-US" dirty="0" err="1" smtClean="0"/>
+              <a:t>ejecución</a:t>
+            </a:r>
+            <a:r>
+              <a:rPr lang="en-US" dirty="0" smtClean="0"/>
+              <a:t> </a:t>
+            </a:r>
+            <a:r>
+              <a:rPr lang="en-US" dirty="0" err="1" smtClean="0"/>
+              <a:t>pública</a:t>
+            </a:r>
+            <a:r>
+              <a:rPr lang="en-US" dirty="0" smtClean="0"/>
+              <a:t>. No </a:t>
+            </a:r>
+            <a:r>
+              <a:rPr lang="en-US" dirty="0" err="1" smtClean="0"/>
+              <a:t>todos</a:t>
+            </a:r>
+            <a:r>
+              <a:rPr lang="en-US" dirty="0" smtClean="0"/>
+              <a:t> </a:t>
+            </a:r>
+            <a:r>
+              <a:rPr lang="en-US" dirty="0" err="1" smtClean="0"/>
+              <a:t>tienen</a:t>
+            </a:r>
+            <a:r>
+              <a:rPr lang="en-US" dirty="0" smtClean="0"/>
+              <a:t> </a:t>
+            </a:r>
+            <a:r>
+              <a:rPr lang="en-US" dirty="0" err="1" smtClean="0"/>
+              <a:t>este</a:t>
+            </a:r>
+            <a:r>
+              <a:rPr lang="en-US" dirty="0" smtClean="0"/>
+              <a:t> </a:t>
+            </a:r>
+            <a:r>
+              <a:rPr lang="en-US" dirty="0" err="1" smtClean="0"/>
+              <a:t>beneficio</a:t>
+            </a:r>
+            <a:r>
+              <a:rPr lang="en-US" dirty="0" smtClean="0"/>
+              <a:t>, </a:t>
+            </a:r>
+            <a:r>
+              <a:rPr lang="en-US" dirty="0" err="1" smtClean="0"/>
+              <a:t>como</a:t>
+            </a:r>
+            <a:r>
+              <a:rPr lang="en-US" dirty="0" smtClean="0"/>
+              <a:t> </a:t>
+            </a:r>
+            <a:r>
+              <a:rPr lang="en-US" dirty="0" err="1" smtClean="0"/>
+              <a:t>esclavos</a:t>
+            </a:r>
+            <a:r>
+              <a:rPr lang="en-US" dirty="0" smtClean="0"/>
+              <a:t> y </a:t>
+            </a:r>
+            <a:r>
+              <a:rPr lang="en-US" dirty="0" err="1" smtClean="0"/>
+              <a:t>legionarios</a:t>
+            </a:r>
+            <a:r>
+              <a:rPr lang="en-US" dirty="0" smtClean="0"/>
+              <a:t>. Los </a:t>
+            </a:r>
+            <a:r>
+              <a:rPr lang="en-US" dirty="0" err="1" smtClean="0"/>
+              <a:t>esclavos</a:t>
+            </a:r>
+            <a:r>
+              <a:rPr lang="en-US" dirty="0" smtClean="0"/>
+              <a:t> al </a:t>
+            </a:r>
+            <a:r>
+              <a:rPr lang="en-US" dirty="0" err="1" smtClean="0"/>
+              <a:t>ser</a:t>
+            </a:r>
+            <a:r>
+              <a:rPr lang="en-US" dirty="0" smtClean="0"/>
+              <a:t> </a:t>
+            </a:r>
+            <a:r>
+              <a:rPr lang="en-US" dirty="0" err="1" smtClean="0"/>
+              <a:t>propiedad</a:t>
+            </a:r>
+            <a:r>
+              <a:rPr lang="en-US" dirty="0" smtClean="0"/>
+              <a:t> no </a:t>
+            </a:r>
+            <a:r>
+              <a:rPr lang="en-US" dirty="0" err="1" smtClean="0"/>
+              <a:t>pueden</a:t>
+            </a:r>
+            <a:r>
+              <a:rPr lang="en-US" dirty="0" smtClean="0"/>
+              <a:t> </a:t>
+            </a:r>
+            <a:r>
+              <a:rPr lang="en-US" dirty="0" err="1" smtClean="0"/>
+              <a:t>decidir</a:t>
+            </a:r>
+            <a:r>
+              <a:rPr lang="en-US" dirty="0" smtClean="0"/>
+              <a:t> y </a:t>
+            </a:r>
+            <a:r>
+              <a:rPr lang="en-US" dirty="0" err="1" smtClean="0"/>
+              <a:t>sus</a:t>
+            </a:r>
+            <a:r>
+              <a:rPr lang="en-US" dirty="0" smtClean="0"/>
+              <a:t> </a:t>
+            </a:r>
+            <a:r>
+              <a:rPr lang="en-US" dirty="0" err="1" smtClean="0"/>
+              <a:t>amos</a:t>
+            </a:r>
+            <a:r>
+              <a:rPr lang="en-US" dirty="0" smtClean="0"/>
+              <a:t> </a:t>
+            </a:r>
+            <a:r>
+              <a:rPr lang="en-US" dirty="0" err="1" smtClean="0"/>
+              <a:t>podrían</a:t>
+            </a:r>
+            <a:r>
+              <a:rPr lang="en-US" dirty="0" smtClean="0"/>
+              <a:t> </a:t>
+            </a:r>
+            <a:r>
+              <a:rPr lang="en-US" dirty="0" err="1" smtClean="0"/>
+              <a:t>recibir</a:t>
+            </a:r>
+            <a:r>
+              <a:rPr lang="en-US" dirty="0" smtClean="0"/>
+              <a:t> un </a:t>
+            </a:r>
+            <a:r>
+              <a:rPr lang="en-US" dirty="0" err="1" smtClean="0"/>
+              <a:t>reembolso</a:t>
+            </a:r>
+            <a:r>
+              <a:rPr lang="en-US" dirty="0" smtClean="0"/>
+              <a:t> de </a:t>
+            </a:r>
+            <a:r>
+              <a:rPr lang="en-US" dirty="0" err="1" smtClean="0"/>
+              <a:t>suceder</a:t>
+            </a:r>
+            <a:r>
+              <a:rPr lang="en-US" dirty="0" smtClean="0"/>
+              <a:t>. Los </a:t>
+            </a:r>
+            <a:r>
+              <a:rPr lang="en-US" dirty="0" err="1" smtClean="0"/>
+              <a:t>soldados</a:t>
+            </a:r>
+            <a:r>
+              <a:rPr lang="en-US" dirty="0" smtClean="0"/>
+              <a:t> que se </a:t>
+            </a:r>
+            <a:r>
+              <a:rPr lang="en-US" dirty="0" err="1" smtClean="0"/>
+              <a:t>quitan</a:t>
+            </a:r>
+            <a:r>
+              <a:rPr lang="en-US" dirty="0" smtClean="0"/>
+              <a:t> la </a:t>
+            </a:r>
+            <a:r>
+              <a:rPr lang="en-US" dirty="0" err="1" smtClean="0"/>
+              <a:t>vida</a:t>
+            </a:r>
+            <a:r>
+              <a:rPr lang="en-US" dirty="0" smtClean="0"/>
+              <a:t> </a:t>
+            </a:r>
+            <a:r>
+              <a:rPr lang="en-US" dirty="0" err="1" smtClean="0"/>
+              <a:t>permiten</a:t>
+            </a:r>
+            <a:r>
+              <a:rPr lang="en-US" dirty="0" smtClean="0"/>
+              <a:t> que el </a:t>
+            </a:r>
+            <a:r>
+              <a:rPr lang="en-US" dirty="0" err="1" smtClean="0"/>
+              <a:t>senado</a:t>
+            </a:r>
+            <a:r>
+              <a:rPr lang="en-US" dirty="0" smtClean="0"/>
+              <a:t> </a:t>
+            </a:r>
+            <a:r>
+              <a:rPr lang="en-US" dirty="0" err="1" smtClean="0"/>
+              <a:t>confisque</a:t>
+            </a:r>
+            <a:r>
+              <a:rPr lang="en-US" dirty="0" smtClean="0"/>
+              <a:t> </a:t>
+            </a:r>
+            <a:r>
+              <a:rPr lang="en-US" dirty="0" err="1" smtClean="0"/>
+              <a:t>sus</a:t>
+            </a:r>
+            <a:r>
+              <a:rPr lang="en-US" dirty="0" smtClean="0"/>
+              <a:t> </a:t>
+            </a:r>
+            <a:r>
+              <a:rPr lang="en-US" dirty="0" err="1" smtClean="0"/>
+              <a:t>bienes</a:t>
+            </a:r>
+            <a:r>
+              <a:rPr lang="en-US" dirty="0" smtClean="0"/>
+              <a:t>. </a:t>
+            </a:r>
+            <a:r>
+              <a:rPr lang="en-US" dirty="0" err="1" smtClean="0"/>
+              <a:t>Alguien</a:t>
+            </a:r>
+            <a:r>
+              <a:rPr lang="en-US" dirty="0" smtClean="0"/>
+              <a:t> que se suicide sin </a:t>
+            </a:r>
+            <a:r>
+              <a:rPr lang="en-US" dirty="0" err="1" smtClean="0"/>
+              <a:t>consentimiento</a:t>
+            </a:r>
+            <a:r>
+              <a:rPr lang="en-US" dirty="0" smtClean="0"/>
+              <a:t> del </a:t>
+            </a:r>
+            <a:r>
+              <a:rPr lang="en-US" dirty="0" err="1" smtClean="0"/>
+              <a:t>senado</a:t>
+            </a:r>
+            <a:r>
+              <a:rPr lang="en-US" dirty="0" smtClean="0"/>
+              <a:t> </a:t>
+            </a:r>
+            <a:r>
+              <a:rPr lang="en-US" dirty="0" err="1" smtClean="0"/>
+              <a:t>es</a:t>
+            </a:r>
+            <a:r>
+              <a:rPr lang="en-US" dirty="0" smtClean="0"/>
+              <a:t> </a:t>
+            </a:r>
+            <a:r>
+              <a:rPr lang="en-US" dirty="0" err="1" smtClean="0"/>
+              <a:t>sepultado</a:t>
+            </a:r>
+            <a:r>
+              <a:rPr lang="en-US" dirty="0" smtClean="0"/>
+              <a:t> </a:t>
+            </a:r>
+            <a:r>
+              <a:rPr lang="en-US" dirty="0" err="1" smtClean="0"/>
+              <a:t>en</a:t>
+            </a:r>
+            <a:r>
+              <a:rPr lang="en-US" dirty="0" smtClean="0"/>
+              <a:t> </a:t>
+            </a:r>
+            <a:r>
+              <a:rPr lang="en-US" dirty="0" err="1" smtClean="0"/>
+              <a:t>una</a:t>
+            </a:r>
+            <a:r>
+              <a:rPr lang="en-US" dirty="0" smtClean="0"/>
+              <a:t> </a:t>
+            </a:r>
+            <a:r>
+              <a:rPr lang="en-US" dirty="0" err="1" smtClean="0"/>
+              <a:t>fosa</a:t>
+            </a:r>
+            <a:r>
+              <a:rPr lang="en-US" dirty="0" smtClean="0"/>
+              <a:t> </a:t>
+            </a:r>
+            <a:r>
+              <a:rPr lang="en-US" dirty="0" err="1" smtClean="0"/>
+              <a:t>común</a:t>
+            </a:r>
+            <a:r>
+              <a:rPr lang="en-US" dirty="0" smtClean="0"/>
+              <a:t> y </a:t>
+            </a:r>
+            <a:r>
+              <a:rPr lang="en-US" dirty="0" err="1" smtClean="0"/>
+              <a:t>sus</a:t>
+            </a:r>
+            <a:r>
+              <a:rPr lang="en-US" dirty="0" smtClean="0"/>
+              <a:t> </a:t>
+            </a:r>
+            <a:r>
+              <a:rPr lang="en-US" dirty="0" err="1" smtClean="0"/>
+              <a:t>bienes</a:t>
+            </a:r>
+            <a:r>
+              <a:rPr lang="en-US" dirty="0" smtClean="0"/>
+              <a:t> son </a:t>
+            </a:r>
+            <a:r>
+              <a:rPr lang="en-US" dirty="0" err="1" smtClean="0"/>
+              <a:t>expropiados</a:t>
+            </a:r>
+            <a:r>
+              <a:rPr lang="en-US" dirty="0" smtClean="0"/>
+              <a:t> de </a:t>
+            </a:r>
+            <a:r>
+              <a:rPr lang="en-US" dirty="0" err="1" smtClean="0"/>
+              <a:t>su</a:t>
+            </a:r>
+            <a:r>
+              <a:rPr lang="en-US" dirty="0" smtClean="0"/>
+              <a:t> </a:t>
+            </a:r>
+            <a:r>
+              <a:rPr lang="en-US" dirty="0" err="1" smtClean="0"/>
+              <a:t>familia</a:t>
+            </a:r>
+            <a:r>
+              <a:rPr lang="en-US" dirty="0" smtClean="0"/>
+              <a:t>. </a:t>
+            </a:r>
+          </a:p>
+          <a:p>
+            <a:r>
+              <a:rPr lang="en-US" dirty="0" smtClean="0"/>
+              <a:t>Hay </a:t>
+            </a:r>
+            <a:r>
+              <a:rPr lang="en-US" dirty="0" err="1" smtClean="0"/>
+              <a:t>leyes</a:t>
+            </a:r>
+            <a:r>
+              <a:rPr lang="en-US" dirty="0" smtClean="0"/>
+              <a:t> que </a:t>
+            </a:r>
+            <a:r>
+              <a:rPr lang="en-US" dirty="0" err="1" smtClean="0"/>
+              <a:t>buscan</a:t>
+            </a:r>
+            <a:r>
+              <a:rPr lang="en-US" dirty="0" smtClean="0"/>
+              <a:t> </a:t>
+            </a:r>
+            <a:r>
+              <a:rPr lang="en-US" dirty="0" err="1" smtClean="0"/>
+              <a:t>refrenar</a:t>
+            </a:r>
+            <a:r>
+              <a:rPr lang="en-US" dirty="0" smtClean="0"/>
+              <a:t> el </a:t>
+            </a:r>
+            <a:r>
+              <a:rPr lang="en-US" dirty="0" err="1" smtClean="0"/>
+              <a:t>lujo</a:t>
+            </a:r>
+            <a:r>
+              <a:rPr lang="en-US" dirty="0" smtClean="0"/>
+              <a:t> o la </a:t>
+            </a:r>
+            <a:r>
+              <a:rPr lang="en-US" dirty="0" err="1" smtClean="0"/>
+              <a:t>ostentación</a:t>
+            </a:r>
+            <a:r>
+              <a:rPr lang="en-US" dirty="0" smtClean="0"/>
+              <a:t>. </a:t>
+            </a:r>
+            <a:r>
+              <a:rPr lang="en-US" dirty="0" err="1" smtClean="0"/>
+              <a:t>Estan</a:t>
+            </a:r>
+            <a:r>
+              <a:rPr lang="en-US" dirty="0" smtClean="0"/>
+              <a:t> </a:t>
+            </a:r>
+            <a:r>
+              <a:rPr lang="en-US" dirty="0" err="1" smtClean="0"/>
+              <a:t>prohibidos</a:t>
+            </a:r>
+            <a:r>
+              <a:rPr lang="en-US" dirty="0" smtClean="0"/>
+              <a:t> </a:t>
+            </a:r>
+            <a:r>
+              <a:rPr lang="en-US" dirty="0" err="1" smtClean="0"/>
+              <a:t>los</a:t>
+            </a:r>
+            <a:r>
+              <a:rPr lang="en-US" dirty="0" smtClean="0"/>
+              <a:t> </a:t>
+            </a:r>
+            <a:r>
+              <a:rPr lang="en-US" dirty="0" err="1" smtClean="0"/>
+              <a:t>trajes</a:t>
+            </a:r>
+            <a:r>
+              <a:rPr lang="en-US" dirty="0" smtClean="0"/>
+              <a:t> de </a:t>
+            </a:r>
+            <a:r>
+              <a:rPr lang="en-US" dirty="0" err="1" smtClean="0"/>
+              <a:t>seda</a:t>
+            </a:r>
+            <a:r>
+              <a:rPr lang="en-US" dirty="0" smtClean="0"/>
+              <a:t> y el color purpura (</a:t>
+            </a:r>
+            <a:r>
+              <a:rPr lang="en-US" dirty="0" err="1" smtClean="0"/>
+              <a:t>foinikes</a:t>
+            </a:r>
+            <a:r>
+              <a:rPr lang="en-US" dirty="0" smtClean="0"/>
+              <a:t>) </a:t>
+            </a:r>
+            <a:r>
+              <a:rPr lang="en-US" dirty="0" err="1" smtClean="0"/>
+              <a:t>excepto</a:t>
+            </a:r>
+            <a:r>
+              <a:rPr lang="en-US" dirty="0" smtClean="0"/>
+              <a:t> para </a:t>
+            </a:r>
+            <a:r>
+              <a:rPr lang="en-US" dirty="0" err="1" smtClean="0"/>
+              <a:t>grandes</a:t>
+            </a:r>
+            <a:r>
+              <a:rPr lang="en-US" dirty="0" smtClean="0"/>
+              <a:t> </a:t>
+            </a:r>
+            <a:r>
+              <a:rPr lang="en-US" dirty="0" err="1" smtClean="0"/>
+              <a:t>magistrados</a:t>
+            </a:r>
+            <a:r>
+              <a:rPr lang="en-US" dirty="0" smtClean="0"/>
+              <a:t>. Los </a:t>
+            </a:r>
+            <a:r>
+              <a:rPr lang="en-US" dirty="0" err="1" smtClean="0"/>
+              <a:t>censores</a:t>
+            </a:r>
+            <a:r>
+              <a:rPr lang="en-US" dirty="0" smtClean="0"/>
+              <a:t> </a:t>
+            </a:r>
+            <a:r>
+              <a:rPr lang="en-US" dirty="0" err="1" smtClean="0"/>
+              <a:t>romanos</a:t>
+            </a:r>
+            <a:r>
+              <a:rPr lang="en-US" dirty="0" smtClean="0"/>
+              <a:t> </a:t>
+            </a:r>
+            <a:r>
+              <a:rPr lang="en-US" dirty="0" err="1" smtClean="0"/>
+              <a:t>buscaban</a:t>
+            </a:r>
+            <a:r>
+              <a:rPr lang="en-US" dirty="0" smtClean="0"/>
+              <a:t> </a:t>
+            </a:r>
+            <a:r>
+              <a:rPr lang="en-US" dirty="0" err="1" smtClean="0"/>
+              <a:t>controlar</a:t>
+            </a:r>
+            <a:r>
+              <a:rPr lang="en-US" dirty="0" smtClean="0"/>
+              <a:t> </a:t>
+            </a:r>
+            <a:r>
+              <a:rPr lang="en-US" dirty="0" err="1" smtClean="0"/>
+              <a:t>los</a:t>
+            </a:r>
+            <a:r>
+              <a:rPr lang="en-US" dirty="0" smtClean="0"/>
+              <a:t> </a:t>
+            </a:r>
+            <a:r>
+              <a:rPr lang="en-US" dirty="0" err="1" smtClean="0"/>
+              <a:t>gastos</a:t>
+            </a:r>
+            <a:r>
+              <a:rPr lang="en-US" dirty="0" smtClean="0"/>
+              <a:t> </a:t>
+            </a:r>
+            <a:r>
+              <a:rPr lang="en-US" dirty="0" err="1" smtClean="0"/>
+              <a:t>extravagantes</a:t>
+            </a:r>
+            <a:r>
+              <a:rPr lang="en-US" dirty="0" smtClean="0"/>
+              <a:t>, </a:t>
+            </a:r>
+            <a:r>
+              <a:rPr lang="en-US" dirty="0" err="1" smtClean="0"/>
+              <a:t>acusando</a:t>
+            </a:r>
+            <a:r>
+              <a:rPr lang="en-US" dirty="0" smtClean="0"/>
+              <a:t> a </a:t>
+            </a:r>
+            <a:r>
+              <a:rPr lang="en-US" dirty="0" err="1" smtClean="0"/>
+              <a:t>ciudadanos</a:t>
+            </a:r>
+            <a:r>
+              <a:rPr lang="en-US" dirty="0" smtClean="0"/>
+              <a:t> que </a:t>
+            </a:r>
+            <a:r>
+              <a:rPr lang="en-US" dirty="0" err="1" smtClean="0"/>
+              <a:t>vivian</a:t>
+            </a:r>
+            <a:r>
+              <a:rPr lang="en-US" dirty="0" smtClean="0"/>
+              <a:t> </a:t>
+            </a:r>
+            <a:r>
+              <a:rPr lang="en-US" dirty="0" err="1" smtClean="0"/>
+              <a:t>lujosamente</a:t>
+            </a:r>
+            <a:r>
+              <a:rPr lang="en-US" dirty="0" smtClean="0"/>
+              <a:t>.</a:t>
+            </a:r>
             <a:endParaRPr lang="es-PE" dirty="0"/>
           </a:p>
         </p:txBody>
@@ -4465,7 +4542,7 @@
     </p:spTree>
     <p:extLst>
       <p:ext uri="{BB962C8B-B14F-4D97-AF65-F5344CB8AC3E}">
-        <p14:creationId xmlns:p14="http://schemas.microsoft.com/office/powerpoint/2010/main" val="2993919734"/>
+        <p14:creationId xmlns:p14="http://schemas.microsoft.com/office/powerpoint/2010/main" val="3722115128"/>
       </p:ext>
     </p:extLst>
   </p:cSld>
@@ -5612,7 +5689,9 @@
         </p:nvSpPr>
         <p:spPr/>
         <p:txBody>
-          <a:bodyPr/>
+          <a:bodyPr>
+            <a:normAutofit fontScale="92500" lnSpcReduction="10000"/>
+          </a:bodyPr>
           <a:lstStyle/>
           <a:p>
             <a:r>
@@ -6077,7 +6156,69 @@
               <a:rPr lang="en-US" dirty="0" smtClean="0"/>
               <a:t>.</a:t>
             </a:r>
-            <a:endParaRPr lang="es-PE" dirty="0"/>
+          </a:p>
+          <a:p>
+            <a:r>
+              <a:rPr lang="en-US" dirty="0" smtClean="0">
+                <a:solidFill>
+                  <a:srgbClr val="FF0000"/>
+                </a:solidFill>
+              </a:rPr>
+              <a:t>La </a:t>
+            </a:r>
+            <a:r>
+              <a:rPr lang="en-US" dirty="0" err="1" smtClean="0">
+                <a:solidFill>
+                  <a:srgbClr val="FF0000"/>
+                </a:solidFill>
+              </a:rPr>
+              <a:t>sublimación</a:t>
+            </a:r>
+            <a:r>
+              <a:rPr lang="en-US" dirty="0" smtClean="0">
+                <a:solidFill>
+                  <a:srgbClr val="FF0000"/>
+                </a:solidFill>
+              </a:rPr>
+              <a:t> de </a:t>
+            </a:r>
+            <a:r>
+              <a:rPr lang="en-US" dirty="0" err="1" smtClean="0">
+                <a:solidFill>
+                  <a:srgbClr val="FF0000"/>
+                </a:solidFill>
+              </a:rPr>
+              <a:t>una</a:t>
+            </a:r>
+            <a:r>
+              <a:rPr lang="en-US" dirty="0" smtClean="0">
+                <a:solidFill>
+                  <a:srgbClr val="FF0000"/>
+                </a:solidFill>
+              </a:rPr>
+              <a:t> </a:t>
+            </a:r>
+            <a:r>
+              <a:rPr lang="en-US" dirty="0" err="1" smtClean="0">
+                <a:solidFill>
+                  <a:srgbClr val="FF0000"/>
+                </a:solidFill>
+              </a:rPr>
+              <a:t>sociedad</a:t>
+            </a:r>
+            <a:r>
+              <a:rPr lang="en-US" dirty="0" smtClean="0">
+                <a:solidFill>
+                  <a:srgbClr val="FF0000"/>
+                </a:solidFill>
+              </a:rPr>
+              <a:t> sacrificial.</a:t>
+            </a:r>
+            <a:endParaRPr lang="es-PE" dirty="0">
+              <a:solidFill>
+                <a:srgbClr val="FF0000"/>
+              </a:solidFill>
+            </a:endParaRPr>
           </a:p>
         </p:txBody>
       </p:sp>
@@ -6645,6 +6786,20 @@
               <a:rPr lang="en-US" dirty="0" smtClean="0"/>
               <a:t>.</a:t>
             </a:r>
+          </a:p>
+          <a:p>
+            <a:r>
+              <a:rPr lang="en-US" dirty="0" err="1" smtClean="0"/>
+              <a:t>Reciprocidad</a:t>
+            </a:r>
+            <a:r>
+              <a:rPr lang="en-US" dirty="0" smtClean="0"/>
+              <a:t> / </a:t>
+            </a:r>
+            <a:r>
+              <a:rPr lang="en-US" dirty="0" err="1" smtClean="0"/>
+              <a:t>redistribución</a:t>
+            </a:r>
             <a:endParaRPr lang="es-PE" dirty="0"/>
           </a:p>
         </p:txBody>
@@ -6695,8 +6850,8 @@
           <a:lstStyle/>
           <a:p>
             <a:r>
-              <a:rPr lang="en-US" dirty="0" err="1" smtClean="0"/>
-              <a:t>Grecia</a:t>
+              <a:rPr lang="es-PE" dirty="0" smtClean="0"/>
+              <a:t>Vikingos</a:t>
             </a:r>
             <a:endParaRPr lang="es-PE" dirty="0"/>
           </a:p>
@@ -6714,17 +6869,59 @@
         </p:nvSpPr>
         <p:spPr/>
         <p:txBody>
-          <a:bodyPr/>
+          <a:bodyPr>
+            <a:normAutofit fontScale="92500"/>
+          </a:bodyPr>
           <a:lstStyle/>
           <a:p>
-            <a:endParaRPr lang="es-PE"/>
+            <a:r>
+              <a:rPr lang="es-PE" dirty="0" smtClean="0"/>
+              <a:t>Existe un complejo sistema de honor y justicia. Los castigos pueden ser muy cruentos. Se pueden resolver disputas mediante pagos compensatorios o duelos a muerte. En algunos casos se puede condenar al ostracismo, por lo que el sujeto puede ser asesinado sin represalias. </a:t>
+            </a:r>
+          </a:p>
+          <a:p>
+            <a:r>
+              <a:rPr lang="es-PE" dirty="0" smtClean="0"/>
+              <a:t>Aquel que coma hasta que su cinturón no soporte más es condenado a muerte. Aquel que beba y se emborrache podría tener el mismo desenlace. </a:t>
+            </a:r>
+          </a:p>
+          <a:p>
+            <a:r>
+              <a:rPr lang="es-PE" dirty="0" smtClean="0"/>
+              <a:t>Si alguien te insulta puedes reclamar una compensación financiera. “</a:t>
+            </a:r>
+            <a:r>
+              <a:rPr lang="es-PE" dirty="0" err="1" smtClean="0"/>
+              <a:t>Ergi</a:t>
+            </a:r>
+            <a:r>
+              <a:rPr lang="es-PE" dirty="0" smtClean="0"/>
+              <a:t>, </a:t>
+            </a:r>
+            <a:r>
+              <a:rPr lang="es-PE" dirty="0" err="1" smtClean="0"/>
+              <a:t>argr</a:t>
+            </a:r>
+            <a:r>
+              <a:rPr lang="es-PE" dirty="0" smtClean="0"/>
+              <a:t>, </a:t>
+            </a:r>
+            <a:r>
+              <a:rPr lang="es-PE" dirty="0" err="1" smtClean="0"/>
+              <a:t>ragr</a:t>
+            </a:r>
+            <a:r>
+              <a:rPr lang="es-PE" dirty="0" smtClean="0"/>
+              <a:t>”. Referirse a alguien como cobarde o afeminado es un gran deshonor en esta sociedad. Se espera que al recibir este tipo de ofensa, el agredido mate al ofensor de modo inmediato. </a:t>
+            </a:r>
+            <a:endParaRPr lang="es-PE" dirty="0"/>
           </a:p>
         </p:txBody>
       </p:sp>
     </p:spTree>
     <p:extLst>
       <p:ext uri="{BB962C8B-B14F-4D97-AF65-F5344CB8AC3E}">
-        <p14:creationId xmlns:p14="http://schemas.microsoft.com/office/powerpoint/2010/main" val="2350371060"/>
+        <p14:creationId xmlns:p14="http://schemas.microsoft.com/office/powerpoint/2010/main" val="2688208939"/>
       </p:ext>
     </p:extLst>
   </p:cSld>

--- a/assets uarm/2019 sol-penscri-justfilpol/La Justicia antes de la Filosofía Política.pptx
+++ b/assets uarm/2019 sol-penscri-justfilpol/La Justicia antes de la Filosofía Política.pptx
@@ -17,6 +17,8 @@
     <p:sldId id="266" r:id="rId11"/>
     <p:sldId id="260" r:id="rId12"/>
     <p:sldId id="259" r:id="rId13"/>
+    <p:sldId id="269" r:id="rId14"/>
+    <p:sldId id="268" r:id="rId15"/>
   </p:sldIdLst>
   <p:sldSz cx="12192000" cy="6858000"/>
   <p:notesSz cx="6858000" cy="9144000"/>
@@ -254,7 +256,7 @@
           <a:p>
             <a:fld id="{1452B8C1-1078-4C5E-B9B4-850C17C1FCAB}" type="datetimeFigureOut">
               <a:rPr lang="es-PE" smtClean="0"/>
-              <a:t>13/08/2019</a:t>
+              <a:t>2/11/2021</a:t>
             </a:fld>
             <a:endParaRPr lang="es-PE"/>
           </a:p>
@@ -424,7 +426,7 @@
           <a:p>
             <a:fld id="{1452B8C1-1078-4C5E-B9B4-850C17C1FCAB}" type="datetimeFigureOut">
               <a:rPr lang="es-PE" smtClean="0"/>
-              <a:t>13/08/2019</a:t>
+              <a:t>2/11/2021</a:t>
             </a:fld>
             <a:endParaRPr lang="es-PE"/>
           </a:p>
@@ -604,7 +606,7 @@
           <a:p>
             <a:fld id="{1452B8C1-1078-4C5E-B9B4-850C17C1FCAB}" type="datetimeFigureOut">
               <a:rPr lang="es-PE" smtClean="0"/>
-              <a:t>13/08/2019</a:t>
+              <a:t>2/11/2021</a:t>
             </a:fld>
             <a:endParaRPr lang="es-PE"/>
           </a:p>
@@ -774,7 +776,7 @@
           <a:p>
             <a:fld id="{1452B8C1-1078-4C5E-B9B4-850C17C1FCAB}" type="datetimeFigureOut">
               <a:rPr lang="es-PE" smtClean="0"/>
-              <a:t>13/08/2019</a:t>
+              <a:t>2/11/2021</a:t>
             </a:fld>
             <a:endParaRPr lang="es-PE"/>
           </a:p>
@@ -1020,7 +1022,7 @@
           <a:p>
             <a:fld id="{1452B8C1-1078-4C5E-B9B4-850C17C1FCAB}" type="datetimeFigureOut">
               <a:rPr lang="es-PE" smtClean="0"/>
-              <a:t>13/08/2019</a:t>
+              <a:t>2/11/2021</a:t>
             </a:fld>
             <a:endParaRPr lang="es-PE"/>
           </a:p>
@@ -1252,7 +1254,7 @@
           <a:p>
             <a:fld id="{1452B8C1-1078-4C5E-B9B4-850C17C1FCAB}" type="datetimeFigureOut">
               <a:rPr lang="es-PE" smtClean="0"/>
-              <a:t>13/08/2019</a:t>
+              <a:t>2/11/2021</a:t>
             </a:fld>
             <a:endParaRPr lang="es-PE"/>
           </a:p>
@@ -1619,7 +1621,7 @@
           <a:p>
             <a:fld id="{1452B8C1-1078-4C5E-B9B4-850C17C1FCAB}" type="datetimeFigureOut">
               <a:rPr lang="es-PE" smtClean="0"/>
-              <a:t>13/08/2019</a:t>
+              <a:t>2/11/2021</a:t>
             </a:fld>
             <a:endParaRPr lang="es-PE"/>
           </a:p>
@@ -1737,7 +1739,7 @@
           <a:p>
             <a:fld id="{1452B8C1-1078-4C5E-B9B4-850C17C1FCAB}" type="datetimeFigureOut">
               <a:rPr lang="es-PE" smtClean="0"/>
-              <a:t>13/08/2019</a:t>
+              <a:t>2/11/2021</a:t>
             </a:fld>
             <a:endParaRPr lang="es-PE"/>
           </a:p>
@@ -1832,7 +1834,7 @@
           <a:p>
             <a:fld id="{1452B8C1-1078-4C5E-B9B4-850C17C1FCAB}" type="datetimeFigureOut">
               <a:rPr lang="es-PE" smtClean="0"/>
-              <a:t>13/08/2019</a:t>
+              <a:t>2/11/2021</a:t>
             </a:fld>
             <a:endParaRPr lang="es-PE"/>
           </a:p>
@@ -2109,7 +2111,7 @@
           <a:p>
             <a:fld id="{1452B8C1-1078-4C5E-B9B4-850C17C1FCAB}" type="datetimeFigureOut">
               <a:rPr lang="es-PE" smtClean="0"/>
-              <a:t>13/08/2019</a:t>
+              <a:t>2/11/2021</a:t>
             </a:fld>
             <a:endParaRPr lang="es-PE"/>
           </a:p>
@@ -2362,7 +2364,7 @@
           <a:p>
             <a:fld id="{1452B8C1-1078-4C5E-B9B4-850C17C1FCAB}" type="datetimeFigureOut">
               <a:rPr lang="es-PE" smtClean="0"/>
-              <a:t>13/08/2019</a:t>
+              <a:t>2/11/2021</a:t>
             </a:fld>
             <a:endParaRPr lang="es-PE"/>
           </a:p>
@@ -2575,7 +2577,7 @@
           <a:p>
             <a:fld id="{1452B8C1-1078-4C5E-B9B4-850C17C1FCAB}" type="datetimeFigureOut">
               <a:rPr lang="es-PE" smtClean="0"/>
-              <a:t>13/08/2019</a:t>
+              <a:t>2/11/2021</a:t>
             </a:fld>
             <a:endParaRPr lang="es-PE"/>
           </a:p>
@@ -3265,126 +3267,166 @@
         <p:spPr/>
         <p:txBody>
           <a:bodyPr>
-            <a:normAutofit fontScale="77500" lnSpcReduction="20000"/>
+            <a:normAutofit/>
           </a:bodyPr>
           <a:lstStyle/>
           <a:p>
             <a:r>
-              <a:rPr lang="es-MX" dirty="0" smtClean="0"/>
+              <a:rPr lang="es-MX" sz="1400" dirty="0" smtClean="0"/>
               <a:t>La legislación griega es amplia. Los encargados de proponer los nomos a sus </a:t>
             </a:r>
             <a:r>
-              <a:rPr lang="es-MX" dirty="0" err="1" smtClean="0"/>
+              <a:rPr lang="es-MX" sz="1400" dirty="0" err="1" smtClean="0"/>
               <a:t>pólis</a:t>
             </a:r>
             <a:r>
-              <a:rPr lang="es-MX" dirty="0" smtClean="0"/>
+              <a:rPr lang="es-MX" sz="1400" dirty="0" smtClean="0"/>
               <a:t> son los legisladores, pero la actuación de la justicia no se agota ahí, sino que se inculca un fuerte respeto por la autoridad de las leyes. Regirse por la ley equivale a considerarse civilizado. </a:t>
             </a:r>
           </a:p>
           <a:p>
             <a:r>
-              <a:rPr lang="es-MX" dirty="0" smtClean="0"/>
+              <a:rPr lang="es-MX" sz="1400" dirty="0" smtClean="0"/>
               <a:t>En el período helénico arcaico encontramos en Atenas a </a:t>
             </a:r>
             <a:r>
-              <a:rPr lang="es-MX" dirty="0" err="1" smtClean="0"/>
+              <a:rPr lang="es-MX" sz="1400" dirty="0" err="1" smtClean="0"/>
               <a:t>Dracón</a:t>
             </a:r>
             <a:r>
-              <a:rPr lang="es-MX" dirty="0" smtClean="0"/>
+              <a:rPr lang="es-MX" sz="1400" dirty="0" smtClean="0"/>
               <a:t>, Solón y </a:t>
             </a:r>
             <a:r>
-              <a:rPr lang="es-MX" dirty="0" err="1" smtClean="0"/>
+              <a:rPr lang="es-MX" sz="1400" dirty="0" err="1" smtClean="0"/>
               <a:t>Clístenes</a:t>
             </a:r>
             <a:r>
-              <a:rPr lang="es-MX" dirty="0" smtClean="0"/>
+              <a:rPr lang="es-MX" sz="1400" dirty="0" smtClean="0"/>
               <a:t>. En Esparta tenemos a Licurgo, </a:t>
             </a:r>
             <a:r>
-              <a:rPr lang="es-MX" dirty="0" err="1" smtClean="0"/>
+              <a:rPr lang="es-MX" sz="1400" dirty="0" err="1" smtClean="0"/>
               <a:t>Fedón</a:t>
             </a:r>
             <a:r>
-              <a:rPr lang="es-MX" dirty="0" smtClean="0"/>
+              <a:rPr lang="es-MX" sz="1400" dirty="0" smtClean="0"/>
               <a:t> y </a:t>
             </a:r>
             <a:r>
-              <a:rPr lang="es-MX" dirty="0" err="1" smtClean="0"/>
+              <a:rPr lang="es-MX" sz="1400" dirty="0" err="1" smtClean="0"/>
               <a:t>Filolao</a:t>
             </a:r>
             <a:r>
-              <a:rPr lang="es-MX" dirty="0" smtClean="0"/>
+              <a:rPr lang="es-MX" sz="1400" dirty="0" smtClean="0"/>
               <a:t> en Corinto, entre otros. </a:t>
             </a:r>
           </a:p>
           <a:p>
             <a:r>
-              <a:rPr lang="es-PE" dirty="0" smtClean="0">
+              <a:rPr lang="es-PE" sz="1400" dirty="0" smtClean="0">
                 <a:hlinkClick r:id="rId2"/>
               </a:rPr>
               <a:t>https</a:t>
             </a:r>
             <a:r>
-              <a:rPr lang="es-PE" dirty="0">
+              <a:rPr lang="es-PE" sz="1400" dirty="0">
                 <a:hlinkClick r:id="rId2"/>
               </a:rPr>
               <a:t>://es.wikipedia.org/wiki/Drac%C3%B3n</a:t>
             </a:r>
-            <a:endParaRPr lang="es-PE" dirty="0"/>
-          </a:p>
-          <a:p>
-            <a:r>
-              <a:rPr lang="es-PE" dirty="0">
+            <a:endParaRPr lang="es-PE" sz="1400" dirty="0"/>
+          </a:p>
+          <a:p>
+            <a:r>
+              <a:rPr lang="es-PE" sz="1400" dirty="0">
                 <a:hlinkClick r:id="rId3"/>
               </a:rPr>
               <a:t>https://es.wikipedia.org/wiki/Sol%C3%B3n</a:t>
             </a:r>
-            <a:endParaRPr lang="es-PE" dirty="0"/>
-          </a:p>
-          <a:p>
-            <a:r>
-              <a:rPr lang="es-PE" dirty="0">
+            <a:endParaRPr lang="es-PE" sz="1400" dirty="0"/>
+          </a:p>
+          <a:p>
+            <a:r>
+              <a:rPr lang="es-PE" sz="1400" dirty="0">
                 <a:hlinkClick r:id="rId4"/>
               </a:rPr>
               <a:t>https://es.wikipedia.org/wiki/Licurgo_(Esparta</a:t>
             </a:r>
             <a:r>
-              <a:rPr lang="es-PE" dirty="0" smtClean="0">
+              <a:rPr lang="es-PE" sz="1400" dirty="0" smtClean="0">
                 <a:hlinkClick r:id="rId4"/>
               </a:rPr>
               <a:t>)</a:t>
             </a:r>
-            <a:endParaRPr lang="es-PE" dirty="0" smtClean="0"/>
-          </a:p>
-          <a:p>
-            <a:r>
-              <a:rPr lang="es-PE" dirty="0">
+            <a:endParaRPr lang="es-PE" sz="1400" dirty="0" smtClean="0"/>
+          </a:p>
+          <a:p>
+            <a:r>
+              <a:rPr lang="es-PE" sz="1400" dirty="0">
                 <a:hlinkClick r:id="rId5"/>
               </a:rPr>
               <a:t>https://www.youtube.com/watch?v=QFpYchyKFwA</a:t>
             </a:r>
-            <a:endParaRPr lang="es-PE" dirty="0"/>
-          </a:p>
-          <a:p>
-            <a:r>
-              <a:rPr lang="es-MX" dirty="0" smtClean="0"/>
-              <a:t>Los objetos </a:t>
-            </a:r>
-            <a:r>
-              <a:rPr lang="es-MX" dirty="0" smtClean="0"/>
-              <a:t>parte de situaciones revisadas en un juicio podían ser llevadas ante el tribunal. </a:t>
-            </a:r>
-            <a:r>
-              <a:rPr lang="es-MX" dirty="0" smtClean="0"/>
-              <a:t>Si un animal se comía la cosecha de un campesino, el animal tendría que atender al juicio. Del mismo modo, si una piedra rompiese una rueda, luego ésta debería ser llevada a la corte. </a:t>
-            </a:r>
-            <a:endParaRPr lang="es-PE" dirty="0"/>
-          </a:p>
-        </p:txBody>
-      </p:sp>
+            <a:endParaRPr lang="es-PE" sz="1400" dirty="0"/>
+          </a:p>
+          <a:p>
+            <a:r>
+              <a:rPr lang="es-MX" sz="1400" dirty="0" smtClean="0"/>
+              <a:t>Los objetos parte de situaciones revisadas en un juicio podían ser llevadas ante el tribunal. Si un animal se comía la cosecha de un campesino, el animal tendría que atender al juicio. Del mismo modo, si una piedra rompiese una rueda, luego ésta debería ser llevada a la corte. </a:t>
+            </a:r>
+            <a:endParaRPr lang="es-PE" sz="1400" dirty="0"/>
+          </a:p>
+        </p:txBody>
+      </p:sp>
+      <p:pic>
+        <p:nvPicPr>
+          <p:cNvPr id="4" name="Imagen 3"/>
+          <p:cNvPicPr>
+            <a:picLocks noChangeAspect="1"/>
+          </p:cNvPicPr>
+          <p:nvPr/>
+        </p:nvPicPr>
+        <p:blipFill>
+          <a:blip r:embed="rId6"/>
+          <a:stretch>
+            <a:fillRect/>
+          </a:stretch>
+        </p:blipFill>
+        <p:spPr>
+          <a:xfrm>
+            <a:off x="2353493" y="4765222"/>
+            <a:ext cx="2119028" cy="1831521"/>
+          </a:xfrm>
+          <a:prstGeom prst="rect">
+            <a:avLst/>
+          </a:prstGeom>
+        </p:spPr>
+      </p:pic>
+      <p:pic>
+        <p:nvPicPr>
+          <p:cNvPr id="5" name="Imagen 4"/>
+          <p:cNvPicPr>
+            <a:picLocks noChangeAspect="1"/>
+          </p:cNvPicPr>
+          <p:nvPr/>
+        </p:nvPicPr>
+        <p:blipFill>
+          <a:blip r:embed="rId7"/>
+          <a:stretch>
+            <a:fillRect/>
+          </a:stretch>
+        </p:blipFill>
+        <p:spPr>
+          <a:xfrm>
+            <a:off x="6543242" y="4765222"/>
+            <a:ext cx="2576855" cy="1940674"/>
+          </a:xfrm>
+          <a:prstGeom prst="rect">
+            <a:avLst/>
+          </a:prstGeom>
+        </p:spPr>
+      </p:pic>
     </p:spTree>
     <p:extLst>
       <p:ext uri="{BB962C8B-B14F-4D97-AF65-F5344CB8AC3E}">
@@ -3451,1098 +3493,1380 @@
         <p:spPr/>
         <p:txBody>
           <a:bodyPr>
-            <a:normAutofit fontScale="77500" lnSpcReduction="20000"/>
+            <a:noAutofit/>
           </a:bodyPr>
           <a:lstStyle/>
           <a:p>
             <a:r>
-              <a:rPr lang="en-US" dirty="0" smtClean="0"/>
+              <a:rPr lang="en-US" sz="1400" dirty="0" smtClean="0"/>
               <a:t>Un hombre que </a:t>
             </a:r>
             <a:r>
-              <a:rPr lang="en-US" dirty="0" err="1" smtClean="0"/>
+              <a:rPr lang="en-US" sz="1400" dirty="0" err="1" smtClean="0"/>
               <a:t>encuentra</a:t>
             </a:r>
             <a:r>
-              <a:rPr lang="en-US" dirty="0" smtClean="0"/>
+              <a:rPr lang="en-US" sz="1400" dirty="0" smtClean="0"/>
               <a:t> a </a:t>
             </a:r>
             <a:r>
-              <a:rPr lang="en-US" dirty="0" err="1" smtClean="0"/>
+              <a:rPr lang="en-US" sz="1400" dirty="0" err="1" smtClean="0"/>
               <a:t>su</a:t>
             </a:r>
             <a:r>
-              <a:rPr lang="en-US" dirty="0" smtClean="0"/>
-              <a:t> </a:t>
-            </a:r>
-            <a:r>
-              <a:rPr lang="en-US" dirty="0" err="1" smtClean="0"/>
+              <a:rPr lang="en-US" sz="1400" dirty="0" smtClean="0"/>
+              <a:t> </a:t>
+            </a:r>
+            <a:r>
+              <a:rPr lang="en-US" sz="1400" dirty="0" err="1" smtClean="0"/>
               <a:t>esposa</a:t>
             </a:r>
             <a:r>
-              <a:rPr lang="en-US" dirty="0" smtClean="0"/>
-              <a:t> </a:t>
-            </a:r>
-            <a:r>
-              <a:rPr lang="en-US" dirty="0" err="1" smtClean="0"/>
+              <a:rPr lang="en-US" sz="1400" dirty="0" smtClean="0"/>
+              <a:t> </a:t>
+            </a:r>
+            <a:r>
+              <a:rPr lang="en-US" sz="1400" dirty="0" err="1" smtClean="0"/>
               <a:t>siendole</a:t>
             </a:r>
             <a:r>
-              <a:rPr lang="en-US" dirty="0" smtClean="0"/>
-              <a:t> </a:t>
-            </a:r>
-            <a:r>
-              <a:rPr lang="en-US" dirty="0" err="1" smtClean="0"/>
+              <a:rPr lang="en-US" sz="1400" dirty="0" smtClean="0"/>
+              <a:t> </a:t>
+            </a:r>
+            <a:r>
+              <a:rPr lang="en-US" sz="1400" dirty="0" err="1" smtClean="0"/>
               <a:t>infiel</a:t>
             </a:r>
             <a:r>
-              <a:rPr lang="en-US" dirty="0" smtClean="0"/>
-              <a:t> </a:t>
-            </a:r>
-            <a:r>
-              <a:rPr lang="en-US" dirty="0" err="1" smtClean="0"/>
+              <a:rPr lang="en-US" sz="1400" dirty="0" smtClean="0"/>
+              <a:t> </a:t>
+            </a:r>
+            <a:r>
+              <a:rPr lang="en-US" sz="1400" dirty="0" err="1" smtClean="0"/>
               <a:t>debe</a:t>
             </a:r>
             <a:r>
-              <a:rPr lang="en-US" dirty="0" smtClean="0"/>
-              <a:t> </a:t>
-            </a:r>
-            <a:r>
-              <a:rPr lang="en-US" dirty="0" err="1" smtClean="0"/>
+              <a:rPr lang="en-US" sz="1400" dirty="0" smtClean="0"/>
+              <a:t> </a:t>
+            </a:r>
+            <a:r>
+              <a:rPr lang="en-US" sz="1400" dirty="0" err="1" smtClean="0"/>
               <a:t>procurar</a:t>
             </a:r>
             <a:r>
-              <a:rPr lang="en-US" dirty="0" smtClean="0"/>
-              <a:t> </a:t>
-            </a:r>
-            <a:r>
-              <a:rPr lang="en-US" dirty="0" err="1" smtClean="0"/>
+              <a:rPr lang="en-US" sz="1400" dirty="0" smtClean="0"/>
+              <a:t> </a:t>
+            </a:r>
+            <a:r>
+              <a:rPr lang="en-US" sz="1400" dirty="0" err="1" smtClean="0"/>
               <a:t>encerrárlos</a:t>
             </a:r>
             <a:r>
-              <a:rPr lang="en-US" dirty="0" smtClean="0"/>
+              <a:rPr lang="en-US" sz="1400" dirty="0" smtClean="0"/>
               <a:t> y al </a:t>
             </a:r>
             <a:r>
-              <a:rPr lang="en-US" dirty="0" err="1" smtClean="0"/>
+              <a:rPr lang="en-US" sz="1400" dirty="0" err="1" smtClean="0"/>
               <a:t>cabo</a:t>
             </a:r>
             <a:r>
-              <a:rPr lang="en-US" dirty="0" smtClean="0"/>
+              <a:rPr lang="en-US" sz="1400" dirty="0" smtClean="0"/>
               <a:t> de </a:t>
             </a:r>
             <a:r>
-              <a:rPr lang="en-US" dirty="0" err="1" smtClean="0"/>
+              <a:rPr lang="en-US" sz="1400" dirty="0" err="1" smtClean="0"/>
               <a:t>veinte</a:t>
             </a:r>
             <a:r>
-              <a:rPr lang="en-US" dirty="0" smtClean="0"/>
+              <a:rPr lang="en-US" sz="1400" dirty="0" smtClean="0"/>
               <a:t> horas </a:t>
             </a:r>
             <a:r>
-              <a:rPr lang="en-US" dirty="0" err="1" smtClean="0"/>
+              <a:rPr lang="en-US" sz="1400" dirty="0" err="1" smtClean="0"/>
               <a:t>tener</a:t>
             </a:r>
             <a:r>
-              <a:rPr lang="en-US" dirty="0" smtClean="0"/>
-              <a:t> </a:t>
-            </a:r>
-            <a:r>
-              <a:rPr lang="en-US" dirty="0" err="1" smtClean="0"/>
+              <a:rPr lang="en-US" sz="1400" dirty="0" smtClean="0"/>
+              <a:t> </a:t>
+            </a:r>
+            <a:r>
+              <a:rPr lang="en-US" sz="1400" dirty="0" err="1" smtClean="0"/>
               <a:t>testigos</a:t>
             </a:r>
             <a:r>
-              <a:rPr lang="en-US" dirty="0" smtClean="0"/>
+              <a:rPr lang="en-US" sz="1400" dirty="0" smtClean="0"/>
               <a:t> que </a:t>
             </a:r>
             <a:r>
-              <a:rPr lang="en-US" dirty="0" err="1" smtClean="0"/>
+              <a:rPr lang="en-US" sz="1400" dirty="0" err="1" smtClean="0"/>
               <a:t>acrediten</a:t>
             </a:r>
             <a:r>
-              <a:rPr lang="en-US" dirty="0" smtClean="0"/>
-              <a:t> </a:t>
-            </a:r>
-            <a:r>
-              <a:rPr lang="en-US" dirty="0" err="1" smtClean="0"/>
+              <a:rPr lang="en-US" sz="1400" dirty="0" smtClean="0"/>
+              <a:t> </a:t>
+            </a:r>
+            <a:r>
+              <a:rPr lang="en-US" sz="1400" dirty="0" err="1" smtClean="0"/>
               <a:t>los</a:t>
             </a:r>
             <a:r>
-              <a:rPr lang="en-US" dirty="0" smtClean="0"/>
-              <a:t> </a:t>
-            </a:r>
-            <a:r>
-              <a:rPr lang="en-US" dirty="0" err="1" smtClean="0"/>
+              <a:rPr lang="en-US" sz="1400" dirty="0" smtClean="0"/>
+              <a:t> </a:t>
+            </a:r>
+            <a:r>
+              <a:rPr lang="en-US" sz="1400" dirty="0" err="1" smtClean="0"/>
               <a:t>hechos</a:t>
             </a:r>
             <a:r>
-              <a:rPr lang="en-US" dirty="0" smtClean="0"/>
+              <a:rPr lang="en-US" sz="1400" dirty="0" smtClean="0"/>
               <a:t>. </a:t>
             </a:r>
             <a:r>
-              <a:rPr lang="en-US" dirty="0" err="1" smtClean="0"/>
+              <a:rPr lang="en-US" sz="1400" dirty="0" err="1" smtClean="0"/>
               <a:t>Luego</a:t>
             </a:r>
             <a:r>
-              <a:rPr lang="en-US" dirty="0" smtClean="0"/>
-              <a:t> </a:t>
-            </a:r>
-            <a:r>
-              <a:rPr lang="en-US" dirty="0" err="1" smtClean="0"/>
+              <a:rPr lang="en-US" sz="1400" dirty="0" smtClean="0"/>
+              <a:t> </a:t>
+            </a:r>
+            <a:r>
+              <a:rPr lang="en-US" sz="1400" dirty="0" err="1" smtClean="0"/>
               <a:t>hacer</a:t>
             </a:r>
             <a:r>
-              <a:rPr lang="en-US" dirty="0" smtClean="0"/>
-              <a:t> </a:t>
-            </a:r>
-            <a:r>
-              <a:rPr lang="en-US" dirty="0" err="1" smtClean="0"/>
+              <a:rPr lang="en-US" sz="1400" dirty="0" smtClean="0"/>
+              <a:t> </a:t>
+            </a:r>
+            <a:r>
+              <a:rPr lang="en-US" sz="1400" dirty="0" err="1" smtClean="0"/>
               <a:t>una</a:t>
             </a:r>
             <a:r>
-              <a:rPr lang="en-US" dirty="0" smtClean="0"/>
-              <a:t> </a:t>
-            </a:r>
-            <a:r>
-              <a:rPr lang="en-US" dirty="0" err="1" smtClean="0"/>
+              <a:rPr lang="en-US" sz="1400" dirty="0" smtClean="0"/>
+              <a:t> </a:t>
+            </a:r>
+            <a:r>
+              <a:rPr lang="en-US" sz="1400" dirty="0" err="1" smtClean="0"/>
               <a:t>declaración</a:t>
             </a:r>
             <a:r>
-              <a:rPr lang="en-US" dirty="0" smtClean="0"/>
-              <a:t> </a:t>
-            </a:r>
-            <a:r>
-              <a:rPr lang="en-US" dirty="0" err="1" smtClean="0"/>
+              <a:rPr lang="en-US" sz="1400" dirty="0" smtClean="0"/>
+              <a:t> </a:t>
+            </a:r>
+            <a:r>
+              <a:rPr lang="en-US" sz="1400" dirty="0" err="1" smtClean="0"/>
               <a:t>pública</a:t>
             </a:r>
             <a:r>
-              <a:rPr lang="en-US" dirty="0" smtClean="0"/>
+              <a:rPr lang="en-US" sz="1400" dirty="0" smtClean="0"/>
               <a:t>. Si el </a:t>
             </a:r>
             <a:r>
-              <a:rPr lang="en-US" dirty="0" err="1" smtClean="0"/>
+              <a:rPr lang="en-US" sz="1400" dirty="0" err="1" smtClean="0"/>
               <a:t>amante</a:t>
             </a:r>
             <a:r>
-              <a:rPr lang="en-US" dirty="0" smtClean="0"/>
-              <a:t> </a:t>
-            </a:r>
-            <a:r>
-              <a:rPr lang="en-US" dirty="0" err="1" smtClean="0"/>
+              <a:rPr lang="en-US" sz="1400" dirty="0" smtClean="0"/>
+              <a:t> </a:t>
+            </a:r>
+            <a:r>
+              <a:rPr lang="en-US" sz="1400" dirty="0" err="1" smtClean="0"/>
               <a:t>es</a:t>
             </a:r>
             <a:r>
-              <a:rPr lang="en-US" dirty="0" smtClean="0"/>
+              <a:rPr lang="en-US" sz="1400" dirty="0" smtClean="0"/>
               <a:t> un </a:t>
             </a:r>
             <a:r>
-              <a:rPr lang="en-US" dirty="0" err="1" smtClean="0"/>
+              <a:rPr lang="en-US" sz="1400" dirty="0" err="1" smtClean="0"/>
               <a:t>esclavo</a:t>
             </a:r>
             <a:r>
-              <a:rPr lang="en-US" dirty="0" smtClean="0"/>
+              <a:rPr lang="en-US" sz="1400" dirty="0" smtClean="0"/>
               <a:t>, el hombre </a:t>
             </a:r>
             <a:r>
-              <a:rPr lang="en-US" dirty="0" err="1" smtClean="0"/>
+              <a:rPr lang="en-US" sz="1400" dirty="0" err="1" smtClean="0"/>
               <a:t>esta</a:t>
             </a:r>
             <a:r>
-              <a:rPr lang="en-US" dirty="0" smtClean="0"/>
-              <a:t> </a:t>
-            </a:r>
-            <a:r>
-              <a:rPr lang="en-US" dirty="0" err="1" smtClean="0"/>
+              <a:rPr lang="en-US" sz="1400" dirty="0" smtClean="0"/>
+              <a:t> </a:t>
+            </a:r>
+            <a:r>
+              <a:rPr lang="en-US" sz="1400" dirty="0" err="1" smtClean="0"/>
               <a:t>entitulado</a:t>
             </a:r>
             <a:r>
-              <a:rPr lang="en-US" dirty="0" smtClean="0"/>
+              <a:rPr lang="en-US" sz="1400" dirty="0" smtClean="0"/>
               <a:t> de </a:t>
             </a:r>
             <a:r>
-              <a:rPr lang="en-US" dirty="0" err="1" smtClean="0"/>
+              <a:rPr lang="en-US" sz="1400" dirty="0" err="1" smtClean="0"/>
               <a:t>ejecutarlo</a:t>
             </a:r>
             <a:r>
-              <a:rPr lang="en-US" dirty="0" smtClean="0"/>
+              <a:rPr lang="en-US" sz="1400" dirty="0" smtClean="0"/>
               <a:t>. De </a:t>
             </a:r>
             <a:r>
-              <a:rPr lang="en-US" dirty="0" err="1" smtClean="0"/>
+              <a:rPr lang="en-US" sz="1400" dirty="0" err="1" smtClean="0"/>
               <a:t>otro</a:t>
             </a:r>
             <a:r>
-              <a:rPr lang="en-US" dirty="0" smtClean="0"/>
-              <a:t> </a:t>
-            </a:r>
-            <a:r>
-              <a:rPr lang="en-US" dirty="0" err="1" smtClean="0"/>
+              <a:rPr lang="en-US" sz="1400" dirty="0" smtClean="0"/>
+              <a:t> </a:t>
+            </a:r>
+            <a:r>
+              <a:rPr lang="en-US" sz="1400" dirty="0" err="1" smtClean="0"/>
               <a:t>modo</a:t>
             </a:r>
             <a:r>
-              <a:rPr lang="en-US" dirty="0" smtClean="0"/>
+              <a:rPr lang="en-US" sz="1400" dirty="0" smtClean="0"/>
               <a:t>, el padre de la </a:t>
             </a:r>
             <a:r>
-              <a:rPr lang="en-US" dirty="0" err="1" smtClean="0"/>
+              <a:rPr lang="en-US" sz="1400" dirty="0" err="1" smtClean="0"/>
               <a:t>esposa</a:t>
             </a:r>
             <a:r>
-              <a:rPr lang="en-US" dirty="0" smtClean="0"/>
-              <a:t> </a:t>
-            </a:r>
-            <a:r>
-              <a:rPr lang="en-US" dirty="0" err="1" smtClean="0"/>
+              <a:rPr lang="en-US" sz="1400" dirty="0" smtClean="0"/>
+              <a:t> </a:t>
+            </a:r>
+            <a:r>
+              <a:rPr lang="en-US" sz="1400" dirty="0" err="1" smtClean="0"/>
               <a:t>es</a:t>
             </a:r>
             <a:r>
-              <a:rPr lang="en-US" dirty="0" smtClean="0"/>
-              <a:t> </a:t>
-            </a:r>
-            <a:r>
-              <a:rPr lang="en-US" dirty="0" err="1" smtClean="0"/>
+              <a:rPr lang="en-US" sz="1400" dirty="0" smtClean="0"/>
+              <a:t> </a:t>
+            </a:r>
+            <a:r>
+              <a:rPr lang="en-US" sz="1400" dirty="0" err="1" smtClean="0"/>
               <a:t>quien</a:t>
             </a:r>
             <a:r>
-              <a:rPr lang="en-US" dirty="0" smtClean="0"/>
+              <a:rPr lang="en-US" sz="1400" dirty="0" smtClean="0"/>
               <a:t> se </a:t>
             </a:r>
             <a:r>
-              <a:rPr lang="en-US" dirty="0" err="1" smtClean="0"/>
+              <a:rPr lang="en-US" sz="1400" dirty="0" err="1" smtClean="0"/>
               <a:t>encarga</a:t>
             </a:r>
             <a:r>
-              <a:rPr lang="en-US" dirty="0" smtClean="0"/>
+              <a:rPr lang="en-US" sz="1400" dirty="0" smtClean="0"/>
               <a:t> de la </a:t>
             </a:r>
             <a:r>
-              <a:rPr lang="en-US" dirty="0" err="1" smtClean="0"/>
+              <a:rPr lang="en-US" sz="1400" dirty="0" err="1" smtClean="0"/>
               <a:t>pena</a:t>
             </a:r>
             <a:r>
-              <a:rPr lang="en-US" dirty="0" smtClean="0"/>
+              <a:rPr lang="en-US" sz="1400" dirty="0" smtClean="0"/>
               <a:t>. </a:t>
             </a:r>
           </a:p>
           <a:p>
             <a:r>
-              <a:rPr lang="en-US" dirty="0" smtClean="0"/>
+              <a:rPr lang="en-US" sz="1400" dirty="0" smtClean="0"/>
               <a:t>Si </a:t>
             </a:r>
             <a:r>
-              <a:rPr lang="en-US" dirty="0" err="1" smtClean="0"/>
+              <a:rPr lang="en-US" sz="1400" dirty="0" err="1" smtClean="0"/>
               <a:t>alguien</a:t>
             </a:r>
             <a:r>
-              <a:rPr lang="en-US" dirty="0" smtClean="0"/>
-              <a:t> </a:t>
-            </a:r>
-            <a:r>
-              <a:rPr lang="en-US" dirty="0" err="1" smtClean="0"/>
+              <a:rPr lang="en-US" sz="1400" dirty="0" smtClean="0"/>
+              <a:t> </a:t>
+            </a:r>
+            <a:r>
+              <a:rPr lang="en-US" sz="1400" dirty="0" err="1" smtClean="0"/>
               <a:t>quiere</a:t>
             </a:r>
             <a:r>
-              <a:rPr lang="en-US" dirty="0" smtClean="0"/>
-              <a:t> </a:t>
-            </a:r>
-            <a:r>
-              <a:rPr lang="en-US" dirty="0" err="1" smtClean="0"/>
+              <a:rPr lang="en-US" sz="1400" dirty="0" smtClean="0"/>
+              <a:t> </a:t>
+            </a:r>
+            <a:r>
+              <a:rPr lang="en-US" sz="1400" dirty="0" err="1" smtClean="0"/>
               <a:t>suicidarse</a:t>
             </a:r>
             <a:r>
-              <a:rPr lang="en-US" dirty="0" smtClean="0"/>
+              <a:rPr lang="en-US" sz="1400" dirty="0" smtClean="0"/>
               <a:t>, </a:t>
             </a:r>
             <a:r>
-              <a:rPr lang="en-US" dirty="0" err="1" smtClean="0"/>
+              <a:rPr lang="en-US" sz="1400" dirty="0" err="1" smtClean="0"/>
               <a:t>debe</a:t>
             </a:r>
             <a:r>
-              <a:rPr lang="en-US" dirty="0" smtClean="0"/>
-              <a:t> </a:t>
-            </a:r>
-            <a:r>
-              <a:rPr lang="en-US" dirty="0" err="1" smtClean="0"/>
+              <a:rPr lang="en-US" sz="1400" dirty="0" smtClean="0"/>
+              <a:t> </a:t>
+            </a:r>
+            <a:r>
+              <a:rPr lang="en-US" sz="1400" dirty="0" err="1" smtClean="0"/>
               <a:t>informar</a:t>
             </a:r>
             <a:r>
-              <a:rPr lang="en-US" dirty="0" smtClean="0"/>
+              <a:rPr lang="en-US" sz="1400" dirty="0" smtClean="0"/>
               <a:t> al </a:t>
             </a:r>
             <a:r>
-              <a:rPr lang="en-US" dirty="0" err="1" smtClean="0"/>
+              <a:rPr lang="en-US" sz="1400" dirty="0" err="1" smtClean="0"/>
               <a:t>senado</a:t>
             </a:r>
             <a:r>
-              <a:rPr lang="en-US" dirty="0" smtClean="0"/>
-              <a:t> </a:t>
-            </a:r>
-            <a:r>
-              <a:rPr lang="en-US" dirty="0" err="1" smtClean="0"/>
+              <a:rPr lang="en-US" sz="1400" dirty="0" smtClean="0"/>
+              <a:t> </a:t>
+            </a:r>
+            <a:r>
+              <a:rPr lang="en-US" sz="1400" dirty="0" err="1" smtClean="0"/>
               <a:t>sus</a:t>
             </a:r>
             <a:r>
-              <a:rPr lang="en-US" dirty="0" smtClean="0"/>
-              <a:t> </a:t>
-            </a:r>
-            <a:r>
-              <a:rPr lang="en-US" dirty="0" err="1" smtClean="0"/>
+              <a:rPr lang="en-US" sz="1400" dirty="0" smtClean="0"/>
+              <a:t> </a:t>
+            </a:r>
+            <a:r>
+              <a:rPr lang="en-US" sz="1400" dirty="0" err="1" smtClean="0"/>
               <a:t>razones</a:t>
             </a:r>
             <a:r>
-              <a:rPr lang="en-US" dirty="0" smtClean="0"/>
+              <a:rPr lang="en-US" sz="1400" dirty="0" smtClean="0"/>
               <a:t>, </a:t>
             </a:r>
             <a:r>
-              <a:rPr lang="en-US" dirty="0" err="1" smtClean="0"/>
+              <a:rPr lang="en-US" sz="1400" dirty="0" err="1" smtClean="0"/>
               <a:t>exponiéndolas</a:t>
             </a:r>
             <a:r>
-              <a:rPr lang="en-US" dirty="0" smtClean="0"/>
+              <a:rPr lang="en-US" sz="1400" dirty="0" smtClean="0"/>
               <a:t>, para </a:t>
             </a:r>
             <a:r>
-              <a:rPr lang="en-US" dirty="0" err="1" smtClean="0"/>
+              <a:rPr lang="en-US" sz="1400" dirty="0" err="1" smtClean="0"/>
               <a:t>luego</a:t>
             </a:r>
             <a:r>
-              <a:rPr lang="en-US" dirty="0" smtClean="0"/>
-              <a:t> </a:t>
-            </a:r>
-            <a:r>
-              <a:rPr lang="en-US" dirty="0" err="1" smtClean="0"/>
+              <a:rPr lang="en-US" sz="1400" dirty="0" smtClean="0"/>
+              <a:t> </a:t>
+            </a:r>
+            <a:r>
+              <a:rPr lang="en-US" sz="1400" dirty="0" err="1" smtClean="0"/>
               <a:t>permitírsele</a:t>
             </a:r>
             <a:r>
-              <a:rPr lang="en-US" dirty="0" smtClean="0"/>
+              <a:rPr lang="en-US" sz="1400" dirty="0" smtClean="0"/>
               <a:t> o </a:t>
             </a:r>
             <a:r>
-              <a:rPr lang="en-US" dirty="0" err="1" smtClean="0"/>
+              <a:rPr lang="en-US" sz="1400" dirty="0" err="1" smtClean="0"/>
               <a:t>buscar</a:t>
             </a:r>
             <a:r>
-              <a:rPr lang="en-US" dirty="0" smtClean="0"/>
-              <a:t> </a:t>
-            </a:r>
-            <a:r>
-              <a:rPr lang="en-US" dirty="0" err="1" smtClean="0"/>
+              <a:rPr lang="en-US" sz="1400" dirty="0" smtClean="0"/>
+              <a:t> </a:t>
+            </a:r>
+            <a:r>
+              <a:rPr lang="en-US" sz="1400" dirty="0" err="1" smtClean="0"/>
               <a:t>una</a:t>
             </a:r>
             <a:r>
-              <a:rPr lang="en-US" dirty="0" smtClean="0"/>
-              <a:t> </a:t>
-            </a:r>
-            <a:r>
-              <a:rPr lang="en-US" dirty="0" err="1" smtClean="0"/>
+              <a:rPr lang="en-US" sz="1400" dirty="0" smtClean="0"/>
+              <a:t> </a:t>
+            </a:r>
+            <a:r>
+              <a:rPr lang="en-US" sz="1400" dirty="0" err="1" smtClean="0"/>
               <a:t>solución</a:t>
             </a:r>
             <a:r>
-              <a:rPr lang="en-US" dirty="0" smtClean="0"/>
+              <a:rPr lang="en-US" sz="1400" dirty="0" smtClean="0"/>
               <a:t>. El </a:t>
             </a:r>
             <a:r>
-              <a:rPr lang="en-US" dirty="0" err="1" smtClean="0"/>
+              <a:rPr lang="en-US" sz="1400" dirty="0" err="1" smtClean="0"/>
               <a:t>senado</a:t>
             </a:r>
             <a:r>
-              <a:rPr lang="en-US" dirty="0" smtClean="0"/>
-              <a:t> </a:t>
-            </a:r>
-            <a:r>
-              <a:rPr lang="en-US" dirty="0" err="1" smtClean="0"/>
+              <a:rPr lang="en-US" sz="1400" dirty="0" smtClean="0"/>
+              <a:t> </a:t>
+            </a:r>
+            <a:r>
+              <a:rPr lang="en-US" sz="1400" dirty="0" err="1" smtClean="0"/>
               <a:t>puede</a:t>
             </a:r>
             <a:r>
-              <a:rPr lang="en-US" dirty="0" smtClean="0"/>
-              <a:t> </a:t>
-            </a:r>
-            <a:r>
-              <a:rPr lang="en-US" dirty="0" err="1" smtClean="0"/>
+              <a:rPr lang="en-US" sz="1400" dirty="0" smtClean="0"/>
+              <a:t> </a:t>
+            </a:r>
+            <a:r>
+              <a:rPr lang="en-US" sz="1400" dirty="0" err="1" smtClean="0"/>
               <a:t>facilitar</a:t>
             </a:r>
             <a:r>
-              <a:rPr lang="en-US" dirty="0" smtClean="0"/>
-              <a:t> </a:t>
-            </a:r>
-            <a:r>
-              <a:rPr lang="en-US" dirty="0" err="1" smtClean="0"/>
+              <a:rPr lang="en-US" sz="1400" dirty="0" smtClean="0"/>
+              <a:t> </a:t>
+            </a:r>
+            <a:r>
+              <a:rPr lang="en-US" sz="1400" dirty="0" err="1" smtClean="0"/>
               <a:t>venenos</a:t>
             </a:r>
             <a:r>
-              <a:rPr lang="en-US" dirty="0" smtClean="0"/>
+              <a:rPr lang="en-US" sz="1400" dirty="0" smtClean="0"/>
               <a:t> para </a:t>
             </a:r>
             <a:r>
-              <a:rPr lang="en-US" dirty="0" err="1" smtClean="0"/>
+              <a:rPr lang="en-US" sz="1400" dirty="0" err="1" smtClean="0"/>
               <a:t>dicho</a:t>
             </a:r>
             <a:r>
-              <a:rPr lang="en-US" dirty="0" smtClean="0"/>
+              <a:rPr lang="en-US" sz="1400" dirty="0" smtClean="0"/>
               <a:t> fin. </a:t>
             </a:r>
             <a:r>
-              <a:rPr lang="en-US" dirty="0" err="1" smtClean="0"/>
+              <a:rPr lang="en-US" sz="1400" dirty="0" err="1" smtClean="0"/>
               <a:t>Esta</a:t>
             </a:r>
             <a:r>
-              <a:rPr lang="en-US" dirty="0" smtClean="0"/>
-              <a:t> </a:t>
-            </a:r>
-            <a:r>
-              <a:rPr lang="en-US" dirty="0" err="1" smtClean="0"/>
+              <a:rPr lang="en-US" sz="1400" dirty="0" smtClean="0"/>
+              <a:t> </a:t>
+            </a:r>
+            <a:r>
+              <a:rPr lang="en-US" sz="1400" dirty="0" err="1" smtClean="0"/>
               <a:t>salida</a:t>
             </a:r>
             <a:r>
-              <a:rPr lang="en-US" dirty="0" smtClean="0"/>
-              <a:t> </a:t>
-            </a:r>
-            <a:r>
-              <a:rPr lang="en-US" dirty="0" err="1" smtClean="0"/>
+              <a:rPr lang="en-US" sz="1400" dirty="0" smtClean="0"/>
+              <a:t> </a:t>
+            </a:r>
+            <a:r>
+              <a:rPr lang="en-US" sz="1400" dirty="0" err="1" smtClean="0"/>
               <a:t>puede</a:t>
             </a:r>
             <a:r>
-              <a:rPr lang="en-US" dirty="0" smtClean="0"/>
+              <a:rPr lang="en-US" sz="1400" dirty="0" smtClean="0"/>
               <a:t> verse </a:t>
             </a:r>
             <a:r>
-              <a:rPr lang="en-US" dirty="0" err="1" smtClean="0"/>
+              <a:rPr lang="en-US" sz="1400" dirty="0" err="1" smtClean="0"/>
               <a:t>como</a:t>
             </a:r>
             <a:r>
-              <a:rPr lang="en-US" dirty="0" smtClean="0"/>
-              <a:t> </a:t>
-            </a:r>
-            <a:r>
-              <a:rPr lang="en-US" dirty="0" err="1" smtClean="0"/>
+              <a:rPr lang="en-US" sz="1400" dirty="0" smtClean="0"/>
+              <a:t> </a:t>
+            </a:r>
+            <a:r>
+              <a:rPr lang="en-US" sz="1400" dirty="0" err="1" smtClean="0"/>
               <a:t>una</a:t>
             </a:r>
             <a:r>
-              <a:rPr lang="en-US" dirty="0" smtClean="0"/>
-              <a:t> </a:t>
-            </a:r>
-            <a:r>
-              <a:rPr lang="en-US" dirty="0" err="1" smtClean="0"/>
+              <a:rPr lang="en-US" sz="1400" dirty="0" smtClean="0"/>
+              <a:t> </a:t>
+            </a:r>
+            <a:r>
+              <a:rPr lang="en-US" sz="1400" dirty="0" err="1" smtClean="0"/>
               <a:t>opción</a:t>
             </a:r>
             <a:r>
-              <a:rPr lang="en-US" dirty="0" smtClean="0"/>
-              <a:t> </a:t>
-            </a:r>
-            <a:r>
-              <a:rPr lang="en-US" dirty="0" err="1" smtClean="0"/>
+              <a:rPr lang="en-US" sz="1400" dirty="0" smtClean="0"/>
+              <a:t> </a:t>
+            </a:r>
+            <a:r>
+              <a:rPr lang="en-US" sz="1400" dirty="0" err="1" smtClean="0"/>
               <a:t>digna</a:t>
             </a:r>
             <a:r>
-              <a:rPr lang="en-US" dirty="0" smtClean="0"/>
+              <a:rPr lang="en-US" sz="1400" dirty="0" smtClean="0"/>
               <a:t>, </a:t>
             </a:r>
             <a:r>
-              <a:rPr lang="en-US" dirty="0" err="1" smtClean="0"/>
+              <a:rPr lang="en-US" sz="1400" dirty="0" err="1" smtClean="0"/>
               <a:t>como</a:t>
             </a:r>
             <a:r>
-              <a:rPr lang="en-US" dirty="0" smtClean="0"/>
-              <a:t> </a:t>
-            </a:r>
-            <a:r>
-              <a:rPr lang="en-US" dirty="0" err="1" smtClean="0"/>
+              <a:rPr lang="en-US" sz="1400" dirty="0" smtClean="0"/>
+              <a:t> </a:t>
+            </a:r>
+            <a:r>
+              <a:rPr lang="en-US" sz="1400" dirty="0" err="1" smtClean="0"/>
               <a:t>por</a:t>
             </a:r>
             <a:r>
-              <a:rPr lang="en-US" dirty="0" smtClean="0"/>
-              <a:t> </a:t>
-            </a:r>
-            <a:r>
-              <a:rPr lang="en-US" dirty="0" err="1" smtClean="0"/>
+              <a:rPr lang="en-US" sz="1400" dirty="0" smtClean="0"/>
+              <a:t> </a:t>
+            </a:r>
+            <a:r>
+              <a:rPr lang="en-US" sz="1400" dirty="0" err="1" smtClean="0"/>
               <a:t>ejemplo</a:t>
             </a:r>
             <a:r>
-              <a:rPr lang="en-US" dirty="0" smtClean="0"/>
+              <a:rPr lang="en-US" sz="1400" dirty="0" smtClean="0"/>
               <a:t>, </a:t>
             </a:r>
             <a:r>
-              <a:rPr lang="en-US" dirty="0" err="1" smtClean="0"/>
+              <a:rPr lang="en-US" sz="1400" dirty="0" err="1" smtClean="0"/>
               <a:t>cuando</a:t>
             </a:r>
             <a:r>
-              <a:rPr lang="en-US" dirty="0" smtClean="0"/>
+              <a:rPr lang="en-US" sz="1400" dirty="0" smtClean="0"/>
               <a:t> se </a:t>
             </a:r>
             <a:r>
-              <a:rPr lang="en-US" dirty="0" err="1" smtClean="0"/>
+              <a:rPr lang="en-US" sz="1400" dirty="0" err="1" smtClean="0"/>
               <a:t>busca</a:t>
             </a:r>
             <a:r>
-              <a:rPr lang="en-US" dirty="0" smtClean="0"/>
-              <a:t> </a:t>
-            </a:r>
-            <a:r>
-              <a:rPr lang="en-US" dirty="0" err="1" smtClean="0"/>
+              <a:rPr lang="en-US" sz="1400" dirty="0" smtClean="0"/>
+              <a:t> </a:t>
+            </a:r>
+            <a:r>
+              <a:rPr lang="en-US" sz="1400" dirty="0" err="1" smtClean="0"/>
               <a:t>evitar</a:t>
             </a:r>
             <a:r>
-              <a:rPr lang="en-US" dirty="0" smtClean="0"/>
-              <a:t> </a:t>
-            </a:r>
-            <a:r>
-              <a:rPr lang="en-US" dirty="0" err="1" smtClean="0"/>
+              <a:rPr lang="en-US" sz="1400" dirty="0" smtClean="0"/>
+              <a:t> </a:t>
+            </a:r>
+            <a:r>
+              <a:rPr lang="en-US" sz="1400" dirty="0" err="1" smtClean="0"/>
               <a:t>una</a:t>
             </a:r>
             <a:r>
-              <a:rPr lang="en-US" dirty="0" smtClean="0"/>
-              <a:t> </a:t>
-            </a:r>
-            <a:r>
-              <a:rPr lang="en-US" dirty="0" err="1" smtClean="0"/>
+              <a:rPr lang="en-US" sz="1400" dirty="0" smtClean="0"/>
+              <a:t> </a:t>
+            </a:r>
+            <a:r>
+              <a:rPr lang="en-US" sz="1400" dirty="0" err="1" smtClean="0"/>
               <a:t>ejecución</a:t>
             </a:r>
             <a:r>
-              <a:rPr lang="en-US" dirty="0" smtClean="0"/>
-              <a:t> </a:t>
-            </a:r>
-            <a:r>
-              <a:rPr lang="en-US" dirty="0" err="1" smtClean="0"/>
+              <a:rPr lang="en-US" sz="1400" dirty="0" smtClean="0"/>
+              <a:t> </a:t>
+            </a:r>
+            <a:r>
+              <a:rPr lang="en-US" sz="1400" dirty="0" err="1" smtClean="0"/>
               <a:t>pública</a:t>
             </a:r>
             <a:r>
-              <a:rPr lang="en-US" dirty="0" smtClean="0"/>
+              <a:rPr lang="en-US" sz="1400" dirty="0" smtClean="0"/>
               <a:t>. No </a:t>
             </a:r>
             <a:r>
-              <a:rPr lang="en-US" dirty="0" err="1" smtClean="0"/>
+              <a:rPr lang="en-US" sz="1400" dirty="0" err="1" smtClean="0"/>
               <a:t>todos</a:t>
             </a:r>
             <a:r>
-              <a:rPr lang="en-US" dirty="0" smtClean="0"/>
-              <a:t> </a:t>
-            </a:r>
-            <a:r>
-              <a:rPr lang="en-US" dirty="0" err="1" smtClean="0"/>
+              <a:rPr lang="en-US" sz="1400" dirty="0" smtClean="0"/>
+              <a:t> </a:t>
+            </a:r>
+            <a:r>
+              <a:rPr lang="en-US" sz="1400" dirty="0" err="1" smtClean="0"/>
               <a:t>tienen</a:t>
             </a:r>
             <a:r>
-              <a:rPr lang="en-US" dirty="0" smtClean="0"/>
-              <a:t> </a:t>
-            </a:r>
-            <a:r>
-              <a:rPr lang="en-US" dirty="0" err="1" smtClean="0"/>
+              <a:rPr lang="en-US" sz="1400" dirty="0" smtClean="0"/>
+              <a:t> </a:t>
+            </a:r>
+            <a:r>
+              <a:rPr lang="en-US" sz="1400" dirty="0" err="1" smtClean="0"/>
               <a:t>este</a:t>
             </a:r>
             <a:r>
-              <a:rPr lang="en-US" dirty="0" smtClean="0"/>
-              <a:t> </a:t>
-            </a:r>
-            <a:r>
-              <a:rPr lang="en-US" dirty="0" err="1" smtClean="0"/>
+              <a:rPr lang="en-US" sz="1400" dirty="0" smtClean="0"/>
+              <a:t> </a:t>
+            </a:r>
+            <a:r>
+              <a:rPr lang="en-US" sz="1400" dirty="0" err="1" smtClean="0"/>
               <a:t>beneficio</a:t>
             </a:r>
             <a:r>
-              <a:rPr lang="en-US" dirty="0" smtClean="0"/>
+              <a:rPr lang="en-US" sz="1400" dirty="0" smtClean="0"/>
               <a:t>, </a:t>
             </a:r>
             <a:r>
-              <a:rPr lang="en-US" dirty="0" err="1" smtClean="0"/>
+              <a:rPr lang="en-US" sz="1400" dirty="0" err="1" smtClean="0"/>
               <a:t>como</a:t>
             </a:r>
             <a:r>
-              <a:rPr lang="en-US" dirty="0" smtClean="0"/>
-              <a:t> </a:t>
-            </a:r>
-            <a:r>
-              <a:rPr lang="en-US" dirty="0" err="1" smtClean="0"/>
+              <a:rPr lang="en-US" sz="1400" dirty="0" smtClean="0"/>
+              <a:t> </a:t>
+            </a:r>
+            <a:r>
+              <a:rPr lang="en-US" sz="1400" dirty="0" err="1" smtClean="0"/>
               <a:t>esclavos</a:t>
             </a:r>
             <a:r>
-              <a:rPr lang="en-US" dirty="0" smtClean="0"/>
+              <a:rPr lang="en-US" sz="1400" dirty="0" smtClean="0"/>
               <a:t> y </a:t>
             </a:r>
             <a:r>
-              <a:rPr lang="en-US" dirty="0" err="1" smtClean="0"/>
+              <a:rPr lang="en-US" sz="1400" dirty="0" err="1" smtClean="0"/>
               <a:t>legionarios</a:t>
             </a:r>
             <a:r>
-              <a:rPr lang="en-US" dirty="0" smtClean="0"/>
+              <a:rPr lang="en-US" sz="1400" dirty="0" smtClean="0"/>
               <a:t>. Los </a:t>
             </a:r>
             <a:r>
-              <a:rPr lang="en-US" dirty="0" err="1" smtClean="0"/>
+              <a:rPr lang="en-US" sz="1400" dirty="0" err="1" smtClean="0"/>
               <a:t>esclavos</a:t>
             </a:r>
             <a:r>
-              <a:rPr lang="en-US" dirty="0" smtClean="0"/>
+              <a:rPr lang="en-US" sz="1400" dirty="0" smtClean="0"/>
               <a:t> al </a:t>
             </a:r>
             <a:r>
-              <a:rPr lang="en-US" dirty="0" err="1" smtClean="0"/>
+              <a:rPr lang="en-US" sz="1400" dirty="0" err="1" smtClean="0"/>
               <a:t>ser</a:t>
             </a:r>
             <a:r>
-              <a:rPr lang="en-US" dirty="0" smtClean="0"/>
-              <a:t> </a:t>
-            </a:r>
-            <a:r>
-              <a:rPr lang="en-US" dirty="0" err="1" smtClean="0"/>
+              <a:rPr lang="en-US" sz="1400" dirty="0" smtClean="0"/>
+              <a:t> </a:t>
+            </a:r>
+            <a:r>
+              <a:rPr lang="en-US" sz="1400" dirty="0" err="1" smtClean="0"/>
               <a:t>propiedad</a:t>
             </a:r>
             <a:r>
-              <a:rPr lang="en-US" dirty="0" smtClean="0"/>
+              <a:rPr lang="en-US" sz="1400" dirty="0" smtClean="0"/>
               <a:t> no </a:t>
             </a:r>
             <a:r>
-              <a:rPr lang="en-US" dirty="0" err="1" smtClean="0"/>
+              <a:rPr lang="en-US" sz="1400" dirty="0" err="1" smtClean="0"/>
               <a:t>pueden</a:t>
             </a:r>
             <a:r>
-              <a:rPr lang="en-US" dirty="0" smtClean="0"/>
-              <a:t> </a:t>
-            </a:r>
-            <a:r>
-              <a:rPr lang="en-US" dirty="0" err="1" smtClean="0"/>
+              <a:rPr lang="en-US" sz="1400" dirty="0" smtClean="0"/>
+              <a:t> </a:t>
+            </a:r>
+            <a:r>
+              <a:rPr lang="en-US" sz="1400" dirty="0" err="1" smtClean="0"/>
               <a:t>decidir</a:t>
             </a:r>
             <a:r>
-              <a:rPr lang="en-US" dirty="0" smtClean="0"/>
+              <a:rPr lang="en-US" sz="1400" dirty="0" smtClean="0"/>
               <a:t> y </a:t>
             </a:r>
             <a:r>
-              <a:rPr lang="en-US" dirty="0" err="1" smtClean="0"/>
+              <a:rPr lang="en-US" sz="1400" dirty="0" err="1" smtClean="0"/>
               <a:t>sus</a:t>
             </a:r>
             <a:r>
-              <a:rPr lang="en-US" dirty="0" smtClean="0"/>
-              <a:t> </a:t>
-            </a:r>
-            <a:r>
-              <a:rPr lang="en-US" dirty="0" err="1" smtClean="0"/>
+              <a:rPr lang="en-US" sz="1400" dirty="0" smtClean="0"/>
+              <a:t> </a:t>
+            </a:r>
+            <a:r>
+              <a:rPr lang="en-US" sz="1400" dirty="0" err="1" smtClean="0"/>
               <a:t>amos</a:t>
             </a:r>
             <a:r>
-              <a:rPr lang="en-US" dirty="0" smtClean="0"/>
-              <a:t> </a:t>
-            </a:r>
-            <a:r>
-              <a:rPr lang="en-US" dirty="0" err="1" smtClean="0"/>
+              <a:rPr lang="en-US" sz="1400" dirty="0" smtClean="0"/>
+              <a:t> </a:t>
+            </a:r>
+            <a:r>
+              <a:rPr lang="en-US" sz="1400" dirty="0" err="1" smtClean="0"/>
               <a:t>podrían</a:t>
             </a:r>
             <a:r>
-              <a:rPr lang="en-US" dirty="0" smtClean="0"/>
-              <a:t> </a:t>
-            </a:r>
-            <a:r>
-              <a:rPr lang="en-US" dirty="0" err="1" smtClean="0"/>
+              <a:rPr lang="en-US" sz="1400" dirty="0" smtClean="0"/>
+              <a:t> </a:t>
+            </a:r>
+            <a:r>
+              <a:rPr lang="en-US" sz="1400" dirty="0" err="1" smtClean="0"/>
               <a:t>recibir</a:t>
             </a:r>
             <a:r>
-              <a:rPr lang="en-US" dirty="0" smtClean="0"/>
+              <a:rPr lang="en-US" sz="1400" dirty="0" smtClean="0"/>
               <a:t> un </a:t>
             </a:r>
             <a:r>
-              <a:rPr lang="en-US" dirty="0" err="1" smtClean="0"/>
+              <a:rPr lang="en-US" sz="1400" dirty="0" err="1" smtClean="0"/>
               <a:t>reembolso</a:t>
             </a:r>
             <a:r>
-              <a:rPr lang="en-US" dirty="0" smtClean="0"/>
+              <a:rPr lang="en-US" sz="1400" dirty="0" smtClean="0"/>
               <a:t> de </a:t>
             </a:r>
             <a:r>
-              <a:rPr lang="en-US" dirty="0" err="1" smtClean="0"/>
+              <a:rPr lang="en-US" sz="1400" dirty="0" err="1" smtClean="0"/>
               <a:t>suceder</a:t>
             </a:r>
             <a:r>
-              <a:rPr lang="en-US" dirty="0" smtClean="0"/>
+              <a:rPr lang="en-US" sz="1400" dirty="0" smtClean="0"/>
               <a:t>. Los </a:t>
             </a:r>
             <a:r>
-              <a:rPr lang="en-US" dirty="0" err="1" smtClean="0"/>
+              <a:rPr lang="en-US" sz="1400" dirty="0" err="1" smtClean="0"/>
               <a:t>soldados</a:t>
             </a:r>
             <a:r>
-              <a:rPr lang="en-US" dirty="0" smtClean="0"/>
+              <a:rPr lang="en-US" sz="1400" dirty="0" smtClean="0"/>
               <a:t> que se </a:t>
             </a:r>
             <a:r>
-              <a:rPr lang="en-US" dirty="0" err="1" smtClean="0"/>
+              <a:rPr lang="en-US" sz="1400" dirty="0" err="1" smtClean="0"/>
               <a:t>quitan</a:t>
             </a:r>
             <a:r>
-              <a:rPr lang="en-US" dirty="0" smtClean="0"/>
+              <a:rPr lang="en-US" sz="1400" dirty="0" smtClean="0"/>
               <a:t> la </a:t>
             </a:r>
             <a:r>
-              <a:rPr lang="en-US" dirty="0" err="1" smtClean="0"/>
+              <a:rPr lang="en-US" sz="1400" dirty="0" err="1" smtClean="0"/>
               <a:t>vida</a:t>
             </a:r>
             <a:r>
-              <a:rPr lang="en-US" dirty="0" smtClean="0"/>
-              <a:t> </a:t>
-            </a:r>
-            <a:r>
-              <a:rPr lang="en-US" dirty="0" err="1" smtClean="0"/>
+              <a:rPr lang="en-US" sz="1400" dirty="0" smtClean="0"/>
+              <a:t> </a:t>
+            </a:r>
+            <a:r>
+              <a:rPr lang="en-US" sz="1400" dirty="0" err="1" smtClean="0"/>
               <a:t>permiten</a:t>
             </a:r>
             <a:r>
-              <a:rPr lang="en-US" dirty="0" smtClean="0"/>
+              <a:rPr lang="en-US" sz="1400" dirty="0" smtClean="0"/>
               <a:t> que el </a:t>
             </a:r>
             <a:r>
-              <a:rPr lang="en-US" dirty="0" err="1" smtClean="0"/>
+              <a:rPr lang="en-US" sz="1400" dirty="0" err="1" smtClean="0"/>
               <a:t>senado</a:t>
             </a:r>
             <a:r>
-              <a:rPr lang="en-US" dirty="0" smtClean="0"/>
-              <a:t> </a:t>
-            </a:r>
-            <a:r>
-              <a:rPr lang="en-US" dirty="0" err="1" smtClean="0"/>
+              <a:rPr lang="en-US" sz="1400" dirty="0" smtClean="0"/>
+              <a:t> </a:t>
+            </a:r>
+            <a:r>
+              <a:rPr lang="en-US" sz="1400" dirty="0" err="1" smtClean="0"/>
               <a:t>confisque</a:t>
             </a:r>
             <a:r>
-              <a:rPr lang="en-US" dirty="0" smtClean="0"/>
-              <a:t> </a:t>
-            </a:r>
-            <a:r>
-              <a:rPr lang="en-US" dirty="0" err="1" smtClean="0"/>
+              <a:rPr lang="en-US" sz="1400" dirty="0" smtClean="0"/>
+              <a:t> </a:t>
+            </a:r>
+            <a:r>
+              <a:rPr lang="en-US" sz="1400" dirty="0" err="1" smtClean="0"/>
               <a:t>sus</a:t>
             </a:r>
             <a:r>
-              <a:rPr lang="en-US" dirty="0" smtClean="0"/>
-              <a:t> </a:t>
-            </a:r>
-            <a:r>
-              <a:rPr lang="en-US" dirty="0" err="1" smtClean="0"/>
+              <a:rPr lang="en-US" sz="1400" dirty="0" smtClean="0"/>
+              <a:t> </a:t>
+            </a:r>
+            <a:r>
+              <a:rPr lang="en-US" sz="1400" dirty="0" err="1" smtClean="0"/>
               <a:t>bienes</a:t>
             </a:r>
             <a:r>
-              <a:rPr lang="en-US" dirty="0" smtClean="0"/>
+              <a:rPr lang="en-US" sz="1400" dirty="0" smtClean="0"/>
               <a:t>. </a:t>
             </a:r>
             <a:r>
-              <a:rPr lang="en-US" dirty="0" err="1" smtClean="0"/>
+              <a:rPr lang="en-US" sz="1400" dirty="0" err="1" smtClean="0"/>
               <a:t>Alguien</a:t>
             </a:r>
             <a:r>
-              <a:rPr lang="en-US" dirty="0" smtClean="0"/>
+              <a:rPr lang="en-US" sz="1400" dirty="0" smtClean="0"/>
               <a:t> que se suicide sin </a:t>
             </a:r>
             <a:r>
-              <a:rPr lang="en-US" dirty="0" err="1" smtClean="0"/>
+              <a:rPr lang="en-US" sz="1400" dirty="0" err="1" smtClean="0"/>
               <a:t>consentimiento</a:t>
             </a:r>
             <a:r>
-              <a:rPr lang="en-US" dirty="0" smtClean="0"/>
+              <a:rPr lang="en-US" sz="1400" dirty="0" smtClean="0"/>
               <a:t> del </a:t>
             </a:r>
             <a:r>
-              <a:rPr lang="en-US" dirty="0" err="1" smtClean="0"/>
+              <a:rPr lang="en-US" sz="1400" dirty="0" err="1" smtClean="0"/>
               <a:t>senado</a:t>
             </a:r>
             <a:r>
-              <a:rPr lang="en-US" dirty="0" smtClean="0"/>
-              <a:t> </a:t>
-            </a:r>
-            <a:r>
-              <a:rPr lang="en-US" dirty="0" err="1" smtClean="0"/>
+              <a:rPr lang="en-US" sz="1400" dirty="0" smtClean="0"/>
+              <a:t> </a:t>
+            </a:r>
+            <a:r>
+              <a:rPr lang="en-US" sz="1400" dirty="0" err="1" smtClean="0"/>
               <a:t>es</a:t>
             </a:r>
             <a:r>
-              <a:rPr lang="en-US" dirty="0" smtClean="0"/>
-              <a:t> </a:t>
-            </a:r>
-            <a:r>
-              <a:rPr lang="en-US" dirty="0" err="1" smtClean="0"/>
+              <a:rPr lang="en-US" sz="1400" dirty="0" smtClean="0"/>
+              <a:t> </a:t>
+            </a:r>
+            <a:r>
+              <a:rPr lang="en-US" sz="1400" dirty="0" err="1" smtClean="0"/>
               <a:t>sepultado</a:t>
             </a:r>
             <a:r>
-              <a:rPr lang="en-US" dirty="0" smtClean="0"/>
-              <a:t> </a:t>
-            </a:r>
-            <a:r>
-              <a:rPr lang="en-US" dirty="0" err="1" smtClean="0"/>
+              <a:rPr lang="en-US" sz="1400" dirty="0" smtClean="0"/>
+              <a:t> </a:t>
+            </a:r>
+            <a:r>
+              <a:rPr lang="en-US" sz="1400" dirty="0" err="1" smtClean="0"/>
               <a:t>en</a:t>
             </a:r>
             <a:r>
-              <a:rPr lang="en-US" dirty="0" smtClean="0"/>
-              <a:t> </a:t>
-            </a:r>
-            <a:r>
-              <a:rPr lang="en-US" dirty="0" err="1" smtClean="0"/>
+              <a:rPr lang="en-US" sz="1400" dirty="0" smtClean="0"/>
+              <a:t> </a:t>
+            </a:r>
+            <a:r>
+              <a:rPr lang="en-US" sz="1400" dirty="0" err="1" smtClean="0"/>
               <a:t>una</a:t>
             </a:r>
             <a:r>
-              <a:rPr lang="en-US" dirty="0" smtClean="0"/>
-              <a:t> </a:t>
-            </a:r>
-            <a:r>
-              <a:rPr lang="en-US" dirty="0" err="1" smtClean="0"/>
+              <a:rPr lang="en-US" sz="1400" dirty="0" smtClean="0"/>
+              <a:t> </a:t>
+            </a:r>
+            <a:r>
+              <a:rPr lang="en-US" sz="1400" dirty="0" err="1" smtClean="0"/>
               <a:t>fosa</a:t>
             </a:r>
             <a:r>
-              <a:rPr lang="en-US" dirty="0" smtClean="0"/>
-              <a:t> </a:t>
-            </a:r>
-            <a:r>
-              <a:rPr lang="en-US" dirty="0" err="1" smtClean="0"/>
+              <a:rPr lang="en-US" sz="1400" dirty="0" smtClean="0"/>
+              <a:t> </a:t>
+            </a:r>
+            <a:r>
+              <a:rPr lang="en-US" sz="1400" dirty="0" err="1" smtClean="0"/>
               <a:t>común</a:t>
             </a:r>
             <a:r>
-              <a:rPr lang="en-US" dirty="0" smtClean="0"/>
+              <a:rPr lang="en-US" sz="1400" dirty="0" smtClean="0"/>
               <a:t> y </a:t>
             </a:r>
             <a:r>
-              <a:rPr lang="en-US" dirty="0" err="1" smtClean="0"/>
+              <a:rPr lang="en-US" sz="1400" dirty="0" err="1" smtClean="0"/>
               <a:t>sus</a:t>
             </a:r>
             <a:r>
-              <a:rPr lang="en-US" dirty="0" smtClean="0"/>
-              <a:t> </a:t>
-            </a:r>
-            <a:r>
-              <a:rPr lang="en-US" dirty="0" err="1" smtClean="0"/>
+              <a:rPr lang="en-US" sz="1400" dirty="0" smtClean="0"/>
+              <a:t> </a:t>
+            </a:r>
+            <a:r>
+              <a:rPr lang="en-US" sz="1400" dirty="0" err="1" smtClean="0"/>
               <a:t>bienes</a:t>
             </a:r>
             <a:r>
-              <a:rPr lang="en-US" dirty="0" smtClean="0"/>
+              <a:rPr lang="en-US" sz="1400" dirty="0" smtClean="0"/>
               <a:t> son </a:t>
             </a:r>
             <a:r>
-              <a:rPr lang="en-US" dirty="0" err="1" smtClean="0"/>
+              <a:rPr lang="en-US" sz="1400" dirty="0" err="1" smtClean="0"/>
               <a:t>expropiados</a:t>
             </a:r>
             <a:r>
-              <a:rPr lang="en-US" dirty="0" smtClean="0"/>
+              <a:rPr lang="en-US" sz="1400" dirty="0" smtClean="0"/>
               <a:t> de </a:t>
             </a:r>
             <a:r>
-              <a:rPr lang="en-US" dirty="0" err="1" smtClean="0"/>
+              <a:rPr lang="en-US" sz="1400" dirty="0" err="1" smtClean="0"/>
               <a:t>su</a:t>
             </a:r>
             <a:r>
-              <a:rPr lang="en-US" dirty="0" smtClean="0"/>
-              <a:t> </a:t>
-            </a:r>
-            <a:r>
-              <a:rPr lang="en-US" dirty="0" err="1" smtClean="0"/>
+              <a:rPr lang="en-US" sz="1400" dirty="0" smtClean="0"/>
+              <a:t> </a:t>
+            </a:r>
+            <a:r>
+              <a:rPr lang="en-US" sz="1400" dirty="0" err="1" smtClean="0"/>
               <a:t>familia</a:t>
             </a:r>
             <a:r>
-              <a:rPr lang="en-US" dirty="0" smtClean="0"/>
+              <a:rPr lang="en-US" sz="1400" dirty="0" smtClean="0"/>
               <a:t>. </a:t>
             </a:r>
           </a:p>
           <a:p>
             <a:r>
-              <a:rPr lang="en-US" dirty="0" smtClean="0"/>
+              <a:rPr lang="en-US" sz="1400" dirty="0" smtClean="0"/>
               <a:t>Hay </a:t>
             </a:r>
             <a:r>
-              <a:rPr lang="en-US" dirty="0" err="1" smtClean="0"/>
+              <a:rPr lang="en-US" sz="1400" dirty="0" err="1" smtClean="0"/>
               <a:t>leyes</a:t>
             </a:r>
             <a:r>
-              <a:rPr lang="en-US" dirty="0" smtClean="0"/>
+              <a:rPr lang="en-US" sz="1400" dirty="0" smtClean="0"/>
               <a:t> que </a:t>
             </a:r>
             <a:r>
-              <a:rPr lang="en-US" dirty="0" err="1" smtClean="0"/>
+              <a:rPr lang="en-US" sz="1400" dirty="0" err="1" smtClean="0"/>
               <a:t>buscan</a:t>
             </a:r>
             <a:r>
-              <a:rPr lang="en-US" dirty="0" smtClean="0"/>
-              <a:t> </a:t>
-            </a:r>
-            <a:r>
-              <a:rPr lang="en-US" dirty="0" err="1" smtClean="0"/>
+              <a:rPr lang="en-US" sz="1400" dirty="0" smtClean="0"/>
+              <a:t> </a:t>
+            </a:r>
+            <a:r>
+              <a:rPr lang="en-US" sz="1400" dirty="0" err="1" smtClean="0"/>
               <a:t>refrenar</a:t>
             </a:r>
             <a:r>
-              <a:rPr lang="en-US" dirty="0" smtClean="0"/>
+              <a:rPr lang="en-US" sz="1400" dirty="0" smtClean="0"/>
               <a:t> el </a:t>
             </a:r>
             <a:r>
-              <a:rPr lang="en-US" dirty="0" err="1" smtClean="0"/>
+              <a:rPr lang="en-US" sz="1400" dirty="0" err="1" smtClean="0"/>
               <a:t>lujo</a:t>
             </a:r>
             <a:r>
-              <a:rPr lang="en-US" dirty="0" smtClean="0"/>
+              <a:rPr lang="en-US" sz="1400" dirty="0" smtClean="0"/>
               <a:t> o la </a:t>
             </a:r>
             <a:r>
-              <a:rPr lang="en-US" dirty="0" err="1" smtClean="0"/>
+              <a:rPr lang="en-US" sz="1400" dirty="0" err="1" smtClean="0"/>
               <a:t>ostentación</a:t>
             </a:r>
             <a:r>
-              <a:rPr lang="en-US" dirty="0" smtClean="0"/>
+              <a:rPr lang="en-US" sz="1400" dirty="0" smtClean="0"/>
               <a:t>. </a:t>
             </a:r>
             <a:r>
-              <a:rPr lang="en-US" dirty="0" err="1" smtClean="0"/>
+              <a:rPr lang="en-US" sz="1400" dirty="0" err="1" smtClean="0"/>
               <a:t>Estan</a:t>
             </a:r>
             <a:r>
-              <a:rPr lang="en-US" dirty="0" smtClean="0"/>
-              <a:t> </a:t>
-            </a:r>
-            <a:r>
-              <a:rPr lang="en-US" dirty="0" err="1" smtClean="0"/>
+              <a:rPr lang="en-US" sz="1400" dirty="0" smtClean="0"/>
+              <a:t> </a:t>
+            </a:r>
+            <a:r>
+              <a:rPr lang="en-US" sz="1400" dirty="0" err="1" smtClean="0"/>
               <a:t>prohibidos</a:t>
             </a:r>
             <a:r>
-              <a:rPr lang="en-US" dirty="0" smtClean="0"/>
-              <a:t> </a:t>
-            </a:r>
-            <a:r>
-              <a:rPr lang="en-US" dirty="0" err="1" smtClean="0"/>
+              <a:rPr lang="en-US" sz="1400" dirty="0" smtClean="0"/>
+              <a:t> </a:t>
+            </a:r>
+            <a:r>
+              <a:rPr lang="en-US" sz="1400" dirty="0" err="1" smtClean="0"/>
               <a:t>los</a:t>
             </a:r>
             <a:r>
-              <a:rPr lang="en-US" dirty="0" smtClean="0"/>
-              <a:t> </a:t>
-            </a:r>
-            <a:r>
-              <a:rPr lang="en-US" dirty="0" err="1" smtClean="0"/>
+              <a:rPr lang="en-US" sz="1400" dirty="0" smtClean="0"/>
+              <a:t> </a:t>
+            </a:r>
+            <a:r>
+              <a:rPr lang="en-US" sz="1400" dirty="0" err="1" smtClean="0"/>
               <a:t>trajes</a:t>
             </a:r>
             <a:r>
-              <a:rPr lang="en-US" dirty="0" smtClean="0"/>
+              <a:rPr lang="en-US" sz="1400" dirty="0" smtClean="0"/>
               <a:t> de </a:t>
             </a:r>
             <a:r>
-              <a:rPr lang="en-US" dirty="0" err="1" smtClean="0"/>
+              <a:rPr lang="en-US" sz="1400" dirty="0" err="1" smtClean="0"/>
               <a:t>seda</a:t>
             </a:r>
             <a:r>
-              <a:rPr lang="en-US" dirty="0" smtClean="0"/>
+              <a:rPr lang="en-US" sz="1400" dirty="0" smtClean="0"/>
               <a:t> y el color purpura (</a:t>
             </a:r>
             <a:r>
-              <a:rPr lang="en-US" dirty="0" err="1" smtClean="0"/>
+              <a:rPr lang="en-US" sz="1400" dirty="0" err="1" smtClean="0"/>
               <a:t>foinikes</a:t>
             </a:r>
             <a:r>
-              <a:rPr lang="en-US" dirty="0" smtClean="0"/>
+              <a:rPr lang="en-US" sz="1400" dirty="0" smtClean="0"/>
               <a:t>) </a:t>
             </a:r>
             <a:r>
-              <a:rPr lang="en-US" dirty="0" err="1" smtClean="0"/>
+              <a:rPr lang="en-US" sz="1400" dirty="0" err="1" smtClean="0"/>
               <a:t>excepto</a:t>
             </a:r>
             <a:r>
-              <a:rPr lang="en-US" dirty="0" smtClean="0"/>
+              <a:rPr lang="en-US" sz="1400" dirty="0" smtClean="0"/>
               <a:t> para </a:t>
             </a:r>
             <a:r>
-              <a:rPr lang="en-US" dirty="0" err="1" smtClean="0"/>
+              <a:rPr lang="en-US" sz="1400" dirty="0" err="1" smtClean="0"/>
               <a:t>grandes</a:t>
             </a:r>
             <a:r>
-              <a:rPr lang="en-US" dirty="0" smtClean="0"/>
-              <a:t> </a:t>
-            </a:r>
-            <a:r>
-              <a:rPr lang="en-US" dirty="0" err="1" smtClean="0"/>
+              <a:rPr lang="en-US" sz="1400" dirty="0" smtClean="0"/>
+              <a:t> </a:t>
+            </a:r>
+            <a:r>
+              <a:rPr lang="en-US" sz="1400" dirty="0" err="1" smtClean="0"/>
               <a:t>magistrados</a:t>
             </a:r>
             <a:r>
-              <a:rPr lang="en-US" dirty="0" smtClean="0"/>
+              <a:rPr lang="en-US" sz="1400" dirty="0" smtClean="0"/>
               <a:t>. Los </a:t>
             </a:r>
             <a:r>
-              <a:rPr lang="en-US" dirty="0" err="1" smtClean="0"/>
+              <a:rPr lang="en-US" sz="1400" dirty="0" err="1" smtClean="0"/>
               <a:t>censores</a:t>
             </a:r>
             <a:r>
-              <a:rPr lang="en-US" dirty="0" smtClean="0"/>
-              <a:t> </a:t>
-            </a:r>
-            <a:r>
-              <a:rPr lang="en-US" dirty="0" err="1" smtClean="0"/>
+              <a:rPr lang="en-US" sz="1400" dirty="0" smtClean="0"/>
+              <a:t> </a:t>
+            </a:r>
+            <a:r>
+              <a:rPr lang="en-US" sz="1400" dirty="0" err="1" smtClean="0"/>
               <a:t>romanos</a:t>
             </a:r>
             <a:r>
-              <a:rPr lang="en-US" dirty="0" smtClean="0"/>
-              <a:t> </a:t>
-            </a:r>
-            <a:r>
-              <a:rPr lang="en-US" dirty="0" err="1" smtClean="0"/>
+              <a:rPr lang="en-US" sz="1400" dirty="0" smtClean="0"/>
+              <a:t> </a:t>
+            </a:r>
+            <a:r>
+              <a:rPr lang="en-US" sz="1400" dirty="0" err="1" smtClean="0"/>
               <a:t>buscaban</a:t>
             </a:r>
             <a:r>
-              <a:rPr lang="en-US" dirty="0" smtClean="0"/>
-              <a:t> </a:t>
-            </a:r>
-            <a:r>
-              <a:rPr lang="en-US" dirty="0" err="1" smtClean="0"/>
+              <a:rPr lang="en-US" sz="1400" dirty="0" smtClean="0"/>
+              <a:t> </a:t>
+            </a:r>
+            <a:r>
+              <a:rPr lang="en-US" sz="1400" dirty="0" err="1" smtClean="0"/>
               <a:t>controlar</a:t>
             </a:r>
             <a:r>
-              <a:rPr lang="en-US" dirty="0" smtClean="0"/>
-              <a:t> </a:t>
-            </a:r>
-            <a:r>
-              <a:rPr lang="en-US" dirty="0" err="1" smtClean="0"/>
+              <a:rPr lang="en-US" sz="1400" dirty="0" smtClean="0"/>
+              <a:t> </a:t>
+            </a:r>
+            <a:r>
+              <a:rPr lang="en-US" sz="1400" dirty="0" err="1" smtClean="0"/>
               <a:t>los</a:t>
             </a:r>
             <a:r>
-              <a:rPr lang="en-US" dirty="0" smtClean="0"/>
-              <a:t> </a:t>
-            </a:r>
-            <a:r>
-              <a:rPr lang="en-US" dirty="0" err="1" smtClean="0"/>
+              <a:rPr lang="en-US" sz="1400" dirty="0" smtClean="0"/>
+              <a:t> </a:t>
+            </a:r>
+            <a:r>
+              <a:rPr lang="en-US" sz="1400" dirty="0" err="1" smtClean="0"/>
               <a:t>gastos</a:t>
             </a:r>
             <a:r>
-              <a:rPr lang="en-US" dirty="0" smtClean="0"/>
-              <a:t> </a:t>
-            </a:r>
-            <a:r>
-              <a:rPr lang="en-US" dirty="0" err="1" smtClean="0"/>
+              <a:rPr lang="en-US" sz="1400" dirty="0" smtClean="0"/>
+              <a:t> </a:t>
+            </a:r>
+            <a:r>
+              <a:rPr lang="en-US" sz="1400" dirty="0" err="1" smtClean="0"/>
               <a:t>extravagantes</a:t>
             </a:r>
             <a:r>
-              <a:rPr lang="en-US" dirty="0" smtClean="0"/>
+              <a:rPr lang="en-US" sz="1400" dirty="0" smtClean="0"/>
               <a:t>, </a:t>
             </a:r>
             <a:r>
-              <a:rPr lang="en-US" dirty="0" err="1" smtClean="0"/>
+              <a:rPr lang="en-US" sz="1400" dirty="0" err="1" smtClean="0"/>
               <a:t>acusando</a:t>
             </a:r>
             <a:r>
-              <a:rPr lang="en-US" dirty="0" smtClean="0"/>
+              <a:rPr lang="en-US" sz="1400" dirty="0" smtClean="0"/>
               <a:t> a </a:t>
             </a:r>
             <a:r>
-              <a:rPr lang="en-US" dirty="0" err="1" smtClean="0"/>
+              <a:rPr lang="en-US" sz="1400" dirty="0" err="1" smtClean="0"/>
               <a:t>ciudadanos</a:t>
             </a:r>
             <a:r>
-              <a:rPr lang="en-US" dirty="0" smtClean="0"/>
+              <a:rPr lang="en-US" sz="1400" dirty="0" smtClean="0"/>
               <a:t> que </a:t>
             </a:r>
             <a:r>
-              <a:rPr lang="en-US" dirty="0" err="1" smtClean="0"/>
+              <a:rPr lang="en-US" sz="1400" dirty="0" err="1" smtClean="0"/>
               <a:t>vivian</a:t>
             </a:r>
             <a:r>
-              <a:rPr lang="en-US" dirty="0" smtClean="0"/>
-              <a:t> </a:t>
-            </a:r>
-            <a:r>
-              <a:rPr lang="en-US" dirty="0" err="1" smtClean="0"/>
+              <a:rPr lang="en-US" sz="1400" dirty="0" smtClean="0"/>
+              <a:t> </a:t>
+            </a:r>
+            <a:r>
+              <a:rPr lang="en-US" sz="1400" dirty="0" err="1" smtClean="0"/>
               <a:t>lujosamente</a:t>
             </a:r>
             <a:r>
-              <a:rPr lang="en-US" dirty="0" smtClean="0"/>
+              <a:rPr lang="en-US" sz="1400" dirty="0" smtClean="0"/>
               <a:t>.</a:t>
             </a:r>
-            <a:endParaRPr lang="es-PE" dirty="0"/>
-          </a:p>
-        </p:txBody>
-      </p:sp>
+            <a:endParaRPr lang="es-PE" sz="1400" dirty="0"/>
+          </a:p>
+        </p:txBody>
+      </p:sp>
+      <p:pic>
+        <p:nvPicPr>
+          <p:cNvPr id="4" name="Imagen 3"/>
+          <p:cNvPicPr>
+            <a:picLocks noChangeAspect="1"/>
+          </p:cNvPicPr>
+          <p:nvPr/>
+        </p:nvPicPr>
+        <p:blipFill>
+          <a:blip r:embed="rId2"/>
+          <a:stretch>
+            <a:fillRect/>
+          </a:stretch>
+        </p:blipFill>
+        <p:spPr>
+          <a:xfrm>
+            <a:off x="838200" y="4243465"/>
+            <a:ext cx="4349766" cy="2342755"/>
+          </a:xfrm>
+          <a:prstGeom prst="rect">
+            <a:avLst/>
+          </a:prstGeom>
+        </p:spPr>
+      </p:pic>
+      <p:pic>
+        <p:nvPicPr>
+          <p:cNvPr id="5" name="Imagen 4"/>
+          <p:cNvPicPr>
+            <a:picLocks noChangeAspect="1"/>
+          </p:cNvPicPr>
+          <p:nvPr/>
+        </p:nvPicPr>
+        <p:blipFill>
+          <a:blip r:embed="rId3"/>
+          <a:stretch>
+            <a:fillRect/>
+          </a:stretch>
+        </p:blipFill>
+        <p:spPr>
+          <a:xfrm>
+            <a:off x="6406382" y="4243465"/>
+            <a:ext cx="3142567" cy="2267335"/>
+          </a:xfrm>
+          <a:prstGeom prst="rect">
+            <a:avLst/>
+          </a:prstGeom>
+        </p:spPr>
+      </p:pic>
     </p:spTree>
     <p:extLst>
       <p:ext uri="{BB962C8B-B14F-4D97-AF65-F5344CB8AC3E}">
         <p14:creationId xmlns:p14="http://schemas.microsoft.com/office/powerpoint/2010/main" val="3722115128"/>
+      </p:ext>
+    </p:extLst>
+  </p:cSld>
+  <p:clrMapOvr>
+    <a:masterClrMapping/>
+  </p:clrMapOvr>
+</p:sld>
+</file>
+
+<file path=ppt/slides/slide13.xml><?xml version="1.0" encoding="utf-8"?>
+<p:sld xmlns:a="http://schemas.openxmlformats.org/drawingml/2006/main" xmlns:r="http://schemas.openxmlformats.org/officeDocument/2006/relationships" xmlns:p="http://schemas.openxmlformats.org/presentationml/2006/main">
+  <p:cSld>
+    <p:spTree>
+      <p:nvGrpSpPr>
+        <p:cNvPr id="1" name=""/>
+        <p:cNvGrpSpPr/>
+        <p:nvPr/>
+      </p:nvGrpSpPr>
+      <p:grpSpPr>
+        <a:xfrm>
+          <a:off x="0" y="0"/>
+          <a:ext cx="0" cy="0"/>
+          <a:chOff x="0" y="0"/>
+          <a:chExt cx="0" cy="0"/>
+        </a:xfrm>
+      </p:grpSpPr>
+      <p:sp>
+        <p:nvSpPr>
+          <p:cNvPr id="3" name="Marcador de contenido 2"/>
+          <p:cNvSpPr>
+            <a:spLocks noGrp="1"/>
+          </p:cNvSpPr>
+          <p:nvPr>
+            <p:ph idx="1"/>
+          </p:nvPr>
+        </p:nvSpPr>
+        <p:spPr>
+          <a:xfrm>
+            <a:off x="785948" y="245019"/>
+            <a:ext cx="10515600" cy="4351338"/>
+          </a:xfrm>
+        </p:spPr>
+        <p:txBody>
+          <a:bodyPr/>
+          <a:lstStyle/>
+          <a:p>
+            <a:pPr marL="0" indent="0">
+              <a:buNone/>
+            </a:pPr>
+            <a:r>
+              <a:rPr lang="es-PE" dirty="0" smtClean="0"/>
+              <a:t>Originalmente el término, en griego, aludía a las condiciones de “igualdad para el combate” que dos luchadores tomaban como norma. </a:t>
+            </a:r>
+            <a:endParaRPr lang="es-PE" dirty="0"/>
+          </a:p>
+        </p:txBody>
+      </p:sp>
+      <p:pic>
+        <p:nvPicPr>
+          <p:cNvPr id="4" name="Imagen 3"/>
+          <p:cNvPicPr>
+            <a:picLocks noChangeAspect="1"/>
+          </p:cNvPicPr>
+          <p:nvPr/>
+        </p:nvPicPr>
+        <p:blipFill>
+          <a:blip r:embed="rId2"/>
+          <a:stretch>
+            <a:fillRect/>
+          </a:stretch>
+        </p:blipFill>
+        <p:spPr>
+          <a:xfrm>
+            <a:off x="1686877" y="1252402"/>
+            <a:ext cx="8267020" cy="5450782"/>
+          </a:xfrm>
+          <a:prstGeom prst="rect">
+            <a:avLst/>
+          </a:prstGeom>
+        </p:spPr>
+      </p:pic>
+    </p:spTree>
+    <p:extLst>
+      <p:ext uri="{BB962C8B-B14F-4D97-AF65-F5344CB8AC3E}">
+        <p14:creationId xmlns:p14="http://schemas.microsoft.com/office/powerpoint/2010/main" val="3978514674"/>
+      </p:ext>
+    </p:extLst>
+  </p:cSld>
+  <p:clrMapOvr>
+    <a:masterClrMapping/>
+  </p:clrMapOvr>
+</p:sld>
+</file>
+
+<file path=ppt/slides/slide14.xml><?xml version="1.0" encoding="utf-8"?>
+<p:sld xmlns:a="http://schemas.openxmlformats.org/drawingml/2006/main" xmlns:r="http://schemas.openxmlformats.org/officeDocument/2006/relationships" xmlns:p="http://schemas.openxmlformats.org/presentationml/2006/main">
+  <p:cSld>
+    <p:spTree>
+      <p:nvGrpSpPr>
+        <p:cNvPr id="1" name=""/>
+        <p:cNvGrpSpPr/>
+        <p:nvPr/>
+      </p:nvGrpSpPr>
+      <p:grpSpPr>
+        <a:xfrm>
+          <a:off x="0" y="0"/>
+          <a:ext cx="0" cy="0"/>
+          <a:chOff x="0" y="0"/>
+          <a:chExt cx="0" cy="0"/>
+        </a:xfrm>
+      </p:grpSpPr>
+      <p:sp>
+        <p:nvSpPr>
+          <p:cNvPr id="2" name="Título 1"/>
+          <p:cNvSpPr>
+            <a:spLocks noGrp="1"/>
+          </p:cNvSpPr>
+          <p:nvPr>
+            <p:ph type="title"/>
+          </p:nvPr>
+        </p:nvSpPr>
+        <p:spPr/>
+        <p:txBody>
+          <a:bodyPr/>
+          <a:lstStyle/>
+          <a:p>
+            <a:r>
+              <a:rPr lang="es-PE" dirty="0" smtClean="0"/>
+              <a:t>Justicia</a:t>
+            </a:r>
+            <a:br>
+              <a:rPr lang="es-PE" dirty="0" smtClean="0"/>
+            </a:br>
+            <a:endParaRPr lang="es-PE" dirty="0"/>
+          </a:p>
+        </p:txBody>
+      </p:sp>
+      <p:sp>
+        <p:nvSpPr>
+          <p:cNvPr id="3" name="Marcador de contenido 2"/>
+          <p:cNvSpPr>
+            <a:spLocks noGrp="1"/>
+          </p:cNvSpPr>
+          <p:nvPr>
+            <p:ph idx="1"/>
+          </p:nvPr>
+        </p:nvSpPr>
+        <p:spPr/>
+        <p:txBody>
+          <a:bodyPr>
+            <a:normAutofit fontScale="92500"/>
+          </a:bodyPr>
+          <a:lstStyle/>
+          <a:p>
+            <a:pPr marL="0" indent="0">
+              <a:buNone/>
+            </a:pPr>
+            <a:r>
+              <a:rPr lang="es-PE" dirty="0" smtClean="0"/>
+              <a:t>¿es un principio universal?</a:t>
+            </a:r>
+          </a:p>
+          <a:p>
+            <a:pPr marL="0" indent="0">
+              <a:buNone/>
+            </a:pPr>
+            <a:endParaRPr lang="es-PE" dirty="0" smtClean="0"/>
+          </a:p>
+          <a:p>
+            <a:pPr marL="0" indent="0">
+              <a:buNone/>
+            </a:pPr>
+            <a:r>
+              <a:rPr lang="es-PE" dirty="0" smtClean="0"/>
+              <a:t>¿se relaciona a la verdad?</a:t>
+            </a:r>
+          </a:p>
+          <a:p>
+            <a:pPr marL="0" indent="0">
+              <a:buNone/>
+            </a:pPr>
+            <a:endParaRPr lang="es-PE" dirty="0"/>
+          </a:p>
+          <a:p>
+            <a:pPr marL="0" indent="0">
+              <a:buNone/>
+            </a:pPr>
+            <a:r>
+              <a:rPr lang="es-PE" dirty="0" smtClean="0"/>
+              <a:t>¿Supone que cada uno tenga lo que le corresponde?</a:t>
+            </a:r>
+          </a:p>
+          <a:p>
+            <a:pPr marL="0" indent="0">
+              <a:buNone/>
+            </a:pPr>
+            <a:endParaRPr lang="es-PE" dirty="0"/>
+          </a:p>
+          <a:p>
+            <a:pPr marL="0" indent="0">
+              <a:buNone/>
+            </a:pPr>
+            <a:r>
+              <a:rPr lang="es-PE" dirty="0" smtClean="0"/>
+              <a:t>¿Implica un conjunto de valores que deben regir en un estado de derecho?</a:t>
+            </a:r>
+          </a:p>
+          <a:p>
+            <a:pPr marL="0" indent="0">
+              <a:buNone/>
+            </a:pPr>
+            <a:endParaRPr lang="es-PE" dirty="0"/>
+          </a:p>
+          <a:p>
+            <a:pPr marL="0" indent="0">
+              <a:buNone/>
+            </a:pPr>
+            <a:r>
+              <a:rPr lang="es-PE" dirty="0" smtClean="0"/>
+              <a:t>¿La justicia se “compone” de equidad y libertad?</a:t>
+            </a:r>
+          </a:p>
+          <a:p>
+            <a:pPr marL="0" indent="0">
+              <a:buNone/>
+            </a:pPr>
+            <a:endParaRPr lang="es-PE" dirty="0"/>
+          </a:p>
+        </p:txBody>
+      </p:sp>
+    </p:spTree>
+    <p:extLst>
+      <p:ext uri="{BB962C8B-B14F-4D97-AF65-F5344CB8AC3E}">
+        <p14:creationId xmlns:p14="http://schemas.microsoft.com/office/powerpoint/2010/main" val="3097446393"/>
       </p:ext>
     </p:extLst>
   </p:cSld>
@@ -4585,7 +4909,7 @@
         </p:blipFill>
         <p:spPr>
           <a:xfrm>
-            <a:off x="360936" y="535577"/>
+            <a:off x="360936" y="548640"/>
             <a:ext cx="11831064" cy="6048103"/>
           </a:xfrm>
           <a:prstGeom prst="rect">
@@ -4658,35 +4982,110 @@
         </p:nvSpPr>
         <p:spPr/>
         <p:txBody>
-          <a:bodyPr/>
+          <a:bodyPr>
+            <a:normAutofit/>
+          </a:bodyPr>
           <a:lstStyle/>
           <a:p>
             <a:r>
-              <a:rPr lang="es-PE" dirty="0" smtClean="0"/>
-              <a:t>Las leyes se interpretan como tomadas de los dioses. La compleja ley de impuestos sobre la tierra en la crecida del Nilo trajo la consecuente evolución de la geometría.</a:t>
-            </a:r>
-          </a:p>
-          <a:p>
-            <a:r>
-              <a:rPr lang="es-PE" dirty="0" smtClean="0"/>
+              <a:rPr lang="es-PE" sz="1800" dirty="0" smtClean="0"/>
+              <a:t>Las leyes se interpretan como </a:t>
+            </a:r>
+            <a:r>
+              <a:rPr lang="es-PE" sz="1600" dirty="0" smtClean="0"/>
+              <a:t>tomadas</a:t>
+            </a:r>
+            <a:r>
+              <a:rPr lang="es-PE" sz="1800" dirty="0" smtClean="0"/>
+              <a:t> de los dioses. La compleja ley de impuestos sobre la tierra en la crecida del Nilo trajo la consecuente evolución de la geometría.</a:t>
+            </a:r>
+          </a:p>
+          <a:p>
+            <a:r>
+              <a:rPr lang="es-PE" sz="1800" dirty="0" smtClean="0"/>
               <a:t>La familia es considerada nuclear en la sociedad, por lo que la infidelidad es duramente castigada.</a:t>
             </a:r>
           </a:p>
           <a:p>
             <a:r>
-              <a:rPr lang="es-PE" dirty="0" smtClean="0"/>
+              <a:rPr lang="es-PE" sz="1800" dirty="0" smtClean="0"/>
               <a:t>Es una falta grave no proporcionar ofrendas a los sepulcros de los seres queridos. </a:t>
             </a:r>
           </a:p>
           <a:p>
             <a:r>
-              <a:rPr lang="es-PE" dirty="0" smtClean="0"/>
+              <a:rPr lang="es-PE" sz="1800" dirty="0" smtClean="0"/>
               <a:t>Los testigos son importantes para resolver los casos de justicia. Para asegurarse que digan la verdad, podían llegar a ser azotados. </a:t>
             </a:r>
-            <a:endParaRPr lang="es-PE" dirty="0"/>
-          </a:p>
-        </p:txBody>
-      </p:sp>
+            <a:endParaRPr lang="es-PE" sz="1800" dirty="0"/>
+          </a:p>
+        </p:txBody>
+      </p:sp>
+      <p:pic>
+        <p:nvPicPr>
+          <p:cNvPr id="1026" name="Picture 2" descr="HISTORIA de las LEYES | Definición, significado, origen y ejemplos"/>
+          <p:cNvPicPr>
+            <a:picLocks noChangeAspect="1" noChangeArrowheads="1"/>
+          </p:cNvPicPr>
+          <p:nvPr/>
+        </p:nvPicPr>
+        <p:blipFill>
+          <a:blip r:embed="rId2">
+            <a:extLst>
+              <a:ext uri="{28A0092B-C50C-407E-A947-70E740481C1C}">
+                <a14:useLocalDpi xmlns:a14="http://schemas.microsoft.com/office/drawing/2010/main" val="0"/>
+              </a:ext>
+            </a:extLst>
+          </a:blip>
+          <a:srcRect/>
+          <a:stretch>
+            <a:fillRect/>
+          </a:stretch>
+        </p:blipFill>
+        <p:spPr bwMode="auto">
+          <a:xfrm>
+            <a:off x="838200" y="4001294"/>
+            <a:ext cx="4638493" cy="2650567"/>
+          </a:xfrm>
+          <a:prstGeom prst="rect">
+            <a:avLst/>
+          </a:prstGeom>
+          <a:noFill/>
+          <a:extLst>
+            <a:ext uri="{909E8E84-426E-40DD-AFC4-6F175D3DCCD1}">
+              <a14:hiddenFill xmlns:a14="http://schemas.microsoft.com/office/drawing/2010/main">
+                <a:solidFill>
+                  <a:srgbClr val="FFFFFF"/>
+                </a:solidFill>
+              </a14:hiddenFill>
+            </a:ext>
+          </a:extLst>
+        </p:spPr>
+      </p:pic>
+      <p:pic>
+        <p:nvPicPr>
+          <p:cNvPr id="4" name="Imagen 3"/>
+          <p:cNvPicPr>
+            <a:picLocks noChangeAspect="1"/>
+          </p:cNvPicPr>
+          <p:nvPr/>
+        </p:nvPicPr>
+        <p:blipFill>
+          <a:blip r:embed="rId3"/>
+          <a:stretch>
+            <a:fillRect/>
+          </a:stretch>
+        </p:blipFill>
+        <p:spPr>
+          <a:xfrm>
+            <a:off x="6105798" y="4001294"/>
+            <a:ext cx="4344488" cy="2649479"/>
+          </a:xfrm>
+          <a:prstGeom prst="rect">
+            <a:avLst/>
+          </a:prstGeom>
+        </p:spPr>
+      </p:pic>
     </p:spTree>
     <p:extLst>
       <p:ext uri="{BB962C8B-B14F-4D97-AF65-F5344CB8AC3E}">
@@ -4891,6 +5290,88 @@
           </a:p>
         </p:txBody>
       </p:sp>
+      <p:pic>
+        <p:nvPicPr>
+          <p:cNvPr id="2050" name="Picture 2" descr="https://www.diarioconstitucional.cl/wp-content/uploads/2020/08/19014.png"/>
+          <p:cNvPicPr>
+            <a:picLocks noChangeAspect="1" noChangeArrowheads="1"/>
+          </p:cNvPicPr>
+          <p:nvPr/>
+        </p:nvPicPr>
+        <p:blipFill>
+          <a:blip r:embed="rId2">
+            <a:extLst>
+              <a:ext uri="{28A0092B-C50C-407E-A947-70E740481C1C}">
+                <a14:useLocalDpi xmlns:a14="http://schemas.microsoft.com/office/drawing/2010/main" val="0"/>
+              </a:ext>
+            </a:extLst>
+          </a:blip>
+          <a:srcRect/>
+          <a:stretch>
+            <a:fillRect/>
+          </a:stretch>
+        </p:blipFill>
+        <p:spPr bwMode="auto">
+          <a:xfrm>
+            <a:off x="1278979" y="3003617"/>
+            <a:ext cx="6297477" cy="3551209"/>
+          </a:xfrm>
+          <a:prstGeom prst="rect">
+            <a:avLst/>
+          </a:prstGeom>
+          <a:noFill/>
+          <a:extLst>
+            <a:ext uri="{909E8E84-426E-40DD-AFC4-6F175D3DCCD1}">
+              <a14:hiddenFill xmlns:a14="http://schemas.microsoft.com/office/drawing/2010/main">
+                <a:solidFill>
+                  <a:srgbClr val="FFFFFF"/>
+                </a:solidFill>
+              </a14:hiddenFill>
+            </a:ext>
+          </a:extLst>
+        </p:spPr>
+      </p:pic>
+      <p:pic>
+        <p:nvPicPr>
+          <p:cNvPr id="2052" name="Picture 4" descr="Hammurabi | Dictators Wiki | Fandom"/>
+          <p:cNvPicPr>
+            <a:picLocks noChangeAspect="1" noChangeArrowheads="1"/>
+          </p:cNvPicPr>
+          <p:nvPr/>
+        </p:nvPicPr>
+        <p:blipFill>
+          <a:blip r:embed="rId3">
+            <a:extLst>
+              <a:ext uri="{28A0092B-C50C-407E-A947-70E740481C1C}">
+                <a14:useLocalDpi xmlns:a14="http://schemas.microsoft.com/office/drawing/2010/main" val="0"/>
+              </a:ext>
+            </a:extLst>
+          </a:blip>
+          <a:srcRect/>
+          <a:stretch>
+            <a:fillRect/>
+          </a:stretch>
+        </p:blipFill>
+        <p:spPr bwMode="auto">
+          <a:xfrm>
+            <a:off x="8463552" y="3223367"/>
+            <a:ext cx="2261171" cy="3331459"/>
+          </a:xfrm>
+          <a:prstGeom prst="rect">
+            <a:avLst/>
+          </a:prstGeom>
+          <a:noFill/>
+          <a:extLst>
+            <a:ext uri="{909E8E84-426E-40DD-AFC4-6F175D3DCCD1}">
+              <a14:hiddenFill xmlns:a14="http://schemas.microsoft.com/office/drawing/2010/main">
+                <a:solidFill>
+                  <a:srgbClr val="FFFFFF"/>
+                </a:solidFill>
+              </a14:hiddenFill>
+            </a:ext>
+          </a:extLst>
+        </p:spPr>
+      </p:pic>
     </p:spTree>
     <p:extLst>
       <p:ext uri="{BB962C8B-B14F-4D97-AF65-F5344CB8AC3E}">
@@ -4957,646 +5438,646 @@
         <p:spPr/>
         <p:txBody>
           <a:bodyPr>
-            <a:normAutofit fontScale="92500" lnSpcReduction="20000"/>
+            <a:noAutofit/>
           </a:bodyPr>
           <a:lstStyle/>
           <a:p>
             <a:r>
-              <a:rPr lang="en-US" dirty="0" smtClean="0"/>
+              <a:rPr lang="en-US" sz="1600" dirty="0" smtClean="0"/>
               <a:t>Si </a:t>
             </a:r>
             <a:r>
-              <a:rPr lang="en-US" dirty="0" err="1" smtClean="0"/>
+              <a:rPr lang="en-US" sz="1600" dirty="0" err="1" smtClean="0"/>
               <a:t>alguien</a:t>
             </a:r>
             <a:r>
-              <a:rPr lang="en-US" dirty="0" smtClean="0"/>
-              <a:t> </a:t>
-            </a:r>
-            <a:r>
-              <a:rPr lang="en-US" dirty="0" err="1" smtClean="0"/>
+              <a:rPr lang="en-US" sz="1600" dirty="0" smtClean="0"/>
+              <a:t> </a:t>
+            </a:r>
+            <a:r>
+              <a:rPr lang="en-US" sz="1600" dirty="0" err="1" smtClean="0"/>
               <a:t>rechazara</a:t>
             </a:r>
             <a:r>
-              <a:rPr lang="en-US" dirty="0" smtClean="0"/>
+              <a:rPr lang="en-US" sz="1600" dirty="0" smtClean="0"/>
               <a:t> el </a:t>
             </a:r>
             <a:r>
-              <a:rPr lang="en-US" dirty="0" err="1" smtClean="0"/>
+              <a:rPr lang="en-US" sz="1600" dirty="0" err="1" smtClean="0"/>
               <a:t>veredicto</a:t>
             </a:r>
             <a:r>
-              <a:rPr lang="en-US" dirty="0" smtClean="0"/>
+              <a:rPr lang="en-US" sz="1600" dirty="0" smtClean="0"/>
               <a:t> del tribunal del </a:t>
             </a:r>
             <a:r>
-              <a:rPr lang="en-US" dirty="0"/>
+              <a:rPr lang="en-US" sz="1600" dirty="0"/>
               <a:t>R</a:t>
             </a:r>
             <a:r>
-              <a:rPr lang="en-US" dirty="0" smtClean="0"/>
+              <a:rPr lang="en-US" sz="1600" dirty="0" smtClean="0"/>
               <a:t>ey, </a:t>
             </a:r>
             <a:r>
-              <a:rPr lang="en-US" dirty="0" err="1" smtClean="0"/>
+              <a:rPr lang="en-US" sz="1600" dirty="0" err="1" smtClean="0"/>
               <a:t>su</a:t>
             </a:r>
             <a:r>
-              <a:rPr lang="en-US" dirty="0" smtClean="0"/>
+              <a:rPr lang="en-US" sz="1600" dirty="0" smtClean="0"/>
               <a:t> casa </a:t>
             </a:r>
             <a:r>
-              <a:rPr lang="en-US" dirty="0" err="1" smtClean="0"/>
+              <a:rPr lang="en-US" sz="1600" dirty="0" err="1" smtClean="0"/>
               <a:t>sería</a:t>
             </a:r>
             <a:r>
-              <a:rPr lang="en-US" dirty="0" smtClean="0"/>
-              <a:t> </a:t>
-            </a:r>
-            <a:r>
-              <a:rPr lang="en-US" dirty="0" err="1" smtClean="0"/>
+              <a:rPr lang="en-US" sz="1600" dirty="0" smtClean="0"/>
+              <a:t> </a:t>
+            </a:r>
+            <a:r>
+              <a:rPr lang="en-US" sz="1600" dirty="0" err="1" smtClean="0"/>
               <a:t>destruida</a:t>
             </a:r>
             <a:r>
-              <a:rPr lang="en-US" dirty="0" smtClean="0"/>
+              <a:rPr lang="en-US" sz="1600" dirty="0" smtClean="0"/>
               <a:t> con la </a:t>
             </a:r>
             <a:r>
-              <a:rPr lang="en-US" dirty="0" err="1" smtClean="0"/>
+              <a:rPr lang="en-US" sz="1600" dirty="0" err="1" smtClean="0"/>
               <a:t>posibilidad</a:t>
             </a:r>
             <a:r>
-              <a:rPr lang="en-US" dirty="0" smtClean="0"/>
+              <a:rPr lang="en-US" sz="1600" dirty="0" smtClean="0"/>
               <a:t> de la </a:t>
             </a:r>
             <a:r>
-              <a:rPr lang="en-US" dirty="0" err="1" smtClean="0"/>
+              <a:rPr lang="en-US" sz="1600" dirty="0" err="1" smtClean="0"/>
               <a:t>pena</a:t>
             </a:r>
             <a:r>
-              <a:rPr lang="en-US" dirty="0" smtClean="0"/>
+              <a:rPr lang="en-US" sz="1600" dirty="0" smtClean="0"/>
               <a:t> de </a:t>
             </a:r>
             <a:r>
-              <a:rPr lang="en-US" dirty="0" err="1" smtClean="0"/>
+              <a:rPr lang="en-US" sz="1600" dirty="0" err="1" smtClean="0"/>
               <a:t>muerte</a:t>
             </a:r>
             <a:r>
-              <a:rPr lang="en-US" dirty="0" smtClean="0"/>
+              <a:rPr lang="en-US" sz="1600" dirty="0" smtClean="0"/>
               <a:t>.</a:t>
             </a:r>
           </a:p>
           <a:p>
             <a:r>
-              <a:rPr lang="en-US" dirty="0" smtClean="0"/>
+              <a:rPr lang="en-US" sz="1600" dirty="0" smtClean="0"/>
               <a:t>Un </a:t>
             </a:r>
             <a:r>
-              <a:rPr lang="en-US" dirty="0" err="1" smtClean="0"/>
+              <a:rPr lang="en-US" sz="1600" dirty="0" err="1" smtClean="0"/>
               <a:t>esclavo</a:t>
             </a:r>
             <a:r>
-              <a:rPr lang="en-US" dirty="0" smtClean="0"/>
+              <a:rPr lang="en-US" sz="1600" dirty="0" smtClean="0"/>
               <a:t> que se </a:t>
             </a:r>
             <a:r>
-              <a:rPr lang="en-US" dirty="0" err="1" smtClean="0"/>
+              <a:rPr lang="en-US" sz="1600" dirty="0" err="1" smtClean="0"/>
               <a:t>rebela</a:t>
             </a:r>
             <a:r>
-              <a:rPr lang="en-US" dirty="0" smtClean="0"/>
-              <a:t> </a:t>
-            </a:r>
-            <a:r>
-              <a:rPr lang="en-US" dirty="0" err="1" smtClean="0"/>
+              <a:rPr lang="en-US" sz="1600" dirty="0" smtClean="0"/>
+              <a:t> </a:t>
+            </a:r>
+            <a:r>
+              <a:rPr lang="en-US" sz="1600" dirty="0" err="1" smtClean="0"/>
               <a:t>en</a:t>
             </a:r>
             <a:r>
-              <a:rPr lang="en-US" dirty="0" smtClean="0"/>
+              <a:rPr lang="en-US" sz="1600" dirty="0" smtClean="0"/>
               <a:t> contra de </a:t>
             </a:r>
             <a:r>
-              <a:rPr lang="en-US" dirty="0" err="1" smtClean="0"/>
+              <a:rPr lang="en-US" sz="1600" dirty="0" err="1" smtClean="0"/>
               <a:t>su</a:t>
             </a:r>
             <a:r>
-              <a:rPr lang="en-US" dirty="0" smtClean="0"/>
-              <a:t> </a:t>
-            </a:r>
-            <a:r>
-              <a:rPr lang="en-US" dirty="0" err="1" smtClean="0"/>
+              <a:rPr lang="en-US" sz="1600" dirty="0" smtClean="0"/>
+              <a:t> </a:t>
+            </a:r>
+            <a:r>
+              <a:rPr lang="en-US" sz="1600" dirty="0" err="1" smtClean="0"/>
               <a:t>amo</a:t>
             </a:r>
             <a:r>
-              <a:rPr lang="en-US" dirty="0" smtClean="0"/>
-              <a:t> </a:t>
-            </a:r>
-            <a:r>
-              <a:rPr lang="en-US" dirty="0" err="1" smtClean="0"/>
+              <a:rPr lang="en-US" sz="1600" dirty="0" smtClean="0"/>
+              <a:t> </a:t>
+            </a:r>
+            <a:r>
+              <a:rPr lang="en-US" sz="1600" dirty="0" err="1" smtClean="0"/>
               <a:t>esta</a:t>
             </a:r>
             <a:r>
-              <a:rPr lang="en-US" dirty="0" smtClean="0"/>
-              <a:t> </a:t>
-            </a:r>
-            <a:r>
-              <a:rPr lang="en-US" dirty="0" err="1" smtClean="0"/>
+              <a:rPr lang="en-US" sz="1600" dirty="0" smtClean="0"/>
+              <a:t> </a:t>
+            </a:r>
+            <a:r>
+              <a:rPr lang="en-US" sz="1600" dirty="0" err="1" smtClean="0"/>
               <a:t>condenado</a:t>
             </a:r>
             <a:r>
-              <a:rPr lang="en-US" dirty="0" smtClean="0"/>
+              <a:rPr lang="en-US" sz="1600" dirty="0" smtClean="0"/>
               <a:t> a </a:t>
             </a:r>
             <a:r>
-              <a:rPr lang="en-US" dirty="0" err="1" smtClean="0"/>
+              <a:rPr lang="en-US" sz="1600" dirty="0" err="1" smtClean="0"/>
               <a:t>pasar</a:t>
             </a:r>
             <a:r>
-              <a:rPr lang="en-US" dirty="0" smtClean="0"/>
-              <a:t> </a:t>
-            </a:r>
-            <a:r>
-              <a:rPr lang="en-US" dirty="0" err="1" smtClean="0"/>
+              <a:rPr lang="en-US" sz="1600" dirty="0" smtClean="0"/>
+              <a:t> </a:t>
+            </a:r>
+            <a:r>
+              <a:rPr lang="en-US" sz="1600" dirty="0" err="1" smtClean="0"/>
               <a:t>los</a:t>
             </a:r>
             <a:r>
-              <a:rPr lang="en-US" dirty="0" smtClean="0"/>
-              <a:t> </a:t>
-            </a:r>
-            <a:r>
-              <a:rPr lang="en-US" dirty="0" err="1" smtClean="0"/>
+              <a:rPr lang="en-US" sz="1600" dirty="0" smtClean="0"/>
+              <a:t> </a:t>
+            </a:r>
+            <a:r>
+              <a:rPr lang="en-US" sz="1600" dirty="0" err="1" smtClean="0"/>
               <a:t>restos</a:t>
             </a:r>
             <a:r>
-              <a:rPr lang="en-US" dirty="0" smtClean="0"/>
+              <a:rPr lang="en-US" sz="1600" dirty="0" smtClean="0"/>
               <a:t> de </a:t>
             </a:r>
             <a:r>
-              <a:rPr lang="en-US" dirty="0" err="1" smtClean="0"/>
+              <a:rPr lang="en-US" sz="1600" dirty="0" err="1" smtClean="0"/>
               <a:t>su</a:t>
             </a:r>
             <a:r>
-              <a:rPr lang="en-US" dirty="0" smtClean="0"/>
-              <a:t> </a:t>
-            </a:r>
-            <a:r>
-              <a:rPr lang="en-US" dirty="0" err="1" smtClean="0"/>
+              <a:rPr lang="en-US" sz="1600" dirty="0" smtClean="0"/>
+              <a:t> </a:t>
+            </a:r>
+            <a:r>
+              <a:rPr lang="en-US" sz="1600" dirty="0" err="1" smtClean="0"/>
               <a:t>vida</a:t>
             </a:r>
             <a:r>
-              <a:rPr lang="en-US" dirty="0" smtClean="0"/>
-              <a:t> </a:t>
-            </a:r>
-            <a:r>
-              <a:rPr lang="en-US" dirty="0" err="1" smtClean="0"/>
+              <a:rPr lang="en-US" sz="1600" dirty="0" smtClean="0"/>
+              <a:t> </a:t>
+            </a:r>
+            <a:r>
+              <a:rPr lang="en-US" sz="1600" dirty="0" err="1" smtClean="0"/>
               <a:t>encerrado</a:t>
             </a:r>
             <a:r>
-              <a:rPr lang="en-US" dirty="0" smtClean="0"/>
-              <a:t> </a:t>
-            </a:r>
-            <a:r>
-              <a:rPr lang="en-US" dirty="0" err="1" smtClean="0"/>
+              <a:rPr lang="en-US" sz="1600" dirty="0" smtClean="0"/>
+              <a:t> </a:t>
+            </a:r>
+            <a:r>
+              <a:rPr lang="en-US" sz="1600" dirty="0" err="1" smtClean="0"/>
               <a:t>en</a:t>
             </a:r>
             <a:r>
-              <a:rPr lang="en-US" dirty="0" smtClean="0"/>
-              <a:t> </a:t>
-            </a:r>
-            <a:r>
-              <a:rPr lang="en-US" dirty="0" err="1" smtClean="0"/>
+              <a:rPr lang="en-US" sz="1600" dirty="0" smtClean="0"/>
+              <a:t> </a:t>
+            </a:r>
+            <a:r>
+              <a:rPr lang="en-US" sz="1600" dirty="0" err="1" smtClean="0"/>
               <a:t>una</a:t>
             </a:r>
             <a:r>
-              <a:rPr lang="en-US" dirty="0" smtClean="0"/>
-              <a:t> </a:t>
-            </a:r>
-            <a:r>
-              <a:rPr lang="en-US" dirty="0" err="1" smtClean="0"/>
+              <a:rPr lang="en-US" sz="1600" dirty="0" smtClean="0"/>
+              <a:t> </a:t>
+            </a:r>
+            <a:r>
+              <a:rPr lang="en-US" sz="1600" dirty="0" err="1" smtClean="0"/>
               <a:t>vasija</a:t>
             </a:r>
             <a:r>
-              <a:rPr lang="en-US" dirty="0" smtClean="0"/>
-              <a:t> </a:t>
-            </a:r>
-            <a:r>
-              <a:rPr lang="en-US" dirty="0" err="1" smtClean="0"/>
+              <a:rPr lang="en-US" sz="1600" dirty="0" smtClean="0"/>
+              <a:t> </a:t>
+            </a:r>
+            <a:r>
+              <a:rPr lang="en-US" sz="1600" dirty="0" err="1" smtClean="0"/>
               <a:t>grande</a:t>
             </a:r>
             <a:r>
-              <a:rPr lang="en-US" dirty="0" smtClean="0"/>
+              <a:rPr lang="en-US" sz="1600" dirty="0" smtClean="0"/>
               <a:t>. </a:t>
             </a:r>
           </a:p>
           <a:p>
             <a:r>
-              <a:rPr lang="en-US" dirty="0" smtClean="0"/>
+              <a:rPr lang="en-US" sz="1600" dirty="0" smtClean="0"/>
               <a:t>Un hombre </a:t>
             </a:r>
             <a:r>
-              <a:rPr lang="en-US" dirty="0" err="1" smtClean="0"/>
+              <a:rPr lang="en-US" sz="1600" dirty="0" err="1" smtClean="0"/>
               <a:t>encontrado</a:t>
             </a:r>
             <a:r>
-              <a:rPr lang="en-US" dirty="0" smtClean="0"/>
-              <a:t> </a:t>
-            </a:r>
-            <a:r>
-              <a:rPr lang="en-US" dirty="0" err="1" smtClean="0"/>
+              <a:rPr lang="en-US" sz="1600" dirty="0" smtClean="0"/>
+              <a:t> </a:t>
+            </a:r>
+            <a:r>
+              <a:rPr lang="en-US" sz="1600" dirty="0" err="1" smtClean="0"/>
               <a:t>practicando</a:t>
             </a:r>
             <a:r>
-              <a:rPr lang="en-US" dirty="0" smtClean="0"/>
+              <a:rPr lang="en-US" sz="1600" dirty="0" smtClean="0"/>
               <a:t> el </a:t>
             </a:r>
             <a:r>
-              <a:rPr lang="en-US" dirty="0" err="1" smtClean="0"/>
+              <a:rPr lang="en-US" sz="1600" dirty="0" err="1" smtClean="0"/>
               <a:t>bestialismo</a:t>
             </a:r>
             <a:r>
-              <a:rPr lang="en-US" dirty="0" smtClean="0"/>
-              <a:t> </a:t>
-            </a:r>
-            <a:r>
-              <a:rPr lang="en-US" dirty="0" err="1" smtClean="0"/>
+              <a:rPr lang="en-US" sz="1600" dirty="0" smtClean="0"/>
+              <a:t> </a:t>
+            </a:r>
+            <a:r>
+              <a:rPr lang="en-US" sz="1600" dirty="0" err="1" smtClean="0"/>
               <a:t>es</a:t>
             </a:r>
             <a:r>
-              <a:rPr lang="en-US" dirty="0" smtClean="0"/>
-              <a:t> </a:t>
-            </a:r>
-            <a:r>
-              <a:rPr lang="en-US" dirty="0" err="1" smtClean="0"/>
+              <a:rPr lang="en-US" sz="1600" dirty="0" smtClean="0"/>
+              <a:t> </a:t>
+            </a:r>
+            <a:r>
+              <a:rPr lang="en-US" sz="1600" dirty="0" err="1" smtClean="0"/>
               <a:t>condenado</a:t>
             </a:r>
             <a:r>
-              <a:rPr lang="en-US" dirty="0" smtClean="0"/>
+              <a:rPr lang="en-US" sz="1600" dirty="0" smtClean="0"/>
               <a:t> a </a:t>
             </a:r>
             <a:r>
-              <a:rPr lang="en-US" dirty="0" err="1" smtClean="0"/>
+              <a:rPr lang="en-US" sz="1600" dirty="0" err="1" smtClean="0"/>
               <a:t>muerte</a:t>
             </a:r>
             <a:r>
-              <a:rPr lang="en-US" dirty="0" smtClean="0"/>
+              <a:rPr lang="en-US" sz="1600" dirty="0" smtClean="0"/>
               <a:t>. El hombre que lo </a:t>
             </a:r>
             <a:r>
-              <a:rPr lang="en-US" dirty="0" err="1" smtClean="0"/>
+              <a:rPr lang="en-US" sz="1600" dirty="0" err="1" smtClean="0"/>
               <a:t>descubra</a:t>
             </a:r>
             <a:r>
-              <a:rPr lang="en-US" dirty="0" smtClean="0"/>
-              <a:t> </a:t>
-            </a:r>
-            <a:r>
-              <a:rPr lang="en-US" dirty="0" err="1" smtClean="0"/>
+              <a:rPr lang="en-US" sz="1600" dirty="0" smtClean="0"/>
+              <a:t> </a:t>
+            </a:r>
+            <a:r>
+              <a:rPr lang="en-US" sz="1600" dirty="0" err="1" smtClean="0"/>
               <a:t>esta</a:t>
             </a:r>
             <a:r>
-              <a:rPr lang="en-US" dirty="0" smtClean="0"/>
-              <a:t> </a:t>
-            </a:r>
-            <a:r>
-              <a:rPr lang="en-US" dirty="0" err="1" smtClean="0"/>
+              <a:rPr lang="en-US" sz="1600" dirty="0" smtClean="0"/>
+              <a:t> </a:t>
+            </a:r>
+            <a:r>
+              <a:rPr lang="en-US" sz="1600" dirty="0" err="1" smtClean="0"/>
               <a:t>obligado</a:t>
             </a:r>
             <a:r>
-              <a:rPr lang="en-US" dirty="0" smtClean="0"/>
+              <a:rPr lang="en-US" sz="1600" dirty="0" smtClean="0"/>
               <a:t> a </a:t>
             </a:r>
             <a:r>
-              <a:rPr lang="en-US" dirty="0" err="1" smtClean="0"/>
+              <a:rPr lang="en-US" sz="1600" dirty="0" err="1" smtClean="0"/>
               <a:t>llevarlo</a:t>
             </a:r>
             <a:r>
-              <a:rPr lang="en-US" dirty="0" smtClean="0"/>
+              <a:rPr lang="en-US" sz="1600" dirty="0" smtClean="0"/>
               <a:t> a las </a:t>
             </a:r>
             <a:r>
-              <a:rPr lang="en-US" dirty="0" err="1" smtClean="0"/>
+              <a:rPr lang="en-US" sz="1600" dirty="0" err="1" smtClean="0"/>
               <a:t>puertas</a:t>
             </a:r>
             <a:r>
-              <a:rPr lang="en-US" dirty="0" smtClean="0"/>
+              <a:rPr lang="en-US" sz="1600" dirty="0" smtClean="0"/>
               <a:t> de la </a:t>
             </a:r>
             <a:r>
-              <a:rPr lang="en-US" dirty="0" err="1" smtClean="0"/>
+              <a:rPr lang="en-US" sz="1600" dirty="0" err="1" smtClean="0"/>
               <a:t>corte</a:t>
             </a:r>
             <a:r>
-              <a:rPr lang="en-US" dirty="0" smtClean="0"/>
+              <a:rPr lang="en-US" sz="1600" dirty="0" smtClean="0"/>
               <a:t> del </a:t>
             </a:r>
             <a:r>
-              <a:rPr lang="en-US" dirty="0" err="1" smtClean="0"/>
+              <a:rPr lang="en-US" sz="1600" dirty="0" err="1" smtClean="0"/>
               <a:t>palacio</a:t>
             </a:r>
             <a:r>
-              <a:rPr lang="en-US" dirty="0" smtClean="0"/>
+              <a:rPr lang="en-US" sz="1600" dirty="0" smtClean="0"/>
               <a:t>. El </a:t>
             </a:r>
             <a:r>
-              <a:rPr lang="en-US" dirty="0" err="1" smtClean="0"/>
+              <a:rPr lang="en-US" sz="1600" dirty="0" err="1" smtClean="0"/>
               <a:t>rey</a:t>
             </a:r>
             <a:r>
-              <a:rPr lang="en-US" dirty="0" smtClean="0"/>
-              <a:t> </a:t>
-            </a:r>
-            <a:r>
-              <a:rPr lang="en-US" dirty="0" err="1" smtClean="0"/>
+              <a:rPr lang="en-US" sz="1600" dirty="0" smtClean="0"/>
+              <a:t> </a:t>
+            </a:r>
+            <a:r>
+              <a:rPr lang="en-US" sz="1600" dirty="0" err="1" smtClean="0"/>
               <a:t>tiene</a:t>
             </a:r>
             <a:r>
-              <a:rPr lang="en-US" dirty="0" smtClean="0"/>
+              <a:rPr lang="en-US" sz="1600" dirty="0" smtClean="0"/>
               <a:t> la ultima palabra de </a:t>
             </a:r>
             <a:r>
-              <a:rPr lang="en-US" dirty="0" err="1" smtClean="0"/>
+              <a:rPr lang="en-US" sz="1600" dirty="0" err="1" smtClean="0"/>
               <a:t>acuerdo</a:t>
             </a:r>
             <a:r>
-              <a:rPr lang="en-US" dirty="0" smtClean="0"/>
+              <a:rPr lang="en-US" sz="1600" dirty="0" smtClean="0"/>
               <a:t> al animal.</a:t>
             </a:r>
           </a:p>
           <a:p>
             <a:r>
-              <a:rPr lang="en-US" dirty="0" smtClean="0"/>
+              <a:rPr lang="en-US" sz="1600" dirty="0" smtClean="0"/>
               <a:t>Si un </a:t>
             </a:r>
             <a:r>
-              <a:rPr lang="en-US" dirty="0" err="1" smtClean="0"/>
+              <a:rPr lang="en-US" sz="1600" dirty="0" err="1" smtClean="0"/>
               <a:t>toro</a:t>
             </a:r>
             <a:r>
-              <a:rPr lang="en-US" dirty="0" smtClean="0"/>
-              <a:t> </a:t>
-            </a:r>
-            <a:r>
-              <a:rPr lang="en-US" dirty="0" err="1" smtClean="0"/>
+              <a:rPr lang="en-US" sz="1600" dirty="0" smtClean="0"/>
+              <a:t> </a:t>
+            </a:r>
+            <a:r>
+              <a:rPr lang="en-US" sz="1600" dirty="0" err="1" smtClean="0"/>
               <a:t>intenta</a:t>
             </a:r>
             <a:r>
-              <a:rPr lang="en-US" dirty="0" smtClean="0"/>
-              <a:t> </a:t>
-            </a:r>
-            <a:r>
-              <a:rPr lang="en-US" dirty="0" err="1" smtClean="0"/>
+              <a:rPr lang="en-US" sz="1600" dirty="0" smtClean="0"/>
+              <a:t> </a:t>
+            </a:r>
+            <a:r>
+              <a:rPr lang="en-US" sz="1600" dirty="0" err="1" smtClean="0"/>
               <a:t>aparearse</a:t>
             </a:r>
             <a:r>
-              <a:rPr lang="en-US" dirty="0" smtClean="0"/>
+              <a:rPr lang="en-US" sz="1600" dirty="0" smtClean="0"/>
               <a:t> con un </a:t>
             </a:r>
             <a:r>
-              <a:rPr lang="en-US" dirty="0" err="1" smtClean="0"/>
+              <a:rPr lang="en-US" sz="1600" dirty="0" err="1" smtClean="0"/>
               <a:t>hitita</a:t>
             </a:r>
             <a:r>
-              <a:rPr lang="en-US" dirty="0" smtClean="0"/>
+              <a:rPr lang="en-US" sz="1600" dirty="0" smtClean="0"/>
               <a:t>, la </a:t>
             </a:r>
             <a:r>
-              <a:rPr lang="en-US" dirty="0" err="1" smtClean="0"/>
+              <a:rPr lang="en-US" sz="1600" dirty="0" err="1" smtClean="0"/>
               <a:t>bestia</a:t>
             </a:r>
             <a:r>
-              <a:rPr lang="en-US" dirty="0" smtClean="0"/>
-              <a:t> </a:t>
-            </a:r>
-            <a:r>
-              <a:rPr lang="en-US" dirty="0" err="1" smtClean="0"/>
+              <a:rPr lang="en-US" sz="1600" dirty="0" smtClean="0"/>
+              <a:t> </a:t>
+            </a:r>
+            <a:r>
+              <a:rPr lang="en-US" sz="1600" dirty="0" err="1" smtClean="0"/>
               <a:t>es</a:t>
             </a:r>
             <a:r>
-              <a:rPr lang="en-US" dirty="0" smtClean="0"/>
-              <a:t> </a:t>
-            </a:r>
-            <a:r>
-              <a:rPr lang="en-US" dirty="0" err="1" smtClean="0"/>
+              <a:rPr lang="en-US" sz="1600" dirty="0" smtClean="0"/>
+              <a:t> </a:t>
+            </a:r>
+            <a:r>
+              <a:rPr lang="en-US" sz="1600" dirty="0" err="1" smtClean="0"/>
               <a:t>condenada</a:t>
             </a:r>
             <a:r>
-              <a:rPr lang="en-US" dirty="0" smtClean="0"/>
+              <a:rPr lang="en-US" sz="1600" dirty="0" smtClean="0"/>
               <a:t> a </a:t>
             </a:r>
             <a:r>
-              <a:rPr lang="en-US" dirty="0" err="1" smtClean="0"/>
+              <a:rPr lang="en-US" sz="1600" dirty="0" err="1" smtClean="0"/>
               <a:t>muerte</a:t>
             </a:r>
             <a:r>
-              <a:rPr lang="en-US" dirty="0" smtClean="0"/>
+              <a:rPr lang="en-US" sz="1600" dirty="0" smtClean="0"/>
               <a:t> y el </a:t>
             </a:r>
             <a:r>
-              <a:rPr lang="en-US" dirty="0" err="1" smtClean="0"/>
+              <a:rPr lang="en-US" sz="1600" dirty="0" err="1" smtClean="0"/>
               <a:t>hitita</a:t>
             </a:r>
             <a:r>
-              <a:rPr lang="en-US" dirty="0" smtClean="0"/>
+              <a:rPr lang="en-US" sz="1600" dirty="0" smtClean="0"/>
               <a:t> se </a:t>
             </a:r>
             <a:r>
-              <a:rPr lang="en-US" dirty="0" err="1" smtClean="0"/>
+              <a:rPr lang="en-US" sz="1600" dirty="0" err="1" smtClean="0"/>
               <a:t>ve</a:t>
             </a:r>
             <a:r>
-              <a:rPr lang="en-US" dirty="0" smtClean="0"/>
-              <a:t> </a:t>
-            </a:r>
-            <a:r>
-              <a:rPr lang="en-US" dirty="0" err="1" smtClean="0"/>
+              <a:rPr lang="en-US" sz="1600" dirty="0" smtClean="0"/>
+              <a:t> </a:t>
+            </a:r>
+            <a:r>
+              <a:rPr lang="en-US" sz="1600" dirty="0" err="1" smtClean="0"/>
               <a:t>reemplazado</a:t>
             </a:r>
             <a:r>
-              <a:rPr lang="en-US" dirty="0" smtClean="0"/>
-              <a:t> </a:t>
-            </a:r>
-            <a:r>
-              <a:rPr lang="en-US" dirty="0" err="1" smtClean="0"/>
+              <a:rPr lang="en-US" sz="1600" dirty="0" smtClean="0"/>
+              <a:t> </a:t>
+            </a:r>
+            <a:r>
+              <a:rPr lang="en-US" sz="1600" dirty="0" err="1" smtClean="0"/>
               <a:t>por</a:t>
             </a:r>
             <a:r>
-              <a:rPr lang="en-US" dirty="0" smtClean="0"/>
-              <a:t> </a:t>
-            </a:r>
-            <a:r>
-              <a:rPr lang="en-US" dirty="0" err="1" smtClean="0"/>
+              <a:rPr lang="en-US" sz="1600" dirty="0" smtClean="0"/>
+              <a:t> </a:t>
+            </a:r>
+            <a:r>
+              <a:rPr lang="en-US" sz="1600" dirty="0" err="1" smtClean="0"/>
               <a:t>una</a:t>
             </a:r>
             <a:r>
-              <a:rPr lang="en-US" dirty="0" smtClean="0"/>
-              <a:t> </a:t>
-            </a:r>
-            <a:r>
-              <a:rPr lang="en-US" dirty="0" err="1" smtClean="0"/>
+              <a:rPr lang="en-US" sz="1600" dirty="0" smtClean="0"/>
+              <a:t> </a:t>
+            </a:r>
+            <a:r>
+              <a:rPr lang="en-US" sz="1600" dirty="0" err="1" smtClean="0"/>
               <a:t>victima</a:t>
             </a:r>
             <a:r>
-              <a:rPr lang="en-US" dirty="0" smtClean="0"/>
+              <a:rPr lang="en-US" sz="1600" dirty="0" smtClean="0"/>
               <a:t> sacrificial. Si un </a:t>
             </a:r>
             <a:r>
-              <a:rPr lang="en-US" dirty="0" err="1" smtClean="0"/>
+              <a:rPr lang="en-US" sz="1600" dirty="0" err="1" smtClean="0"/>
               <a:t>cerdo</a:t>
             </a:r>
             <a:r>
-              <a:rPr lang="en-US" dirty="0" smtClean="0"/>
+              <a:rPr lang="en-US" sz="1600" dirty="0" smtClean="0"/>
               <a:t> lo </a:t>
             </a:r>
             <a:r>
-              <a:rPr lang="en-US" dirty="0" err="1" smtClean="0"/>
+              <a:rPr lang="en-US" sz="1600" dirty="0" err="1" smtClean="0"/>
               <a:t>hace</a:t>
             </a:r>
             <a:r>
-              <a:rPr lang="en-US" dirty="0" smtClean="0"/>
+              <a:rPr lang="en-US" sz="1600" dirty="0" smtClean="0"/>
               <a:t>, </a:t>
             </a:r>
             <a:r>
-              <a:rPr lang="en-US" dirty="0" err="1" smtClean="0"/>
+              <a:rPr lang="en-US" sz="1600" dirty="0" err="1" smtClean="0"/>
               <a:t>es</a:t>
             </a:r>
             <a:r>
-              <a:rPr lang="en-US" dirty="0" smtClean="0"/>
-              <a:t> </a:t>
-            </a:r>
-            <a:r>
-              <a:rPr lang="en-US" dirty="0" err="1" smtClean="0"/>
+              <a:rPr lang="en-US" sz="1600" dirty="0" smtClean="0"/>
+              <a:t> </a:t>
+            </a:r>
+            <a:r>
+              <a:rPr lang="en-US" sz="1600" dirty="0" err="1" smtClean="0"/>
               <a:t>perdonado</a:t>
             </a:r>
             <a:r>
-              <a:rPr lang="en-US" dirty="0" smtClean="0"/>
+              <a:rPr lang="en-US" sz="1600" dirty="0" smtClean="0"/>
               <a:t>, del </a:t>
             </a:r>
             <a:r>
-              <a:rPr lang="en-US" dirty="0" err="1" smtClean="0"/>
+              <a:rPr lang="en-US" sz="1600" dirty="0" err="1" smtClean="0"/>
               <a:t>mismo</a:t>
             </a:r>
             <a:r>
-              <a:rPr lang="en-US" dirty="0" smtClean="0"/>
-              <a:t> </a:t>
-            </a:r>
-            <a:r>
-              <a:rPr lang="en-US" dirty="0" err="1" smtClean="0"/>
+              <a:rPr lang="en-US" sz="1600" dirty="0" smtClean="0"/>
+              <a:t> </a:t>
+            </a:r>
+            <a:r>
+              <a:rPr lang="en-US" sz="1600" dirty="0" err="1" smtClean="0"/>
               <a:t>modo</a:t>
             </a:r>
             <a:r>
-              <a:rPr lang="en-US" dirty="0" smtClean="0"/>
+              <a:rPr lang="en-US" sz="1600" dirty="0" smtClean="0"/>
               <a:t> que </a:t>
             </a:r>
             <a:r>
-              <a:rPr lang="en-US" dirty="0" err="1" smtClean="0"/>
+              <a:rPr lang="en-US" sz="1600" dirty="0" err="1" smtClean="0"/>
               <a:t>si</a:t>
             </a:r>
             <a:r>
-              <a:rPr lang="en-US" dirty="0" smtClean="0"/>
+              <a:rPr lang="en-US" sz="1600" dirty="0" smtClean="0"/>
               <a:t> un </a:t>
             </a:r>
             <a:r>
-              <a:rPr lang="en-US" dirty="0" err="1" smtClean="0"/>
+              <a:rPr lang="en-US" sz="1600" dirty="0" err="1" smtClean="0"/>
               <a:t>hitita</a:t>
             </a:r>
             <a:r>
-              <a:rPr lang="en-US" dirty="0" smtClean="0"/>
+              <a:rPr lang="en-US" sz="1600" dirty="0" smtClean="0"/>
               <a:t> lo </a:t>
             </a:r>
             <a:r>
-              <a:rPr lang="en-US" dirty="0" err="1" smtClean="0"/>
+              <a:rPr lang="en-US" sz="1600" dirty="0" err="1" smtClean="0"/>
               <a:t>intenta</a:t>
             </a:r>
             <a:r>
-              <a:rPr lang="en-US" dirty="0" smtClean="0"/>
+              <a:rPr lang="en-US" sz="1600" dirty="0" smtClean="0"/>
               <a:t> con un </a:t>
             </a:r>
             <a:r>
-              <a:rPr lang="en-US" dirty="0" err="1" smtClean="0"/>
+              <a:rPr lang="en-US" sz="1600" dirty="0" err="1" smtClean="0"/>
               <a:t>caballo</a:t>
             </a:r>
             <a:r>
-              <a:rPr lang="en-US" dirty="0" smtClean="0"/>
+              <a:rPr lang="en-US" sz="1600" dirty="0" smtClean="0"/>
               <a:t>. Pero </a:t>
             </a:r>
             <a:r>
-              <a:rPr lang="en-US" dirty="0" err="1" smtClean="0"/>
+              <a:rPr lang="en-US" sz="1600" dirty="0" err="1" smtClean="0"/>
               <a:t>luego</a:t>
             </a:r>
             <a:r>
-              <a:rPr lang="en-US" dirty="0" smtClean="0"/>
+              <a:rPr lang="en-US" sz="1600" dirty="0" smtClean="0"/>
               <a:t> no </a:t>
             </a:r>
             <a:r>
-              <a:rPr lang="en-US" dirty="0" err="1" smtClean="0"/>
+              <a:rPr lang="en-US" sz="1600" dirty="0" err="1" smtClean="0"/>
               <a:t>es</a:t>
             </a:r>
             <a:r>
-              <a:rPr lang="en-US" dirty="0" smtClean="0"/>
-              <a:t> </a:t>
-            </a:r>
-            <a:r>
-              <a:rPr lang="en-US" dirty="0" err="1" smtClean="0"/>
+              <a:rPr lang="en-US" sz="1600" dirty="0" smtClean="0"/>
+              <a:t> </a:t>
+            </a:r>
+            <a:r>
+              <a:rPr lang="en-US" sz="1600" dirty="0" err="1" smtClean="0"/>
               <a:t>apto</a:t>
             </a:r>
             <a:r>
-              <a:rPr lang="en-US" dirty="0" smtClean="0"/>
+              <a:rPr lang="en-US" sz="1600" dirty="0" smtClean="0"/>
               <a:t> para </a:t>
             </a:r>
             <a:r>
-              <a:rPr lang="en-US" dirty="0" err="1" smtClean="0"/>
+              <a:rPr lang="en-US" sz="1600" dirty="0" err="1" smtClean="0"/>
               <a:t>ser</a:t>
             </a:r>
             <a:r>
-              <a:rPr lang="en-US" dirty="0" smtClean="0"/>
-              <a:t> </a:t>
-            </a:r>
-            <a:r>
-              <a:rPr lang="en-US" dirty="0" err="1" smtClean="0"/>
+              <a:rPr lang="en-US" sz="1600" dirty="0" smtClean="0"/>
+              <a:t> </a:t>
+            </a:r>
+            <a:r>
+              <a:rPr lang="en-US" sz="1600" dirty="0" err="1" smtClean="0"/>
               <a:t>sacerdote</a:t>
             </a:r>
             <a:r>
-              <a:rPr lang="en-US" dirty="0" smtClean="0"/>
-              <a:t> </a:t>
-            </a:r>
-            <a:r>
-              <a:rPr lang="en-US" dirty="0" err="1" smtClean="0"/>
+              <a:rPr lang="en-US" sz="1600" dirty="0" smtClean="0"/>
+              <a:t> </a:t>
+            </a:r>
+            <a:r>
+              <a:rPr lang="en-US" sz="1600" dirty="0" err="1" smtClean="0"/>
               <a:t>ni</a:t>
             </a:r>
             <a:r>
-              <a:rPr lang="en-US" dirty="0"/>
-              <a:t> </a:t>
-            </a:r>
-            <a:r>
-              <a:rPr lang="en-US" dirty="0" err="1" smtClean="0"/>
+              <a:rPr lang="en-US" sz="1600" dirty="0"/>
+              <a:t> </a:t>
+            </a:r>
+            <a:r>
+              <a:rPr lang="en-US" sz="1600" dirty="0" err="1" smtClean="0"/>
               <a:t>mostrar</a:t>
             </a:r>
             <a:r>
-              <a:rPr lang="en-US" dirty="0" smtClean="0"/>
-              <a:t> </a:t>
-            </a:r>
-            <a:r>
-              <a:rPr lang="en-US" dirty="0" err="1" smtClean="0"/>
+              <a:rPr lang="en-US" sz="1600" dirty="0" smtClean="0"/>
+              <a:t> </a:t>
+            </a:r>
+            <a:r>
+              <a:rPr lang="en-US" sz="1600" dirty="0" err="1" smtClean="0"/>
               <a:t>su</a:t>
             </a:r>
             <a:r>
-              <a:rPr lang="en-US" dirty="0" smtClean="0"/>
-              <a:t> </a:t>
-            </a:r>
-            <a:r>
-              <a:rPr lang="en-US" dirty="0" err="1" smtClean="0"/>
+              <a:rPr lang="en-US" sz="1600" dirty="0" smtClean="0"/>
+              <a:t> </a:t>
+            </a:r>
+            <a:r>
+              <a:rPr lang="en-US" sz="1600" dirty="0" err="1" smtClean="0"/>
               <a:t>presencia</a:t>
             </a:r>
             <a:r>
-              <a:rPr lang="en-US" dirty="0" smtClean="0"/>
+              <a:rPr lang="en-US" sz="1600" dirty="0" smtClean="0"/>
               <a:t> ante el </a:t>
             </a:r>
             <a:r>
-              <a:rPr lang="en-US" dirty="0" err="1" smtClean="0"/>
+              <a:rPr lang="en-US" sz="1600" dirty="0" err="1" smtClean="0"/>
               <a:t>rey</a:t>
             </a:r>
             <a:r>
-              <a:rPr lang="en-US" dirty="0" smtClean="0"/>
+              <a:rPr lang="en-US" sz="1600" dirty="0" smtClean="0"/>
               <a:t>.  </a:t>
             </a:r>
           </a:p>
@@ -5605,13 +6086,85 @@
               <a:buNone/>
             </a:pPr>
             <a:r>
-              <a:rPr lang="en-US" dirty="0" smtClean="0"/>
-              <a:t> </a:t>
-            </a:r>
-            <a:endParaRPr lang="es-PE" dirty="0"/>
-          </a:p>
-        </p:txBody>
-      </p:sp>
+              <a:rPr lang="en-US" sz="1600" dirty="0" smtClean="0"/>
+              <a:t> </a:t>
+            </a:r>
+            <a:endParaRPr lang="es-PE" sz="1600" dirty="0"/>
+          </a:p>
+        </p:txBody>
+      </p:sp>
+      <p:pic>
+        <p:nvPicPr>
+          <p:cNvPr id="4" name="Imagen 3"/>
+          <p:cNvPicPr>
+            <a:picLocks noChangeAspect="1"/>
+          </p:cNvPicPr>
+          <p:nvPr/>
+        </p:nvPicPr>
+        <p:blipFill>
+          <a:blip r:embed="rId2"/>
+          <a:stretch>
+            <a:fillRect/>
+          </a:stretch>
+        </p:blipFill>
+        <p:spPr>
+          <a:xfrm>
+            <a:off x="838200" y="4349932"/>
+            <a:ext cx="3263900" cy="2286000"/>
+          </a:xfrm>
+          <a:prstGeom prst="rect">
+            <a:avLst/>
+          </a:prstGeom>
+        </p:spPr>
+      </p:pic>
+      <p:pic>
+        <p:nvPicPr>
+          <p:cNvPr id="5" name="Imagen 4"/>
+          <p:cNvPicPr>
+            <a:picLocks noChangeAspect="1"/>
+          </p:cNvPicPr>
+          <p:nvPr/>
+        </p:nvPicPr>
+        <p:blipFill>
+          <a:blip r:embed="rId3"/>
+          <a:stretch>
+            <a:fillRect/>
+          </a:stretch>
+        </p:blipFill>
+        <p:spPr>
+          <a:xfrm>
+            <a:off x="4486139" y="4349931"/>
+            <a:ext cx="3168695" cy="2354603"/>
+          </a:xfrm>
+          <a:prstGeom prst="rect">
+            <a:avLst/>
+          </a:prstGeom>
+        </p:spPr>
+      </p:pic>
+      <p:pic>
+        <p:nvPicPr>
+          <p:cNvPr id="6" name="Imagen 5"/>
+          <p:cNvPicPr>
+            <a:picLocks noChangeAspect="1"/>
+          </p:cNvPicPr>
+          <p:nvPr/>
+        </p:nvPicPr>
+        <p:blipFill>
+          <a:blip r:embed="rId4"/>
+          <a:stretch>
+            <a:fillRect/>
+          </a:stretch>
+        </p:blipFill>
+        <p:spPr>
+          <a:xfrm>
+            <a:off x="8038873" y="4349931"/>
+            <a:ext cx="3877759" cy="2354603"/>
+          </a:xfrm>
+          <a:prstGeom prst="rect">
+            <a:avLst/>
+          </a:prstGeom>
+        </p:spPr>
+      </p:pic>
     </p:spTree>
     <p:extLst>
       <p:ext uri="{BB962C8B-B14F-4D97-AF65-F5344CB8AC3E}">
@@ -5690,476 +6243,476 @@
         <p:spPr/>
         <p:txBody>
           <a:bodyPr>
-            <a:normAutofit fontScale="92500" lnSpcReduction="10000"/>
+            <a:normAutofit/>
           </a:bodyPr>
           <a:lstStyle/>
           <a:p>
             <a:r>
-              <a:rPr lang="en-US" dirty="0" smtClean="0"/>
+              <a:rPr lang="en-US" sz="1400" dirty="0" smtClean="0"/>
               <a:t>Los </a:t>
             </a:r>
             <a:r>
-              <a:rPr lang="en-US" dirty="0" err="1" smtClean="0"/>
+              <a:rPr lang="en-US" sz="1400" dirty="0" err="1" smtClean="0"/>
               <a:t>israelitas</a:t>
             </a:r>
             <a:r>
-              <a:rPr lang="en-US" dirty="0" smtClean="0"/>
+              <a:rPr lang="en-US" sz="1400" dirty="0" smtClean="0"/>
               <a:t>, </a:t>
             </a:r>
             <a:r>
-              <a:rPr lang="en-US" dirty="0" err="1" smtClean="0"/>
+              <a:rPr lang="en-US" sz="1400" dirty="0" err="1" smtClean="0"/>
               <a:t>en</a:t>
             </a:r>
             <a:r>
-              <a:rPr lang="en-US" dirty="0" smtClean="0"/>
+              <a:rPr lang="en-US" sz="1400" dirty="0" smtClean="0"/>
               <a:t> el </a:t>
             </a:r>
             <a:r>
-              <a:rPr lang="en-US" dirty="0" err="1" smtClean="0"/>
+              <a:rPr lang="en-US" sz="1400" dirty="0" err="1" smtClean="0"/>
               <a:t>horizonte</a:t>
             </a:r>
             <a:r>
-              <a:rPr lang="en-US" dirty="0" smtClean="0"/>
+              <a:rPr lang="en-US" sz="1400" dirty="0" smtClean="0"/>
               <a:t> de un </a:t>
             </a:r>
             <a:r>
-              <a:rPr lang="en-US" dirty="0" err="1" smtClean="0"/>
+              <a:rPr lang="en-US" sz="1400" dirty="0" err="1" smtClean="0"/>
               <a:t>codigo</a:t>
             </a:r>
             <a:r>
-              <a:rPr lang="en-US" dirty="0" smtClean="0"/>
+              <a:rPr lang="en-US" sz="1400" dirty="0" smtClean="0"/>
               <a:t> de </a:t>
             </a:r>
             <a:r>
-              <a:rPr lang="en-US" dirty="0" err="1" smtClean="0"/>
+              <a:rPr lang="en-US" sz="1400" dirty="0" err="1" smtClean="0"/>
               <a:t>pureza</a:t>
             </a:r>
             <a:r>
-              <a:rPr lang="en-US" dirty="0" smtClean="0"/>
-              <a:t> </a:t>
-            </a:r>
-            <a:r>
-              <a:rPr lang="en-US" dirty="0" err="1" smtClean="0"/>
+              <a:rPr lang="en-US" sz="1400" dirty="0" smtClean="0"/>
+              <a:t> </a:t>
+            </a:r>
+            <a:r>
+              <a:rPr lang="en-US" sz="1400" dirty="0" err="1" smtClean="0"/>
               <a:t>buscan</a:t>
             </a:r>
             <a:r>
-              <a:rPr lang="en-US" dirty="0" smtClean="0"/>
-              <a:t> </a:t>
-            </a:r>
-            <a:r>
-              <a:rPr lang="en-US" dirty="0" err="1" smtClean="0"/>
+              <a:rPr lang="en-US" sz="1400" dirty="0" smtClean="0"/>
+              <a:t> </a:t>
+            </a:r>
+            <a:r>
+              <a:rPr lang="en-US" sz="1400" dirty="0" err="1" smtClean="0"/>
               <a:t>evitar</a:t>
             </a:r>
             <a:r>
-              <a:rPr lang="en-US" dirty="0" smtClean="0"/>
-              <a:t> </a:t>
-            </a:r>
-            <a:r>
-              <a:rPr lang="en-US" dirty="0" err="1" smtClean="0"/>
+              <a:rPr lang="en-US" sz="1400" dirty="0" smtClean="0"/>
+              <a:t> </a:t>
+            </a:r>
+            <a:r>
+              <a:rPr lang="en-US" sz="1400" dirty="0" err="1" smtClean="0"/>
               <a:t>alimentarse</a:t>
             </a:r>
             <a:r>
-              <a:rPr lang="en-US" dirty="0" smtClean="0"/>
+              <a:rPr lang="en-US" sz="1400" dirty="0" smtClean="0"/>
               <a:t> de </a:t>
             </a:r>
             <a:r>
-              <a:rPr lang="en-US" dirty="0" err="1" smtClean="0"/>
+              <a:rPr lang="en-US" sz="1400" dirty="0" err="1" smtClean="0"/>
               <a:t>animales</a:t>
             </a:r>
             <a:r>
-              <a:rPr lang="en-US" dirty="0" smtClean="0"/>
-              <a:t> </a:t>
-            </a:r>
-            <a:r>
-              <a:rPr lang="en-US" dirty="0" err="1" smtClean="0"/>
+              <a:rPr lang="en-US" sz="1400" dirty="0" smtClean="0"/>
+              <a:t> </a:t>
+            </a:r>
+            <a:r>
+              <a:rPr lang="en-US" sz="1400" dirty="0" err="1" smtClean="0"/>
               <a:t>impuros</a:t>
             </a:r>
             <a:r>
-              <a:rPr lang="en-US" dirty="0" smtClean="0"/>
-              <a:t> </a:t>
-            </a:r>
-            <a:r>
-              <a:rPr lang="en-US" dirty="0" err="1" smtClean="0"/>
+              <a:rPr lang="en-US" sz="1400" dirty="0" smtClean="0"/>
+              <a:t> </a:t>
+            </a:r>
+            <a:r>
+              <a:rPr lang="en-US" sz="1400" dirty="0" err="1" smtClean="0"/>
               <a:t>como</a:t>
             </a:r>
             <a:r>
-              <a:rPr lang="en-US" dirty="0" smtClean="0"/>
-              <a:t> </a:t>
-            </a:r>
-            <a:r>
-              <a:rPr lang="en-US" dirty="0" err="1" smtClean="0"/>
+              <a:rPr lang="en-US" sz="1400" dirty="0" smtClean="0"/>
+              <a:t> </a:t>
+            </a:r>
+            <a:r>
+              <a:rPr lang="en-US" sz="1400" dirty="0" err="1" smtClean="0"/>
               <a:t>camellos</a:t>
             </a:r>
             <a:r>
-              <a:rPr lang="en-US" dirty="0" smtClean="0"/>
+              <a:rPr lang="en-US" sz="1400" dirty="0" smtClean="0"/>
               <a:t>, </a:t>
             </a:r>
             <a:r>
-              <a:rPr lang="en-US" dirty="0" err="1" smtClean="0"/>
+              <a:rPr lang="en-US" sz="1400" dirty="0" err="1" smtClean="0"/>
               <a:t>conejos</a:t>
             </a:r>
             <a:r>
-              <a:rPr lang="en-US" dirty="0" smtClean="0"/>
+              <a:rPr lang="en-US" sz="1400" dirty="0" smtClean="0"/>
               <a:t>, </a:t>
             </a:r>
             <a:r>
-              <a:rPr lang="en-US" dirty="0" err="1" smtClean="0"/>
+              <a:rPr lang="en-US" sz="1400" dirty="0" err="1" smtClean="0"/>
               <a:t>liebres</a:t>
             </a:r>
             <a:r>
-              <a:rPr lang="en-US" dirty="0" smtClean="0"/>
+              <a:rPr lang="en-US" sz="1400" dirty="0" smtClean="0"/>
               <a:t> y </a:t>
             </a:r>
             <a:r>
-              <a:rPr lang="en-US" dirty="0" err="1" smtClean="0"/>
+              <a:rPr lang="en-US" sz="1400" dirty="0" err="1" smtClean="0"/>
               <a:t>cerdos</a:t>
             </a:r>
             <a:r>
-              <a:rPr lang="en-US" dirty="0" smtClean="0"/>
+              <a:rPr lang="en-US" sz="1400" dirty="0" smtClean="0"/>
               <a:t>. Se </a:t>
             </a:r>
             <a:r>
-              <a:rPr lang="en-US" dirty="0" err="1" smtClean="0"/>
+              <a:rPr lang="en-US" sz="1400" dirty="0" err="1" smtClean="0"/>
               <a:t>debe</a:t>
             </a:r>
             <a:r>
-              <a:rPr lang="en-US" dirty="0" smtClean="0"/>
-              <a:t> </a:t>
-            </a:r>
-            <a:r>
-              <a:rPr lang="en-US" dirty="0" err="1" smtClean="0"/>
+              <a:rPr lang="en-US" sz="1400" dirty="0" smtClean="0"/>
+              <a:t> </a:t>
+            </a:r>
+            <a:r>
+              <a:rPr lang="en-US" sz="1400" dirty="0" err="1" smtClean="0"/>
               <a:t>evitar</a:t>
             </a:r>
             <a:r>
-              <a:rPr lang="en-US" dirty="0" smtClean="0"/>
-              <a:t> </a:t>
-            </a:r>
-            <a:r>
-              <a:rPr lang="en-US" dirty="0" err="1" smtClean="0"/>
+              <a:rPr lang="en-US" sz="1400" dirty="0" smtClean="0"/>
+              <a:t> </a:t>
+            </a:r>
+            <a:r>
+              <a:rPr lang="en-US" sz="1400" dirty="0" err="1" smtClean="0"/>
               <a:t>tocar</a:t>
             </a:r>
             <a:r>
-              <a:rPr lang="en-US" dirty="0" smtClean="0"/>
-              <a:t> </a:t>
-            </a:r>
-            <a:r>
-              <a:rPr lang="en-US" dirty="0" err="1" smtClean="0"/>
+              <a:rPr lang="en-US" sz="1400" dirty="0" smtClean="0"/>
+              <a:t> </a:t>
+            </a:r>
+            <a:r>
+              <a:rPr lang="en-US" sz="1400" dirty="0" err="1" smtClean="0"/>
               <a:t>sus</a:t>
             </a:r>
             <a:r>
-              <a:rPr lang="en-US" dirty="0" smtClean="0"/>
-              <a:t> </a:t>
-            </a:r>
-            <a:r>
-              <a:rPr lang="en-US" dirty="0" err="1" smtClean="0"/>
+              <a:rPr lang="en-US" sz="1400" dirty="0" smtClean="0"/>
+              <a:t> </a:t>
+            </a:r>
+            <a:r>
+              <a:rPr lang="en-US" sz="1400" dirty="0" err="1" smtClean="0"/>
               <a:t>cadáveres</a:t>
             </a:r>
             <a:r>
-              <a:rPr lang="en-US" dirty="0" smtClean="0"/>
+              <a:rPr lang="en-US" sz="1400" dirty="0" smtClean="0"/>
               <a:t>.</a:t>
             </a:r>
           </a:p>
           <a:p>
             <a:r>
-              <a:rPr lang="en-US" dirty="0" err="1" smtClean="0"/>
+              <a:rPr lang="en-US" sz="1400" dirty="0" err="1" smtClean="0"/>
               <a:t>Animales</a:t>
             </a:r>
             <a:r>
-              <a:rPr lang="en-US" dirty="0" smtClean="0"/>
-              <a:t> </a:t>
-            </a:r>
-            <a:r>
-              <a:rPr lang="en-US" dirty="0" err="1" smtClean="0"/>
+              <a:rPr lang="en-US" sz="1400" dirty="0" smtClean="0"/>
+              <a:t> </a:t>
+            </a:r>
+            <a:r>
+              <a:rPr lang="en-US" sz="1400" dirty="0" err="1" smtClean="0"/>
               <a:t>acuáticos</a:t>
             </a:r>
             <a:r>
-              <a:rPr lang="en-US" dirty="0" smtClean="0"/>
+              <a:rPr lang="en-US" sz="1400" dirty="0" smtClean="0"/>
               <a:t> sin </a:t>
             </a:r>
             <a:r>
-              <a:rPr lang="en-US" dirty="0" err="1" smtClean="0"/>
+              <a:rPr lang="en-US" sz="1400" dirty="0" err="1" smtClean="0"/>
               <a:t>escamas</a:t>
             </a:r>
             <a:r>
-              <a:rPr lang="en-US" dirty="0" smtClean="0"/>
+              <a:rPr lang="en-US" sz="1400" dirty="0" smtClean="0"/>
               <a:t> o </a:t>
             </a:r>
             <a:r>
-              <a:rPr lang="en-US" dirty="0" err="1" smtClean="0"/>
+              <a:rPr lang="en-US" sz="1400" dirty="0" err="1" smtClean="0"/>
               <a:t>aletas</a:t>
             </a:r>
             <a:r>
-              <a:rPr lang="en-US" dirty="0" smtClean="0"/>
+              <a:rPr lang="en-US" sz="1400" dirty="0" smtClean="0"/>
               <a:t> son </a:t>
             </a:r>
             <a:r>
-              <a:rPr lang="en-US" dirty="0" err="1" smtClean="0"/>
+              <a:rPr lang="en-US" sz="1400" dirty="0" err="1" smtClean="0"/>
               <a:t>considerados</a:t>
             </a:r>
             <a:r>
-              <a:rPr lang="en-US" dirty="0" smtClean="0"/>
-              <a:t> </a:t>
-            </a:r>
-            <a:r>
-              <a:rPr lang="en-US" dirty="0" err="1" smtClean="0"/>
+              <a:rPr lang="en-US" sz="1400" dirty="0" smtClean="0"/>
+              <a:t> </a:t>
+            </a:r>
+            <a:r>
+              <a:rPr lang="en-US" sz="1400" dirty="0" err="1" smtClean="0"/>
               <a:t>impuros</a:t>
             </a:r>
             <a:r>
-              <a:rPr lang="en-US" dirty="0" smtClean="0"/>
+              <a:rPr lang="en-US" sz="1400" dirty="0" smtClean="0"/>
               <a:t>. </a:t>
             </a:r>
           </a:p>
           <a:p>
             <a:r>
-              <a:rPr lang="en-US" dirty="0" smtClean="0"/>
+              <a:rPr lang="en-US" sz="1400" dirty="0" smtClean="0"/>
               <a:t>Aves tales </a:t>
             </a:r>
             <a:r>
-              <a:rPr lang="en-US" dirty="0" err="1" smtClean="0"/>
+              <a:rPr lang="en-US" sz="1400" dirty="0" err="1" smtClean="0"/>
               <a:t>como</a:t>
             </a:r>
             <a:r>
-              <a:rPr lang="en-US" dirty="0" smtClean="0"/>
+              <a:rPr lang="en-US" sz="1400" dirty="0" smtClean="0"/>
               <a:t> las </a:t>
             </a:r>
             <a:r>
-              <a:rPr lang="en-US" dirty="0" err="1" smtClean="0"/>
+              <a:rPr lang="en-US" sz="1400" dirty="0" err="1" smtClean="0"/>
               <a:t>águilas</a:t>
             </a:r>
             <a:r>
-              <a:rPr lang="en-US" dirty="0" smtClean="0"/>
+              <a:rPr lang="en-US" sz="1400" dirty="0" smtClean="0"/>
               <a:t>, </a:t>
             </a:r>
             <a:r>
-              <a:rPr lang="en-US" dirty="0" err="1" smtClean="0"/>
+              <a:rPr lang="en-US" sz="1400" dirty="0" err="1" smtClean="0"/>
               <a:t>quebrantahuesos</a:t>
             </a:r>
             <a:r>
-              <a:rPr lang="en-US" dirty="0" smtClean="0"/>
+              <a:rPr lang="en-US" sz="1400" dirty="0" smtClean="0"/>
               <a:t>, </a:t>
             </a:r>
             <a:r>
-              <a:rPr lang="en-US" dirty="0" err="1" smtClean="0"/>
+              <a:rPr lang="en-US" sz="1400" dirty="0" err="1" smtClean="0"/>
               <a:t>cuervos</a:t>
             </a:r>
             <a:r>
-              <a:rPr lang="en-US" dirty="0" smtClean="0"/>
+              <a:rPr lang="en-US" sz="1400" dirty="0" smtClean="0"/>
               <a:t>, </a:t>
             </a:r>
             <a:r>
-              <a:rPr lang="en-US" dirty="0" err="1" smtClean="0"/>
+              <a:rPr lang="en-US" sz="1400" dirty="0" err="1" smtClean="0"/>
               <a:t>buhos</a:t>
             </a:r>
             <a:r>
-              <a:rPr lang="en-US" dirty="0" smtClean="0"/>
+              <a:rPr lang="en-US" sz="1400" dirty="0" smtClean="0"/>
               <a:t> y </a:t>
             </a:r>
             <a:r>
-              <a:rPr lang="en-US" dirty="0" err="1" smtClean="0"/>
+              <a:rPr lang="en-US" sz="1400" dirty="0" err="1" smtClean="0"/>
               <a:t>cisnes</a:t>
             </a:r>
             <a:r>
-              <a:rPr lang="en-US" dirty="0" smtClean="0"/>
+              <a:rPr lang="en-US" sz="1400" dirty="0" smtClean="0"/>
               <a:t> son </a:t>
             </a:r>
             <a:r>
-              <a:rPr lang="en-US" dirty="0" err="1" smtClean="0"/>
+              <a:rPr lang="en-US" sz="1400" dirty="0" err="1" smtClean="0"/>
               <a:t>inapropiados</a:t>
             </a:r>
             <a:r>
-              <a:rPr lang="en-US" dirty="0" smtClean="0"/>
+              <a:rPr lang="en-US" sz="1400" dirty="0" smtClean="0"/>
               <a:t> para </a:t>
             </a:r>
             <a:r>
-              <a:rPr lang="en-US" dirty="0" err="1" smtClean="0"/>
+              <a:rPr lang="en-US" sz="1400" dirty="0" err="1" smtClean="0"/>
               <a:t>alimentarse</a:t>
             </a:r>
             <a:r>
-              <a:rPr lang="en-US" dirty="0" smtClean="0"/>
+              <a:rPr lang="en-US" sz="1400" dirty="0" smtClean="0"/>
               <a:t>. Se </a:t>
             </a:r>
             <a:r>
-              <a:rPr lang="en-US" dirty="0" err="1" smtClean="0"/>
+              <a:rPr lang="en-US" sz="1400" dirty="0" err="1" smtClean="0"/>
               <a:t>incluye</a:t>
             </a:r>
             <a:r>
-              <a:rPr lang="en-US" dirty="0" smtClean="0"/>
+              <a:rPr lang="en-US" sz="1400" dirty="0" smtClean="0"/>
               <a:t> a </a:t>
             </a:r>
             <a:r>
-              <a:rPr lang="en-US" dirty="0" err="1" smtClean="0"/>
+              <a:rPr lang="en-US" sz="1400" dirty="0" err="1" smtClean="0"/>
               <a:t>los</a:t>
             </a:r>
             <a:r>
-              <a:rPr lang="en-US" dirty="0" smtClean="0"/>
-              <a:t> </a:t>
-            </a:r>
-            <a:r>
-              <a:rPr lang="en-US" dirty="0" err="1" smtClean="0"/>
+              <a:rPr lang="en-US" sz="1400" dirty="0" smtClean="0"/>
+              <a:t> </a:t>
+            </a:r>
+            <a:r>
+              <a:rPr lang="en-US" sz="1400" dirty="0" err="1" smtClean="0"/>
               <a:t>murciélagos</a:t>
             </a:r>
             <a:r>
-              <a:rPr lang="en-US" dirty="0" smtClean="0"/>
-              <a:t> </a:t>
-            </a:r>
-            <a:r>
-              <a:rPr lang="en-US" dirty="0" err="1" smtClean="0"/>
+              <a:rPr lang="en-US" sz="1400" dirty="0" smtClean="0"/>
+              <a:t> </a:t>
+            </a:r>
+            <a:r>
+              <a:rPr lang="en-US" sz="1400" dirty="0" err="1" smtClean="0"/>
               <a:t>como</a:t>
             </a:r>
             <a:r>
-              <a:rPr lang="en-US" dirty="0" smtClean="0"/>
-              <a:t> </a:t>
-            </a:r>
-            <a:r>
-              <a:rPr lang="en-US" dirty="0" err="1" smtClean="0"/>
+              <a:rPr lang="en-US" sz="1400" dirty="0" smtClean="0"/>
+              <a:t> </a:t>
+            </a:r>
+            <a:r>
+              <a:rPr lang="en-US" sz="1400" dirty="0" err="1" smtClean="0"/>
               <a:t>dentro</a:t>
             </a:r>
             <a:r>
-              <a:rPr lang="en-US" dirty="0" smtClean="0"/>
+              <a:rPr lang="en-US" sz="1400" dirty="0" smtClean="0"/>
               <a:t> de la </a:t>
             </a:r>
             <a:r>
-              <a:rPr lang="en-US" dirty="0" err="1" smtClean="0"/>
+              <a:rPr lang="en-US" sz="1400" dirty="0" err="1" smtClean="0"/>
               <a:t>áves</a:t>
             </a:r>
             <a:r>
-              <a:rPr lang="en-US" dirty="0" smtClean="0"/>
+              <a:rPr lang="en-US" sz="1400" dirty="0" smtClean="0"/>
               <a:t>, </a:t>
             </a:r>
             <a:r>
-              <a:rPr lang="en-US" dirty="0" err="1" smtClean="0"/>
+              <a:rPr lang="en-US" sz="1400" dirty="0" err="1" smtClean="0"/>
               <a:t>aunque</a:t>
             </a:r>
             <a:r>
-              <a:rPr lang="en-US" dirty="0" smtClean="0"/>
+              <a:rPr lang="en-US" sz="1400" dirty="0" smtClean="0"/>
               <a:t> hoy </a:t>
             </a:r>
             <a:r>
-              <a:rPr lang="en-US" dirty="0" err="1" smtClean="0"/>
+              <a:rPr lang="en-US" sz="1400" dirty="0" err="1" smtClean="0"/>
               <a:t>entendemos</a:t>
             </a:r>
             <a:r>
-              <a:rPr lang="en-US" dirty="0" smtClean="0"/>
+              <a:rPr lang="en-US" sz="1400" dirty="0" smtClean="0"/>
               <a:t> que son </a:t>
             </a:r>
             <a:r>
-              <a:rPr lang="en-US" dirty="0" err="1" smtClean="0"/>
+              <a:rPr lang="en-US" sz="1400" dirty="0" err="1" smtClean="0"/>
               <a:t>mamíferos</a:t>
             </a:r>
             <a:r>
-              <a:rPr lang="en-US" dirty="0" smtClean="0"/>
+              <a:rPr lang="en-US" sz="1400" dirty="0" smtClean="0"/>
               <a:t>, y se le </a:t>
             </a:r>
             <a:r>
-              <a:rPr lang="en-US" dirty="0" err="1" smtClean="0"/>
+              <a:rPr lang="en-US" sz="1400" dirty="0" err="1" smtClean="0"/>
               <a:t>considera</a:t>
             </a:r>
             <a:r>
-              <a:rPr lang="en-US" dirty="0" smtClean="0"/>
-              <a:t> </a:t>
-            </a:r>
-            <a:r>
-              <a:rPr lang="en-US" dirty="0" err="1" smtClean="0"/>
+              <a:rPr lang="en-US" sz="1400" dirty="0" smtClean="0"/>
+              <a:t> </a:t>
+            </a:r>
+            <a:r>
+              <a:rPr lang="en-US" sz="1400" dirty="0" err="1" smtClean="0"/>
               <a:t>como</a:t>
             </a:r>
             <a:r>
-              <a:rPr lang="en-US" dirty="0" smtClean="0"/>
-              <a:t> </a:t>
-            </a:r>
-            <a:r>
-              <a:rPr lang="en-US" dirty="0" err="1" smtClean="0"/>
+              <a:rPr lang="en-US" sz="1400" dirty="0" smtClean="0"/>
+              <a:t> </a:t>
+            </a:r>
+            <a:r>
+              <a:rPr lang="en-US" sz="1400" dirty="0" err="1" smtClean="0"/>
               <a:t>apto</a:t>
             </a:r>
             <a:r>
-              <a:rPr lang="en-US" dirty="0" smtClean="0"/>
+              <a:rPr lang="en-US" sz="1400" dirty="0" smtClean="0"/>
               <a:t> para el </a:t>
             </a:r>
             <a:r>
-              <a:rPr lang="en-US" dirty="0" err="1" smtClean="0"/>
+              <a:rPr lang="en-US" sz="1400" dirty="0" err="1" smtClean="0"/>
               <a:t>consumo</a:t>
             </a:r>
             <a:r>
-              <a:rPr lang="en-US" dirty="0" smtClean="0"/>
-              <a:t> </a:t>
-            </a:r>
-            <a:r>
-              <a:rPr lang="en-US" dirty="0" err="1" smtClean="0"/>
+              <a:rPr lang="en-US" sz="1400" dirty="0" smtClean="0"/>
+              <a:t> </a:t>
+            </a:r>
+            <a:r>
+              <a:rPr lang="en-US" sz="1400" dirty="0" err="1" smtClean="0"/>
               <a:t>humano</a:t>
             </a:r>
             <a:r>
-              <a:rPr lang="en-US" dirty="0" smtClean="0"/>
+              <a:rPr lang="en-US" sz="1400" dirty="0" smtClean="0"/>
               <a:t>.</a:t>
             </a:r>
           </a:p>
           <a:p>
             <a:r>
-              <a:rPr lang="en-US" dirty="0" smtClean="0"/>
+              <a:rPr lang="en-US" sz="1400" dirty="0" smtClean="0"/>
               <a:t>La </a:t>
             </a:r>
             <a:r>
-              <a:rPr lang="en-US" dirty="0" err="1" smtClean="0"/>
+              <a:rPr lang="en-US" sz="1400" dirty="0" err="1" smtClean="0"/>
               <a:t>mayoría</a:t>
             </a:r>
             <a:r>
-              <a:rPr lang="en-US" dirty="0" smtClean="0"/>
+              <a:rPr lang="en-US" sz="1400" dirty="0" smtClean="0"/>
               <a:t> de </a:t>
             </a:r>
             <a:r>
-              <a:rPr lang="en-US" dirty="0" err="1" smtClean="0"/>
+              <a:rPr lang="en-US" sz="1400" dirty="0" err="1" smtClean="0"/>
               <a:t>insectos</a:t>
             </a:r>
             <a:r>
-              <a:rPr lang="en-US" dirty="0"/>
-              <a:t> </a:t>
-            </a:r>
-            <a:r>
-              <a:rPr lang="en-US" dirty="0" smtClean="0"/>
+              <a:rPr lang="en-US" sz="1400" dirty="0"/>
+              <a:t> </a:t>
+            </a:r>
+            <a:r>
+              <a:rPr lang="en-US" sz="1400" dirty="0" smtClean="0"/>
               <a:t>son </a:t>
             </a:r>
             <a:r>
-              <a:rPr lang="en-US" dirty="0" err="1" smtClean="0"/>
+              <a:rPr lang="en-US" sz="1400" dirty="0" err="1" smtClean="0"/>
               <a:t>inadecuados</a:t>
             </a:r>
             <a:r>
-              <a:rPr lang="en-US" dirty="0" smtClean="0"/>
+              <a:rPr lang="en-US" sz="1400" dirty="0" smtClean="0"/>
               <a:t>, </a:t>
             </a:r>
             <a:r>
-              <a:rPr lang="en-US" dirty="0" err="1" smtClean="0"/>
+              <a:rPr lang="en-US" sz="1400" dirty="0" err="1" smtClean="0"/>
               <a:t>excepto</a:t>
             </a:r>
             <a:r>
-              <a:rPr lang="en-US" dirty="0" smtClean="0"/>
+              <a:rPr lang="en-US" sz="1400" dirty="0" smtClean="0"/>
               <a:t> la </a:t>
             </a:r>
             <a:r>
-              <a:rPr lang="en-US" dirty="0" err="1" smtClean="0"/>
+              <a:rPr lang="en-US" sz="1400" dirty="0" err="1" smtClean="0"/>
               <a:t>langosta</a:t>
             </a:r>
             <a:r>
-              <a:rPr lang="en-US" dirty="0" smtClean="0"/>
+              <a:rPr lang="en-US" sz="1400" dirty="0" smtClean="0"/>
               <a:t>, </a:t>
             </a:r>
             <a:r>
-              <a:rPr lang="en-US" dirty="0" err="1" smtClean="0"/>
+              <a:rPr lang="en-US" sz="1400" dirty="0" err="1" smtClean="0"/>
               <a:t>grillos</a:t>
             </a:r>
             <a:r>
-              <a:rPr lang="en-US" dirty="0" smtClean="0"/>
+              <a:rPr lang="en-US" sz="1400" dirty="0" smtClean="0"/>
               <a:t> y </a:t>
             </a:r>
             <a:r>
-              <a:rPr lang="en-US" dirty="0" err="1" smtClean="0"/>
+              <a:rPr lang="en-US" sz="1400" dirty="0" err="1" smtClean="0"/>
               <a:t>saltamontes</a:t>
             </a:r>
             <a:r>
-              <a:rPr lang="en-US" dirty="0" smtClean="0"/>
+              <a:rPr lang="en-US" sz="1400" dirty="0" smtClean="0"/>
               <a:t>.</a:t>
             </a:r>
           </a:p>
           <a:p>
             <a:r>
-              <a:rPr lang="en-US" dirty="0" smtClean="0">
+              <a:rPr lang="en-US" sz="1400" dirty="0" smtClean="0">
                 <a:solidFill>
                   <a:srgbClr val="FF0000"/>
                 </a:solidFill>
@@ -6167,7 +6720,7 @@
               <a:t>La </a:t>
             </a:r>
             <a:r>
-              <a:rPr lang="en-US" dirty="0" err="1" smtClean="0">
+              <a:rPr lang="en-US" sz="1400" dirty="0" err="1" smtClean="0">
                 <a:solidFill>
                   <a:srgbClr val="FF0000"/>
                 </a:solidFill>
@@ -6175,7 +6728,7 @@
               <a:t>sublimación</a:t>
             </a:r>
             <a:r>
-              <a:rPr lang="en-US" dirty="0" smtClean="0">
+              <a:rPr lang="en-US" sz="1400" dirty="0" smtClean="0">
                 <a:solidFill>
                   <a:srgbClr val="FF0000"/>
                 </a:solidFill>
@@ -6183,7 +6736,7 @@
               <a:t> de </a:t>
             </a:r>
             <a:r>
-              <a:rPr lang="en-US" dirty="0" err="1" smtClean="0">
+              <a:rPr lang="en-US" sz="1400" dirty="0" err="1" smtClean="0">
                 <a:solidFill>
                   <a:srgbClr val="FF0000"/>
                 </a:solidFill>
@@ -6191,7 +6744,7 @@
               <a:t>una</a:t>
             </a:r>
             <a:r>
-              <a:rPr lang="en-US" dirty="0" smtClean="0">
+              <a:rPr lang="en-US" sz="1400" dirty="0" smtClean="0">
                 <a:solidFill>
                   <a:srgbClr val="FF0000"/>
                 </a:solidFill>
@@ -6199,7 +6752,7 @@
               <a:t> </a:t>
             </a:r>
             <a:r>
-              <a:rPr lang="en-US" dirty="0" err="1" smtClean="0">
+              <a:rPr lang="en-US" sz="1400" dirty="0" err="1" smtClean="0">
                 <a:solidFill>
                   <a:srgbClr val="FF0000"/>
                 </a:solidFill>
@@ -6207,14 +6760,14 @@
               <a:t>sociedad</a:t>
             </a:r>
             <a:r>
-              <a:rPr lang="en-US" dirty="0" smtClean="0">
+              <a:rPr lang="en-US" sz="1400" dirty="0" smtClean="0">
                 <a:solidFill>
                   <a:srgbClr val="FF0000"/>
                 </a:solidFill>
               </a:rPr>
               <a:t> sacrificial.</a:t>
             </a:r>
-            <a:endParaRPr lang="es-PE" dirty="0">
+            <a:endParaRPr lang="es-PE" sz="1400" dirty="0">
               <a:solidFill>
                 <a:srgbClr val="FF0000"/>
               </a:solidFill>
@@ -6222,6 +6775,78 @@
           </a:p>
         </p:txBody>
       </p:sp>
+      <p:pic>
+        <p:nvPicPr>
+          <p:cNvPr id="4" name="Imagen 3"/>
+          <p:cNvPicPr>
+            <a:picLocks noChangeAspect="1"/>
+          </p:cNvPicPr>
+          <p:nvPr/>
+        </p:nvPicPr>
+        <p:blipFill>
+          <a:blip r:embed="rId2"/>
+          <a:stretch>
+            <a:fillRect/>
+          </a:stretch>
+        </p:blipFill>
+        <p:spPr>
+          <a:xfrm>
+            <a:off x="961208" y="4356871"/>
+            <a:ext cx="3205193" cy="1820092"/>
+          </a:xfrm>
+          <a:prstGeom prst="rect">
+            <a:avLst/>
+          </a:prstGeom>
+        </p:spPr>
+      </p:pic>
+      <p:pic>
+        <p:nvPicPr>
+          <p:cNvPr id="5" name="Imagen 4"/>
+          <p:cNvPicPr>
+            <a:picLocks noChangeAspect="1"/>
+          </p:cNvPicPr>
+          <p:nvPr/>
+        </p:nvPicPr>
+        <p:blipFill>
+          <a:blip r:embed="rId3"/>
+          <a:stretch>
+            <a:fillRect/>
+          </a:stretch>
+        </p:blipFill>
+        <p:spPr>
+          <a:xfrm>
+            <a:off x="4627381" y="4024810"/>
+            <a:ext cx="2322060" cy="2152153"/>
+          </a:xfrm>
+          <a:prstGeom prst="rect">
+            <a:avLst/>
+          </a:prstGeom>
+        </p:spPr>
+      </p:pic>
+      <p:pic>
+        <p:nvPicPr>
+          <p:cNvPr id="6" name="Imagen 5"/>
+          <p:cNvPicPr>
+            <a:picLocks noChangeAspect="1"/>
+          </p:cNvPicPr>
+          <p:nvPr/>
+        </p:nvPicPr>
+        <p:blipFill>
+          <a:blip r:embed="rId4"/>
+          <a:stretch>
+            <a:fillRect/>
+          </a:stretch>
+        </p:blipFill>
+        <p:spPr>
+          <a:xfrm>
+            <a:off x="7553868" y="3892731"/>
+            <a:ext cx="3366680" cy="2528285"/>
+          </a:xfrm>
+          <a:prstGeom prst="rect">
+            <a:avLst/>
+          </a:prstGeom>
+        </p:spPr>
+      </p:pic>
     </p:spTree>
     <p:extLst>
       <p:ext uri="{BB962C8B-B14F-4D97-AF65-F5344CB8AC3E}">
@@ -6287,401 +6912,475 @@
         </p:nvSpPr>
         <p:spPr/>
         <p:txBody>
-          <a:bodyPr/>
+          <a:bodyPr>
+            <a:normAutofit/>
+          </a:bodyPr>
           <a:lstStyle/>
           <a:p>
             <a:r>
-              <a:rPr lang="en-US" dirty="0" smtClean="0"/>
+              <a:rPr lang="en-US" sz="1800" dirty="0" smtClean="0"/>
               <a:t>Los que </a:t>
             </a:r>
             <a:r>
-              <a:rPr lang="en-US" dirty="0" err="1" smtClean="0"/>
+              <a:rPr lang="en-US" sz="1800" dirty="0" err="1" smtClean="0"/>
               <a:t>abusan</a:t>
             </a:r>
             <a:r>
-              <a:rPr lang="en-US" dirty="0" smtClean="0"/>
+              <a:rPr lang="en-US" sz="1800" dirty="0" smtClean="0"/>
               <a:t> de las </a:t>
             </a:r>
             <a:r>
-              <a:rPr lang="en-US" dirty="0" err="1" smtClean="0"/>
+              <a:rPr lang="en-US" sz="1800" dirty="0" err="1" smtClean="0"/>
               <a:t>bebidas</a:t>
             </a:r>
             <a:r>
-              <a:rPr lang="en-US" dirty="0" smtClean="0"/>
-              <a:t> </a:t>
-            </a:r>
-            <a:r>
-              <a:rPr lang="en-US" dirty="0" err="1" smtClean="0"/>
+              <a:rPr lang="en-US" sz="1800" dirty="0" smtClean="0"/>
+              <a:t> </a:t>
+            </a:r>
+            <a:r>
+              <a:rPr lang="en-US" sz="1800" dirty="0" err="1" smtClean="0"/>
               <a:t>alcoholicas</a:t>
             </a:r>
             <a:r>
-              <a:rPr lang="en-US" dirty="0" smtClean="0"/>
-              <a:t> </a:t>
-            </a:r>
-            <a:r>
-              <a:rPr lang="en-US" dirty="0" err="1" smtClean="0"/>
+              <a:rPr lang="en-US" sz="1800" dirty="0" smtClean="0"/>
+              <a:t> </a:t>
+            </a:r>
+            <a:r>
+              <a:rPr lang="en-US" sz="1800" dirty="0" err="1" smtClean="0"/>
               <a:t>en</a:t>
             </a:r>
             <a:r>
-              <a:rPr lang="en-US" dirty="0" smtClean="0"/>
-              <a:t> </a:t>
-            </a:r>
-            <a:r>
-              <a:rPr lang="en-US" dirty="0" err="1" smtClean="0"/>
+              <a:rPr lang="en-US" sz="1800" dirty="0" smtClean="0"/>
+              <a:t> </a:t>
+            </a:r>
+            <a:r>
+              <a:rPr lang="en-US" sz="1800" dirty="0" err="1" smtClean="0"/>
               <a:t>público</a:t>
             </a:r>
             <a:r>
-              <a:rPr lang="en-US" dirty="0" smtClean="0"/>
+              <a:rPr lang="en-US" sz="1800" dirty="0" smtClean="0"/>
               <a:t> son </a:t>
             </a:r>
             <a:r>
-              <a:rPr lang="en-US" dirty="0" err="1" smtClean="0"/>
+              <a:rPr lang="en-US" sz="1800" dirty="0" err="1" smtClean="0"/>
               <a:t>condenados</a:t>
             </a:r>
             <a:r>
-              <a:rPr lang="en-US" dirty="0" smtClean="0"/>
+              <a:rPr lang="en-US" sz="1800" dirty="0" smtClean="0"/>
               <a:t> a </a:t>
             </a:r>
             <a:r>
-              <a:rPr lang="en-US" dirty="0" err="1" smtClean="0"/>
+              <a:rPr lang="en-US" sz="1800" dirty="0" err="1" smtClean="0"/>
               <a:t>muerte</a:t>
             </a:r>
             <a:r>
-              <a:rPr lang="en-US" dirty="0" smtClean="0"/>
+              <a:rPr lang="en-US" sz="1800" dirty="0" smtClean="0"/>
               <a:t>. </a:t>
             </a:r>
             <a:r>
-              <a:rPr lang="en-US" dirty="0" err="1" smtClean="0"/>
+              <a:rPr lang="en-US" sz="1800" dirty="0" err="1" smtClean="0"/>
               <a:t>Ello</a:t>
             </a:r>
             <a:r>
-              <a:rPr lang="en-US" dirty="0" smtClean="0"/>
-              <a:t> </a:t>
-            </a:r>
-            <a:r>
-              <a:rPr lang="en-US" dirty="0" err="1" smtClean="0"/>
+              <a:rPr lang="en-US" sz="1800" dirty="0" smtClean="0"/>
+              <a:t> </a:t>
+            </a:r>
+            <a:r>
+              <a:rPr lang="en-US" sz="1800" dirty="0" err="1" smtClean="0"/>
               <a:t>porque</a:t>
             </a:r>
             <a:r>
-              <a:rPr lang="en-US" dirty="0" smtClean="0"/>
+              <a:rPr lang="en-US" sz="1800" dirty="0" smtClean="0"/>
               <a:t> la </a:t>
             </a:r>
             <a:r>
-              <a:rPr lang="en-US" dirty="0" err="1" smtClean="0"/>
+              <a:rPr lang="en-US" sz="1800" dirty="0" err="1" smtClean="0"/>
               <a:t>embriaguez</a:t>
             </a:r>
             <a:r>
-              <a:rPr lang="en-US" dirty="0" smtClean="0"/>
+              <a:rPr lang="en-US" sz="1800" dirty="0" smtClean="0"/>
               <a:t> se </a:t>
             </a:r>
             <a:r>
-              <a:rPr lang="en-US" dirty="0" err="1" smtClean="0"/>
+              <a:rPr lang="en-US" sz="1800" dirty="0" err="1" smtClean="0"/>
               <a:t>asociaba</a:t>
             </a:r>
             <a:r>
-              <a:rPr lang="en-US" dirty="0" smtClean="0"/>
+              <a:rPr lang="en-US" sz="1800" dirty="0" smtClean="0"/>
               <a:t> al </a:t>
             </a:r>
             <a:r>
-              <a:rPr lang="en-US" dirty="0" err="1" smtClean="0"/>
+              <a:rPr lang="en-US" sz="1800" dirty="0" err="1" smtClean="0"/>
               <a:t>robo</a:t>
             </a:r>
             <a:r>
-              <a:rPr lang="en-US" dirty="0" smtClean="0"/>
+              <a:rPr lang="en-US" sz="1800" dirty="0" smtClean="0"/>
               <a:t>. </a:t>
             </a:r>
           </a:p>
           <a:p>
             <a:r>
-              <a:rPr lang="en-US" dirty="0" smtClean="0"/>
+              <a:rPr lang="en-US" sz="1800" dirty="0" smtClean="0"/>
               <a:t>Los </a:t>
             </a:r>
             <a:r>
-              <a:rPr lang="en-US" dirty="0" err="1" smtClean="0"/>
+              <a:rPr lang="en-US" sz="1800" dirty="0" err="1" smtClean="0"/>
               <a:t>castigos</a:t>
             </a:r>
             <a:r>
-              <a:rPr lang="en-US" dirty="0" smtClean="0"/>
+              <a:rPr lang="en-US" sz="1800" dirty="0" smtClean="0"/>
               <a:t> y </a:t>
             </a:r>
             <a:r>
-              <a:rPr lang="en-US" dirty="0" err="1" smtClean="0"/>
+              <a:rPr lang="en-US" sz="1800" dirty="0" err="1" smtClean="0"/>
               <a:t>penas</a:t>
             </a:r>
             <a:r>
-              <a:rPr lang="en-US" dirty="0" smtClean="0"/>
-              <a:t> </a:t>
-            </a:r>
-            <a:r>
-              <a:rPr lang="en-US" dirty="0" err="1" smtClean="0"/>
+              <a:rPr lang="en-US" sz="1800" dirty="0" smtClean="0"/>
+              <a:t> </a:t>
+            </a:r>
+            <a:r>
+              <a:rPr lang="en-US" sz="1800" dirty="0" err="1" smtClean="0"/>
               <a:t>eran</a:t>
             </a:r>
             <a:r>
-              <a:rPr lang="en-US" dirty="0" smtClean="0"/>
-              <a:t> </a:t>
-            </a:r>
-            <a:r>
-              <a:rPr lang="en-US" dirty="0" err="1" smtClean="0"/>
+              <a:rPr lang="en-US" sz="1800" dirty="0" smtClean="0"/>
+              <a:t> </a:t>
+            </a:r>
+            <a:r>
+              <a:rPr lang="en-US" sz="1800" dirty="0" err="1" smtClean="0"/>
               <a:t>sumamente</a:t>
             </a:r>
             <a:r>
-              <a:rPr lang="en-US" dirty="0" smtClean="0"/>
-              <a:t> </a:t>
-            </a:r>
-            <a:r>
-              <a:rPr lang="en-US" dirty="0" err="1" smtClean="0"/>
+              <a:rPr lang="en-US" sz="1800" dirty="0" smtClean="0"/>
+              <a:t> </a:t>
+            </a:r>
+            <a:r>
+              <a:rPr lang="en-US" sz="1800" dirty="0" err="1" smtClean="0"/>
               <a:t>severos</a:t>
             </a:r>
             <a:r>
-              <a:rPr lang="en-US" dirty="0" smtClean="0"/>
+              <a:rPr lang="en-US" sz="1800" dirty="0" smtClean="0"/>
               <a:t> y </a:t>
             </a:r>
             <a:r>
-              <a:rPr lang="en-US" dirty="0" err="1" smtClean="0"/>
+              <a:rPr lang="en-US" sz="1800" dirty="0" err="1" smtClean="0"/>
               <a:t>los</a:t>
             </a:r>
             <a:r>
-              <a:rPr lang="en-US" dirty="0" smtClean="0"/>
-              <a:t> </a:t>
-            </a:r>
-            <a:r>
-              <a:rPr lang="en-US" dirty="0" err="1" smtClean="0"/>
+              <a:rPr lang="en-US" sz="1800" dirty="0" smtClean="0"/>
+              <a:t> </a:t>
+            </a:r>
+            <a:r>
+              <a:rPr lang="en-US" sz="1800" dirty="0" err="1" smtClean="0"/>
               <a:t>menores</a:t>
             </a:r>
             <a:r>
-              <a:rPr lang="en-US" dirty="0" smtClean="0"/>
+              <a:rPr lang="en-US" sz="1800" dirty="0" smtClean="0"/>
               <a:t> de </a:t>
             </a:r>
             <a:r>
-              <a:rPr lang="en-US" dirty="0" err="1" smtClean="0"/>
+              <a:rPr lang="en-US" sz="1800" dirty="0" err="1" smtClean="0"/>
               <a:t>edad</a:t>
             </a:r>
             <a:r>
-              <a:rPr lang="en-US" dirty="0" smtClean="0"/>
+              <a:rPr lang="en-US" sz="1800" dirty="0" smtClean="0"/>
               <a:t> no </a:t>
             </a:r>
             <a:r>
-              <a:rPr lang="en-US" dirty="0" err="1" smtClean="0"/>
+              <a:rPr lang="en-US" sz="1800" dirty="0" err="1" smtClean="0"/>
               <a:t>eran</a:t>
             </a:r>
             <a:r>
-              <a:rPr lang="en-US" dirty="0" smtClean="0"/>
-              <a:t> </a:t>
-            </a:r>
-            <a:r>
-              <a:rPr lang="en-US" dirty="0" err="1" smtClean="0"/>
+              <a:rPr lang="en-US" sz="1800" dirty="0" smtClean="0"/>
+              <a:t> </a:t>
+            </a:r>
+            <a:r>
+              <a:rPr lang="en-US" sz="1800" dirty="0" err="1" smtClean="0"/>
               <a:t>ajenos</a:t>
             </a:r>
             <a:r>
-              <a:rPr lang="en-US" dirty="0" smtClean="0"/>
+              <a:rPr lang="en-US" sz="1800" dirty="0" smtClean="0"/>
               <a:t> a </a:t>
             </a:r>
             <a:r>
-              <a:rPr lang="en-US" dirty="0" err="1" smtClean="0"/>
+              <a:rPr lang="en-US" sz="1800" dirty="0" err="1" smtClean="0"/>
               <a:t>tal</a:t>
             </a:r>
             <a:r>
-              <a:rPr lang="en-US" dirty="0" smtClean="0"/>
+              <a:rPr lang="en-US" sz="1800" dirty="0" smtClean="0"/>
               <a:t> regimen. </a:t>
             </a:r>
             <a:r>
-              <a:rPr lang="en-US" dirty="0" err="1" smtClean="0"/>
+              <a:rPr lang="en-US" sz="1800" dirty="0" err="1" smtClean="0"/>
               <a:t>Algunos</a:t>
             </a:r>
             <a:r>
-              <a:rPr lang="en-US" dirty="0" smtClean="0"/>
-              <a:t> </a:t>
-            </a:r>
-            <a:r>
-              <a:rPr lang="en-US" dirty="0" err="1" smtClean="0"/>
+              <a:rPr lang="en-US" sz="1800" dirty="0" smtClean="0"/>
+              <a:t> </a:t>
+            </a:r>
+            <a:r>
+              <a:rPr lang="en-US" sz="1800" dirty="0" err="1" smtClean="0"/>
               <a:t>ejemplos</a:t>
             </a:r>
             <a:r>
-              <a:rPr lang="en-US" dirty="0" smtClean="0"/>
+              <a:rPr lang="en-US" sz="1800" dirty="0" smtClean="0"/>
               <a:t> de </a:t>
             </a:r>
             <a:r>
-              <a:rPr lang="en-US" dirty="0" err="1" smtClean="0"/>
+              <a:rPr lang="en-US" sz="1800" dirty="0" err="1" smtClean="0"/>
               <a:t>medidas</a:t>
             </a:r>
             <a:r>
-              <a:rPr lang="en-US" dirty="0" smtClean="0"/>
-              <a:t> </a:t>
-            </a:r>
-            <a:r>
-              <a:rPr lang="en-US" dirty="0" err="1" smtClean="0"/>
+              <a:rPr lang="en-US" sz="1800" dirty="0" smtClean="0"/>
+              <a:t> </a:t>
+            </a:r>
+            <a:r>
+              <a:rPr lang="en-US" sz="1800" dirty="0" err="1" smtClean="0"/>
               <a:t>disciplinarias</a:t>
             </a:r>
             <a:r>
-              <a:rPr lang="en-US" dirty="0" smtClean="0"/>
-              <a:t> </a:t>
-            </a:r>
-            <a:r>
-              <a:rPr lang="en-US" dirty="0" err="1" smtClean="0"/>
+              <a:rPr lang="en-US" sz="1800" dirty="0" smtClean="0"/>
+              <a:t> </a:t>
+            </a:r>
+            <a:r>
+              <a:rPr lang="en-US" sz="1800" dirty="0" err="1" smtClean="0"/>
               <a:t>incluyen</a:t>
             </a:r>
             <a:r>
-              <a:rPr lang="en-US" dirty="0" smtClean="0"/>
+              <a:rPr lang="en-US" sz="1800" dirty="0" smtClean="0"/>
               <a:t> el azote con </a:t>
             </a:r>
             <a:r>
-              <a:rPr lang="en-US" dirty="0" err="1" smtClean="0"/>
+              <a:rPr lang="en-US" sz="1800" dirty="0" err="1" smtClean="0"/>
               <a:t>plantas</a:t>
             </a:r>
             <a:r>
-              <a:rPr lang="en-US" dirty="0" smtClean="0"/>
+              <a:rPr lang="en-US" sz="1800" dirty="0" smtClean="0"/>
               <a:t> con </a:t>
             </a:r>
             <a:r>
-              <a:rPr lang="en-US" dirty="0" err="1" smtClean="0"/>
+              <a:rPr lang="en-US" sz="1800" dirty="0" err="1" smtClean="0"/>
               <a:t>espinas</a:t>
             </a:r>
             <a:r>
-              <a:rPr lang="en-US" dirty="0" smtClean="0"/>
+              <a:rPr lang="en-US" sz="1800" dirty="0" smtClean="0"/>
               <a:t>, </a:t>
             </a:r>
             <a:r>
-              <a:rPr lang="en-US" dirty="0" err="1" smtClean="0"/>
+              <a:rPr lang="en-US" sz="1800" dirty="0" err="1" smtClean="0"/>
               <a:t>hacerlos</a:t>
             </a:r>
             <a:r>
-              <a:rPr lang="en-US" dirty="0" smtClean="0"/>
+              <a:rPr lang="en-US" sz="1800" dirty="0" smtClean="0"/>
               <a:t> aspirer el </a:t>
             </a:r>
             <a:r>
-              <a:rPr lang="en-US" dirty="0" err="1" smtClean="0"/>
+              <a:rPr lang="en-US" sz="1800" dirty="0" err="1" smtClean="0"/>
               <a:t>humo</a:t>
             </a:r>
             <a:r>
-              <a:rPr lang="en-US" dirty="0" smtClean="0"/>
+              <a:rPr lang="en-US" sz="1800" dirty="0" smtClean="0"/>
               <a:t> del </a:t>
             </a:r>
             <a:r>
-              <a:rPr lang="en-US" dirty="0" err="1" smtClean="0"/>
+              <a:rPr lang="en-US" sz="1800" dirty="0" err="1" smtClean="0"/>
               <a:t>hervor</a:t>
             </a:r>
             <a:r>
-              <a:rPr lang="en-US" dirty="0" smtClean="0"/>
+              <a:rPr lang="en-US" sz="1800" dirty="0" smtClean="0"/>
               <a:t> de </a:t>
             </a:r>
             <a:r>
-              <a:rPr lang="en-US" dirty="0" err="1" smtClean="0"/>
+              <a:rPr lang="en-US" sz="1800" dirty="0" err="1" smtClean="0"/>
               <a:t>chiles</a:t>
             </a:r>
             <a:r>
-              <a:rPr lang="en-US" dirty="0" smtClean="0"/>
-              <a:t> </a:t>
-            </a:r>
-            <a:r>
-              <a:rPr lang="en-US" dirty="0" err="1" smtClean="0"/>
+              <a:rPr lang="en-US" sz="1800" dirty="0" smtClean="0"/>
+              <a:t> </a:t>
+            </a:r>
+            <a:r>
+              <a:rPr lang="en-US" sz="1800" dirty="0" err="1" smtClean="0"/>
               <a:t>hervidos</a:t>
             </a:r>
             <a:r>
-              <a:rPr lang="en-US" dirty="0" smtClean="0"/>
+              <a:rPr lang="en-US" sz="1800" dirty="0" smtClean="0"/>
               <a:t>, </a:t>
             </a:r>
             <a:r>
-              <a:rPr lang="en-US" dirty="0" err="1" smtClean="0"/>
+              <a:rPr lang="en-US" sz="1800" dirty="0" err="1" smtClean="0"/>
               <a:t>ser</a:t>
             </a:r>
             <a:r>
-              <a:rPr lang="en-US" dirty="0" smtClean="0"/>
-              <a:t> </a:t>
-            </a:r>
-            <a:r>
-              <a:rPr lang="en-US" dirty="0" err="1" smtClean="0"/>
+              <a:rPr lang="en-US" sz="1800" dirty="0" smtClean="0"/>
+              <a:t> </a:t>
+            </a:r>
+            <a:r>
+              <a:rPr lang="en-US" sz="1800" dirty="0" err="1" smtClean="0"/>
               <a:t>atados</a:t>
             </a:r>
             <a:r>
-              <a:rPr lang="en-US" dirty="0" smtClean="0"/>
+              <a:rPr lang="en-US" sz="1800" dirty="0" smtClean="0"/>
               <a:t> a </a:t>
             </a:r>
             <a:r>
-              <a:rPr lang="en-US" dirty="0" err="1" smtClean="0"/>
+              <a:rPr lang="en-US" sz="1800" dirty="0" err="1" smtClean="0"/>
               <a:t>árboles</a:t>
             </a:r>
             <a:r>
-              <a:rPr lang="en-US" dirty="0" smtClean="0"/>
-              <a:t> </a:t>
-            </a:r>
-            <a:r>
-              <a:rPr lang="en-US" dirty="0" err="1" smtClean="0"/>
+              <a:rPr lang="en-US" sz="1800" dirty="0" smtClean="0"/>
+              <a:t> </a:t>
+            </a:r>
+            <a:r>
+              <a:rPr lang="en-US" sz="1800" dirty="0" err="1" smtClean="0"/>
               <a:t>por</a:t>
             </a:r>
             <a:r>
-              <a:rPr lang="en-US" dirty="0" smtClean="0"/>
-              <a:t> </a:t>
-            </a:r>
-            <a:r>
-              <a:rPr lang="en-US" dirty="0" err="1" smtClean="0"/>
+              <a:rPr lang="en-US" sz="1800" dirty="0" smtClean="0"/>
+              <a:t> </a:t>
+            </a:r>
+            <a:r>
+              <a:rPr lang="en-US" sz="1800" dirty="0" err="1" smtClean="0"/>
               <a:t>todo</a:t>
             </a:r>
             <a:r>
-              <a:rPr lang="en-US" dirty="0" smtClean="0"/>
+              <a:rPr lang="en-US" sz="1800" dirty="0" smtClean="0"/>
               <a:t> el </a:t>
             </a:r>
             <a:r>
-              <a:rPr lang="en-US" dirty="0" err="1" smtClean="0"/>
+              <a:rPr lang="en-US" sz="1800" dirty="0" err="1" smtClean="0"/>
               <a:t>día</a:t>
             </a:r>
             <a:r>
-              <a:rPr lang="en-US" dirty="0" smtClean="0"/>
+              <a:rPr lang="en-US" sz="1800" dirty="0" smtClean="0"/>
               <a:t> o </a:t>
             </a:r>
             <a:r>
-              <a:rPr lang="en-US" dirty="0" err="1" smtClean="0"/>
+              <a:rPr lang="en-US" sz="1800" dirty="0" err="1" smtClean="0"/>
               <a:t>incluso</a:t>
             </a:r>
             <a:r>
-              <a:rPr lang="en-US" dirty="0" smtClean="0"/>
+              <a:rPr lang="en-US" sz="1800" dirty="0" smtClean="0"/>
               <a:t> la </a:t>
             </a:r>
             <a:r>
-              <a:rPr lang="en-US" dirty="0" err="1" smtClean="0"/>
+              <a:rPr lang="en-US" sz="1800" dirty="0" err="1" smtClean="0"/>
               <a:t>esclavitud</a:t>
             </a:r>
             <a:r>
-              <a:rPr lang="en-US" dirty="0" smtClean="0"/>
+              <a:rPr lang="en-US" sz="1800" dirty="0" smtClean="0"/>
               <a:t>; </a:t>
             </a:r>
             <a:r>
-              <a:rPr lang="en-US" dirty="0" err="1" smtClean="0"/>
+              <a:rPr lang="en-US" sz="1800" dirty="0" err="1" smtClean="0"/>
               <a:t>todo</a:t>
             </a:r>
             <a:r>
-              <a:rPr lang="en-US" dirty="0" smtClean="0"/>
-              <a:t> </a:t>
-            </a:r>
-            <a:r>
-              <a:rPr lang="en-US" dirty="0" err="1" smtClean="0"/>
+              <a:rPr lang="en-US" sz="1800" dirty="0" smtClean="0"/>
+              <a:t> </a:t>
+            </a:r>
+            <a:r>
+              <a:rPr lang="en-US" sz="1800" dirty="0" err="1" smtClean="0"/>
               <a:t>ello</a:t>
             </a:r>
             <a:r>
-              <a:rPr lang="en-US" dirty="0" smtClean="0"/>
+              <a:rPr lang="en-US" sz="1800" dirty="0" smtClean="0"/>
               <a:t> con el fin de </a:t>
             </a:r>
             <a:r>
-              <a:rPr lang="en-US" dirty="0" err="1" smtClean="0"/>
+              <a:rPr lang="en-US" sz="1800" dirty="0" err="1" smtClean="0"/>
               <a:t>inculcar</a:t>
             </a:r>
             <a:r>
-              <a:rPr lang="en-US" dirty="0" smtClean="0"/>
+              <a:rPr lang="en-US" sz="1800" dirty="0" smtClean="0"/>
               <a:t> la </a:t>
             </a:r>
             <a:r>
-              <a:rPr lang="en-US" dirty="0" err="1" smtClean="0"/>
+              <a:rPr lang="en-US" sz="1800" dirty="0" err="1" smtClean="0"/>
               <a:t>disciplina</a:t>
             </a:r>
             <a:r>
-              <a:rPr lang="en-US" dirty="0" smtClean="0"/>
+              <a:rPr lang="en-US" sz="1800" dirty="0" smtClean="0"/>
               <a:t>. </a:t>
             </a:r>
           </a:p>
           <a:p>
-            <a:endParaRPr lang="es-PE" dirty="0"/>
-          </a:p>
-        </p:txBody>
-      </p:sp>
+            <a:endParaRPr lang="es-PE" sz="1800" dirty="0"/>
+          </a:p>
+        </p:txBody>
+      </p:sp>
+      <p:pic>
+        <p:nvPicPr>
+          <p:cNvPr id="4" name="Imagen 3"/>
+          <p:cNvPicPr>
+            <a:picLocks noChangeAspect="1"/>
+          </p:cNvPicPr>
+          <p:nvPr/>
+        </p:nvPicPr>
+        <p:blipFill>
+          <a:blip r:embed="rId2"/>
+          <a:stretch>
+            <a:fillRect/>
+          </a:stretch>
+        </p:blipFill>
+        <p:spPr>
+          <a:xfrm>
+            <a:off x="611321" y="3698097"/>
+            <a:ext cx="2867192" cy="2854449"/>
+          </a:xfrm>
+          <a:prstGeom prst="rect">
+            <a:avLst/>
+          </a:prstGeom>
+        </p:spPr>
+      </p:pic>
+      <p:pic>
+        <p:nvPicPr>
+          <p:cNvPr id="5" name="Imagen 4"/>
+          <p:cNvPicPr>
+            <a:picLocks noChangeAspect="1"/>
+          </p:cNvPicPr>
+          <p:nvPr/>
+        </p:nvPicPr>
+        <p:blipFill>
+          <a:blip r:embed="rId3"/>
+          <a:stretch>
+            <a:fillRect/>
+          </a:stretch>
+        </p:blipFill>
+        <p:spPr>
+          <a:xfrm>
+            <a:off x="3834357" y="3888375"/>
+            <a:ext cx="4854348" cy="2664171"/>
+          </a:xfrm>
+          <a:prstGeom prst="rect">
+            <a:avLst/>
+          </a:prstGeom>
+        </p:spPr>
+      </p:pic>
+      <p:pic>
+        <p:nvPicPr>
+          <p:cNvPr id="6" name="Imagen 5"/>
+          <p:cNvPicPr>
+            <a:picLocks noChangeAspect="1"/>
+          </p:cNvPicPr>
+          <p:nvPr/>
+        </p:nvPicPr>
+        <p:blipFill>
+          <a:blip r:embed="rId4"/>
+          <a:stretch>
+            <a:fillRect/>
+          </a:stretch>
+        </p:blipFill>
+        <p:spPr>
+          <a:xfrm>
+            <a:off x="8688705" y="4173253"/>
+            <a:ext cx="3373637" cy="2094414"/>
+          </a:xfrm>
+          <a:prstGeom prst="rect">
+            <a:avLst/>
+          </a:prstGeom>
+        </p:spPr>
+      </p:pic>
     </p:spTree>
     <p:extLst>
       <p:ext uri="{BB962C8B-B14F-4D97-AF65-F5344CB8AC3E}">
@@ -6804,6 +7503,54 @@
           </a:p>
         </p:txBody>
       </p:sp>
+      <p:pic>
+        <p:nvPicPr>
+          <p:cNvPr id="4" name="Imagen 3"/>
+          <p:cNvPicPr>
+            <a:picLocks noChangeAspect="1"/>
+          </p:cNvPicPr>
+          <p:nvPr/>
+        </p:nvPicPr>
+        <p:blipFill>
+          <a:blip r:embed="rId2"/>
+          <a:stretch>
+            <a:fillRect/>
+          </a:stretch>
+        </p:blipFill>
+        <p:spPr>
+          <a:xfrm>
+            <a:off x="2700467" y="3256053"/>
+            <a:ext cx="6791066" cy="3417299"/>
+          </a:xfrm>
+          <a:prstGeom prst="rect">
+            <a:avLst/>
+          </a:prstGeom>
+        </p:spPr>
+      </p:pic>
+      <p:pic>
+        <p:nvPicPr>
+          <p:cNvPr id="5" name="Imagen 4"/>
+          <p:cNvPicPr>
+            <a:picLocks noChangeAspect="1"/>
+          </p:cNvPicPr>
+          <p:nvPr/>
+        </p:nvPicPr>
+        <p:blipFill>
+          <a:blip r:embed="rId3"/>
+          <a:stretch>
+            <a:fillRect/>
+          </a:stretch>
+        </p:blipFill>
+        <p:spPr>
+          <a:xfrm>
+            <a:off x="6434136" y="389004"/>
+            <a:ext cx="5257121" cy="2603367"/>
+          </a:xfrm>
+          <a:prstGeom prst="rect">
+            <a:avLst/>
+          </a:prstGeom>
+        </p:spPr>
+      </p:pic>
     </p:spTree>
     <p:extLst>
       <p:ext uri="{BB962C8B-B14F-4D97-AF65-F5344CB8AC3E}">
@@ -6870,54 +7617,102 @@
         <p:spPr/>
         <p:txBody>
           <a:bodyPr>
-            <a:normAutofit fontScale="92500"/>
+            <a:normAutofit/>
           </a:bodyPr>
           <a:lstStyle/>
           <a:p>
             <a:r>
-              <a:rPr lang="es-PE" dirty="0" smtClean="0"/>
+              <a:rPr lang="es-PE" sz="1600" dirty="0" smtClean="0"/>
               <a:t>Existe un complejo sistema de honor y justicia. Los castigos pueden ser muy cruentos. Se pueden resolver disputas mediante pagos compensatorios o duelos a muerte. En algunos casos se puede condenar al ostracismo, por lo que el sujeto puede ser asesinado sin represalias. </a:t>
             </a:r>
           </a:p>
           <a:p>
             <a:r>
-              <a:rPr lang="es-PE" dirty="0" smtClean="0"/>
+              <a:rPr lang="es-PE" sz="1600" dirty="0" smtClean="0"/>
               <a:t>Aquel que coma hasta que su cinturón no soporte más es condenado a muerte. Aquel que beba y se emborrache podría tener el mismo desenlace. </a:t>
             </a:r>
           </a:p>
           <a:p>
             <a:r>
-              <a:rPr lang="es-PE" dirty="0" smtClean="0"/>
+              <a:rPr lang="es-PE" sz="1600" dirty="0" smtClean="0"/>
               <a:t>Si alguien te insulta puedes reclamar una compensación financiera. “</a:t>
             </a:r>
             <a:r>
-              <a:rPr lang="es-PE" dirty="0" err="1" smtClean="0"/>
+              <a:rPr lang="es-PE" sz="1600" dirty="0" err="1" smtClean="0"/>
               <a:t>Ergi</a:t>
             </a:r>
             <a:r>
-              <a:rPr lang="es-PE" dirty="0" smtClean="0"/>
+              <a:rPr lang="es-PE" sz="1600" dirty="0" smtClean="0"/>
               <a:t>, </a:t>
             </a:r>
             <a:r>
-              <a:rPr lang="es-PE" dirty="0" err="1" smtClean="0"/>
+              <a:rPr lang="es-PE" sz="1600" dirty="0" err="1" smtClean="0"/>
               <a:t>argr</a:t>
             </a:r>
             <a:r>
-              <a:rPr lang="es-PE" dirty="0" smtClean="0"/>
+              <a:rPr lang="es-PE" sz="1600" dirty="0" smtClean="0"/>
               <a:t>, </a:t>
             </a:r>
             <a:r>
-              <a:rPr lang="es-PE" dirty="0" err="1" smtClean="0"/>
+              <a:rPr lang="es-PE" sz="1600" dirty="0" err="1" smtClean="0"/>
               <a:t>ragr</a:t>
             </a:r>
             <a:r>
-              <a:rPr lang="es-PE" dirty="0" smtClean="0"/>
+              <a:rPr lang="es-PE" sz="1600" dirty="0" smtClean="0"/>
               <a:t>”. Referirse a alguien como cobarde o afeminado es un gran deshonor en esta sociedad. Se espera que al recibir este tipo de ofensa, el agredido mate al ofensor de modo inmediato. </a:t>
             </a:r>
-            <a:endParaRPr lang="es-PE" dirty="0"/>
-          </a:p>
-        </p:txBody>
-      </p:sp>
+            <a:endParaRPr lang="es-PE" sz="1600" dirty="0"/>
+          </a:p>
+        </p:txBody>
+      </p:sp>
+      <p:pic>
+        <p:nvPicPr>
+          <p:cNvPr id="4" name="Imagen 3"/>
+          <p:cNvPicPr>
+            <a:picLocks noChangeAspect="1"/>
+          </p:cNvPicPr>
+          <p:nvPr/>
+        </p:nvPicPr>
+        <p:blipFill>
+          <a:blip r:embed="rId2"/>
+          <a:stretch>
+            <a:fillRect/>
+          </a:stretch>
+        </p:blipFill>
+        <p:spPr>
+          <a:xfrm>
+            <a:off x="1040400" y="4022135"/>
+            <a:ext cx="3936547" cy="2704077"/>
+          </a:xfrm>
+          <a:prstGeom prst="rect">
+            <a:avLst/>
+          </a:prstGeom>
+        </p:spPr>
+      </p:pic>
+      <p:pic>
+        <p:nvPicPr>
+          <p:cNvPr id="5" name="Imagen 4"/>
+          <p:cNvPicPr>
+            <a:picLocks noChangeAspect="1"/>
+          </p:cNvPicPr>
+          <p:nvPr/>
+        </p:nvPicPr>
+        <p:blipFill>
+          <a:blip r:embed="rId3"/>
+          <a:stretch>
+            <a:fillRect/>
+          </a:stretch>
+        </p:blipFill>
+        <p:spPr>
+          <a:xfrm>
+            <a:off x="5620158" y="4023539"/>
+            <a:ext cx="4999945" cy="2702673"/>
+          </a:xfrm>
+          <a:prstGeom prst="rect">
+            <a:avLst/>
+          </a:prstGeom>
+        </p:spPr>
+      </p:pic>
     </p:spTree>
     <p:extLst>
       <p:ext uri="{BB962C8B-B14F-4D97-AF65-F5344CB8AC3E}">
